--- a/Capstone Project Final Presentation - Crawford.pptx
+++ b/Capstone Project Final Presentation - Crawford.pptx
@@ -9,13 +9,13 @@
   </p:notesMasterIdLst>
   <p:sldIdLst>
     <p:sldId id="256" r:id="rId2"/>
-    <p:sldId id="257" r:id="rId3"/>
-    <p:sldId id="258" r:id="rId4"/>
-    <p:sldId id="259" r:id="rId5"/>
-    <p:sldId id="260" r:id="rId6"/>
-    <p:sldId id="261" r:id="rId7"/>
-    <p:sldId id="262" r:id="rId8"/>
-    <p:sldId id="263" r:id="rId9"/>
+    <p:sldId id="264" r:id="rId3"/>
+    <p:sldId id="257" r:id="rId4"/>
+    <p:sldId id="258" r:id="rId5"/>
+    <p:sldId id="259" r:id="rId6"/>
+    <p:sldId id="260" r:id="rId7"/>
+    <p:sldId id="263" r:id="rId8"/>
+    <p:sldId id="265" r:id="rId9"/>
   </p:sldIdLst>
   <p:sldSz cx="12192000" cy="6858000"/>
   <p:notesSz cx="6858000" cy="9144000"/>
@@ -114,6 +114,11 @@
       </a:defRPr>
     </a:lvl9pPr>
   </p:defaultTextStyle>
+  <p:extLst>
+    <p:ext uri="{EFAFB233-063F-42B5-8137-9DF3F51BA10A}">
+      <p15:sldGuideLst xmlns:p15="http://schemas.microsoft.com/office/powerpoint/2012/main"/>
+    </p:ext>
+  </p:extLst>
 </p:presentation>
 </file>
 
@@ -1789,753 +1794,6 @@
       <a:schemeClr val="accent4"/>
       <a:schemeClr val="accent5"/>
       <a:schemeClr val="accent6"/>
-    </dgm:txFillClrLst>
-    <dgm:txEffectClrLst/>
-  </dgm:styleLbl>
-</dgm:colorsDef>
-</file>
-
-<file path=ppt/diagrams/colors3.xml><?xml version="1.0" encoding="utf-8"?>
-<dgm:colorsDef xmlns:dgm="http://schemas.openxmlformats.org/drawingml/2006/diagram" xmlns:a="http://schemas.openxmlformats.org/drawingml/2006/main" uniqueId="urn:microsoft.com/office/officeart/2005/8/colors/accent1_2">
-  <dgm:title val=""/>
-  <dgm:desc val=""/>
-  <dgm:catLst>
-    <dgm:cat type="accent1" pri="11200"/>
-  </dgm:catLst>
-  <dgm:styleLbl name="node0">
-    <dgm:fillClrLst meth="repeat">
-      <a:schemeClr val="accent1"/>
-    </dgm:fillClrLst>
-    <dgm:linClrLst meth="repeat">
-      <a:schemeClr val="lt1"/>
-    </dgm:linClrLst>
-    <dgm:effectClrLst/>
-    <dgm:txLinClrLst/>
-    <dgm:txFillClrLst/>
-    <dgm:txEffectClrLst/>
-  </dgm:styleLbl>
-  <dgm:styleLbl name="alignNode1">
-    <dgm:fillClrLst meth="repeat">
-      <a:schemeClr val="accent1"/>
-    </dgm:fillClrLst>
-    <dgm:linClrLst meth="repeat">
-      <a:schemeClr val="accent1"/>
-    </dgm:linClrLst>
-    <dgm:effectClrLst/>
-    <dgm:txLinClrLst/>
-    <dgm:txFillClrLst/>
-    <dgm:txEffectClrLst/>
-  </dgm:styleLbl>
-  <dgm:styleLbl name="node1">
-    <dgm:fillClrLst meth="repeat">
-      <a:schemeClr val="accent1"/>
-    </dgm:fillClrLst>
-    <dgm:linClrLst meth="repeat">
-      <a:schemeClr val="lt1"/>
-    </dgm:linClrLst>
-    <dgm:effectClrLst/>
-    <dgm:txLinClrLst/>
-    <dgm:txFillClrLst/>
-    <dgm:txEffectClrLst/>
-  </dgm:styleLbl>
-  <dgm:styleLbl name="lnNode1">
-    <dgm:fillClrLst meth="repeat">
-      <a:schemeClr val="accent1"/>
-    </dgm:fillClrLst>
-    <dgm:linClrLst meth="repeat">
-      <a:schemeClr val="lt1"/>
-    </dgm:linClrLst>
-    <dgm:effectClrLst/>
-    <dgm:txLinClrLst/>
-    <dgm:txFillClrLst/>
-    <dgm:txEffectClrLst/>
-  </dgm:styleLbl>
-  <dgm:styleLbl name="vennNode1">
-    <dgm:fillClrLst meth="repeat">
-      <a:schemeClr val="accent1">
-        <a:alpha val="50000"/>
-      </a:schemeClr>
-    </dgm:fillClrLst>
-    <dgm:linClrLst meth="repeat">
-      <a:schemeClr val="lt1"/>
-    </dgm:linClrLst>
-    <dgm:effectClrLst/>
-    <dgm:txLinClrLst/>
-    <dgm:txFillClrLst/>
-    <dgm:txEffectClrLst/>
-  </dgm:styleLbl>
-  <dgm:styleLbl name="node2">
-    <dgm:fillClrLst meth="repeat">
-      <a:schemeClr val="accent1"/>
-    </dgm:fillClrLst>
-    <dgm:linClrLst meth="repeat">
-      <a:schemeClr val="lt1"/>
-    </dgm:linClrLst>
-    <dgm:effectClrLst/>
-    <dgm:txLinClrLst/>
-    <dgm:txFillClrLst/>
-    <dgm:txEffectClrLst/>
-  </dgm:styleLbl>
-  <dgm:styleLbl name="node3">
-    <dgm:fillClrLst meth="repeat">
-      <a:schemeClr val="accent1"/>
-    </dgm:fillClrLst>
-    <dgm:linClrLst meth="repeat">
-      <a:schemeClr val="lt1"/>
-    </dgm:linClrLst>
-    <dgm:effectClrLst/>
-    <dgm:txLinClrLst/>
-    <dgm:txFillClrLst/>
-    <dgm:txEffectClrLst/>
-  </dgm:styleLbl>
-  <dgm:styleLbl name="node4">
-    <dgm:fillClrLst meth="repeat">
-      <a:schemeClr val="accent1"/>
-    </dgm:fillClrLst>
-    <dgm:linClrLst meth="repeat">
-      <a:schemeClr val="lt1"/>
-    </dgm:linClrLst>
-    <dgm:effectClrLst/>
-    <dgm:txLinClrLst/>
-    <dgm:txFillClrLst/>
-    <dgm:txEffectClrLst/>
-  </dgm:styleLbl>
-  <dgm:styleLbl name="fgImgPlace1">
-    <dgm:fillClrLst meth="repeat">
-      <a:schemeClr val="accent1">
-        <a:tint val="50000"/>
-      </a:schemeClr>
-    </dgm:fillClrLst>
-    <dgm:linClrLst meth="repeat">
-      <a:schemeClr val="lt1"/>
-    </dgm:linClrLst>
-    <dgm:effectClrLst/>
-    <dgm:txLinClrLst/>
-    <dgm:txFillClrLst meth="repeat">
-      <a:schemeClr val="lt1"/>
-    </dgm:txFillClrLst>
-    <dgm:txEffectClrLst/>
-  </dgm:styleLbl>
-  <dgm:styleLbl name="alignImgPlace1">
-    <dgm:fillClrLst meth="repeat">
-      <a:schemeClr val="accent1">
-        <a:tint val="50000"/>
-      </a:schemeClr>
-    </dgm:fillClrLst>
-    <dgm:linClrLst meth="repeat">
-      <a:schemeClr val="lt1"/>
-    </dgm:linClrLst>
-    <dgm:effectClrLst/>
-    <dgm:txLinClrLst/>
-    <dgm:txFillClrLst meth="repeat">
-      <a:schemeClr val="lt1"/>
-    </dgm:txFillClrLst>
-    <dgm:txEffectClrLst/>
-  </dgm:styleLbl>
-  <dgm:styleLbl name="bgImgPlace1">
-    <dgm:fillClrLst meth="repeat">
-      <a:schemeClr val="accent1">
-        <a:tint val="50000"/>
-      </a:schemeClr>
-    </dgm:fillClrLst>
-    <dgm:linClrLst meth="repeat">
-      <a:schemeClr val="lt1"/>
-    </dgm:linClrLst>
-    <dgm:effectClrLst/>
-    <dgm:txLinClrLst/>
-    <dgm:txFillClrLst meth="repeat">
-      <a:schemeClr val="lt1"/>
-    </dgm:txFillClrLst>
-    <dgm:txEffectClrLst/>
-  </dgm:styleLbl>
-  <dgm:styleLbl name="sibTrans2D1">
-    <dgm:fillClrLst meth="repeat">
-      <a:schemeClr val="accent1">
-        <a:tint val="60000"/>
-      </a:schemeClr>
-    </dgm:fillClrLst>
-    <dgm:linClrLst meth="repeat">
-      <a:schemeClr val="accent1">
-        <a:tint val="60000"/>
-      </a:schemeClr>
-    </dgm:linClrLst>
-    <dgm:effectClrLst/>
-    <dgm:txLinClrLst/>
-    <dgm:txFillClrLst/>
-    <dgm:txEffectClrLst/>
-  </dgm:styleLbl>
-  <dgm:styleLbl name="fgSibTrans2D1">
-    <dgm:fillClrLst meth="repeat">
-      <a:schemeClr val="accent1">
-        <a:tint val="60000"/>
-      </a:schemeClr>
-    </dgm:fillClrLst>
-    <dgm:linClrLst meth="repeat">
-      <a:schemeClr val="accent1">
-        <a:tint val="60000"/>
-      </a:schemeClr>
-    </dgm:linClrLst>
-    <dgm:effectClrLst/>
-    <dgm:txLinClrLst/>
-    <dgm:txFillClrLst/>
-    <dgm:txEffectClrLst/>
-  </dgm:styleLbl>
-  <dgm:styleLbl name="bgSibTrans2D1">
-    <dgm:fillClrLst meth="repeat">
-      <a:schemeClr val="accent1">
-        <a:tint val="60000"/>
-      </a:schemeClr>
-    </dgm:fillClrLst>
-    <dgm:linClrLst meth="repeat">
-      <a:schemeClr val="accent1">
-        <a:tint val="60000"/>
-      </a:schemeClr>
-    </dgm:linClrLst>
-    <dgm:effectClrLst/>
-    <dgm:txLinClrLst/>
-    <dgm:txFillClrLst/>
-    <dgm:txEffectClrLst/>
-  </dgm:styleLbl>
-  <dgm:styleLbl name="sibTrans1D1">
-    <dgm:fillClrLst meth="repeat">
-      <a:schemeClr val="accent1"/>
-    </dgm:fillClrLst>
-    <dgm:linClrLst meth="repeat">
-      <a:schemeClr val="accent1"/>
-    </dgm:linClrLst>
-    <dgm:effectClrLst/>
-    <dgm:txLinClrLst/>
-    <dgm:txFillClrLst meth="repeat">
-      <a:schemeClr val="tx1"/>
-    </dgm:txFillClrLst>
-    <dgm:txEffectClrLst/>
-  </dgm:styleLbl>
-  <dgm:styleLbl name="callout">
-    <dgm:fillClrLst meth="repeat">
-      <a:schemeClr val="accent1"/>
-    </dgm:fillClrLst>
-    <dgm:linClrLst meth="repeat">
-      <a:schemeClr val="accent1">
-        <a:tint val="50000"/>
-      </a:schemeClr>
-    </dgm:linClrLst>
-    <dgm:effectClrLst/>
-    <dgm:txLinClrLst/>
-    <dgm:txFillClrLst meth="repeat">
-      <a:schemeClr val="tx1"/>
-    </dgm:txFillClrLst>
-    <dgm:txEffectClrLst/>
-  </dgm:styleLbl>
-  <dgm:styleLbl name="asst0">
-    <dgm:fillClrLst meth="repeat">
-      <a:schemeClr val="accent1"/>
-    </dgm:fillClrLst>
-    <dgm:linClrLst meth="repeat">
-      <a:schemeClr val="lt1"/>
-    </dgm:linClrLst>
-    <dgm:effectClrLst/>
-    <dgm:txLinClrLst/>
-    <dgm:txFillClrLst/>
-    <dgm:txEffectClrLst/>
-  </dgm:styleLbl>
-  <dgm:styleLbl name="asst1">
-    <dgm:fillClrLst meth="repeat">
-      <a:schemeClr val="accent1"/>
-    </dgm:fillClrLst>
-    <dgm:linClrLst meth="repeat">
-      <a:schemeClr val="lt1"/>
-    </dgm:linClrLst>
-    <dgm:effectClrLst/>
-    <dgm:txLinClrLst/>
-    <dgm:txFillClrLst/>
-    <dgm:txEffectClrLst/>
-  </dgm:styleLbl>
-  <dgm:styleLbl name="asst2">
-    <dgm:fillClrLst meth="repeat">
-      <a:schemeClr val="accent1"/>
-    </dgm:fillClrLst>
-    <dgm:linClrLst meth="repeat">
-      <a:schemeClr val="lt1"/>
-    </dgm:linClrLst>
-    <dgm:effectClrLst/>
-    <dgm:txLinClrLst/>
-    <dgm:txFillClrLst/>
-    <dgm:txEffectClrLst/>
-  </dgm:styleLbl>
-  <dgm:styleLbl name="asst3">
-    <dgm:fillClrLst meth="repeat">
-      <a:schemeClr val="accent1"/>
-    </dgm:fillClrLst>
-    <dgm:linClrLst meth="repeat">
-      <a:schemeClr val="lt1"/>
-    </dgm:linClrLst>
-    <dgm:effectClrLst/>
-    <dgm:txLinClrLst/>
-    <dgm:txFillClrLst/>
-    <dgm:txEffectClrLst/>
-  </dgm:styleLbl>
-  <dgm:styleLbl name="asst4">
-    <dgm:fillClrLst meth="repeat">
-      <a:schemeClr val="accent1"/>
-    </dgm:fillClrLst>
-    <dgm:linClrLst meth="repeat">
-      <a:schemeClr val="lt1"/>
-    </dgm:linClrLst>
-    <dgm:effectClrLst/>
-    <dgm:txLinClrLst/>
-    <dgm:txFillClrLst/>
-    <dgm:txEffectClrLst/>
-  </dgm:styleLbl>
-  <dgm:styleLbl name="parChTrans2D1">
-    <dgm:fillClrLst meth="repeat">
-      <a:schemeClr val="accent1">
-        <a:tint val="60000"/>
-      </a:schemeClr>
-    </dgm:fillClrLst>
-    <dgm:linClrLst meth="repeat">
-      <a:schemeClr val="accent1">
-        <a:tint val="60000"/>
-      </a:schemeClr>
-    </dgm:linClrLst>
-    <dgm:effectClrLst/>
-    <dgm:txLinClrLst/>
-    <dgm:txFillClrLst meth="repeat">
-      <a:schemeClr val="lt1"/>
-    </dgm:txFillClrLst>
-    <dgm:txEffectClrLst/>
-  </dgm:styleLbl>
-  <dgm:styleLbl name="parChTrans2D2">
-    <dgm:fillClrLst meth="repeat">
-      <a:schemeClr val="accent1"/>
-    </dgm:fillClrLst>
-    <dgm:linClrLst meth="repeat">
-      <a:schemeClr val="accent1"/>
-    </dgm:linClrLst>
-    <dgm:effectClrLst/>
-    <dgm:txLinClrLst/>
-    <dgm:txFillClrLst meth="repeat">
-      <a:schemeClr val="lt1"/>
-    </dgm:txFillClrLst>
-    <dgm:txEffectClrLst/>
-  </dgm:styleLbl>
-  <dgm:styleLbl name="parChTrans2D3">
-    <dgm:fillClrLst meth="repeat">
-      <a:schemeClr val="accent1"/>
-    </dgm:fillClrLst>
-    <dgm:linClrLst meth="repeat">
-      <a:schemeClr val="accent1"/>
-    </dgm:linClrLst>
-    <dgm:effectClrLst/>
-    <dgm:txLinClrLst/>
-    <dgm:txFillClrLst meth="repeat">
-      <a:schemeClr val="lt1"/>
-    </dgm:txFillClrLst>
-    <dgm:txEffectClrLst/>
-  </dgm:styleLbl>
-  <dgm:styleLbl name="parChTrans2D4">
-    <dgm:fillClrLst meth="repeat">
-      <a:schemeClr val="accent1"/>
-    </dgm:fillClrLst>
-    <dgm:linClrLst meth="repeat">
-      <a:schemeClr val="accent1"/>
-    </dgm:linClrLst>
-    <dgm:effectClrLst/>
-    <dgm:txLinClrLst/>
-    <dgm:txFillClrLst meth="repeat">
-      <a:schemeClr val="lt1"/>
-    </dgm:txFillClrLst>
-    <dgm:txEffectClrLst/>
-  </dgm:styleLbl>
-  <dgm:styleLbl name="parChTrans1D1">
-    <dgm:fillClrLst meth="repeat">
-      <a:schemeClr val="accent1"/>
-    </dgm:fillClrLst>
-    <dgm:linClrLst meth="repeat">
-      <a:schemeClr val="accent1">
-        <a:shade val="60000"/>
-      </a:schemeClr>
-    </dgm:linClrLst>
-    <dgm:effectClrLst/>
-    <dgm:txLinClrLst/>
-    <dgm:txFillClrLst meth="repeat">
-      <a:schemeClr val="tx1"/>
-    </dgm:txFillClrLst>
-    <dgm:txEffectClrLst/>
-  </dgm:styleLbl>
-  <dgm:styleLbl name="parChTrans1D2">
-    <dgm:fillClrLst meth="repeat">
-      <a:schemeClr val="accent1"/>
-    </dgm:fillClrLst>
-    <dgm:linClrLst meth="repeat">
-      <a:schemeClr val="accent1">
-        <a:shade val="60000"/>
-      </a:schemeClr>
-    </dgm:linClrLst>
-    <dgm:effectClrLst/>
-    <dgm:txLinClrLst/>
-    <dgm:txFillClrLst meth="repeat">
-      <a:schemeClr val="tx1"/>
-    </dgm:txFillClrLst>
-    <dgm:txEffectClrLst/>
-  </dgm:styleLbl>
-  <dgm:styleLbl name="parChTrans1D3">
-    <dgm:fillClrLst meth="repeat">
-      <a:schemeClr val="accent1"/>
-    </dgm:fillClrLst>
-    <dgm:linClrLst meth="repeat">
-      <a:schemeClr val="accent1">
-        <a:shade val="80000"/>
-      </a:schemeClr>
-    </dgm:linClrLst>
-    <dgm:effectClrLst/>
-    <dgm:txLinClrLst/>
-    <dgm:txFillClrLst meth="repeat">
-      <a:schemeClr val="tx1"/>
-    </dgm:txFillClrLst>
-    <dgm:txEffectClrLst/>
-  </dgm:styleLbl>
-  <dgm:styleLbl name="parChTrans1D4">
-    <dgm:fillClrLst meth="repeat">
-      <a:schemeClr val="accent1"/>
-    </dgm:fillClrLst>
-    <dgm:linClrLst meth="repeat">
-      <a:schemeClr val="accent1">
-        <a:shade val="80000"/>
-      </a:schemeClr>
-    </dgm:linClrLst>
-    <dgm:effectClrLst/>
-    <dgm:txLinClrLst/>
-    <dgm:txFillClrLst meth="repeat">
-      <a:schemeClr val="tx1"/>
-    </dgm:txFillClrLst>
-    <dgm:txEffectClrLst/>
-  </dgm:styleLbl>
-  <dgm:styleLbl name="fgAcc1">
-    <dgm:fillClrLst meth="repeat">
-      <a:schemeClr val="lt1">
-        <a:alpha val="90000"/>
-      </a:schemeClr>
-    </dgm:fillClrLst>
-    <dgm:linClrLst meth="repeat">
-      <a:schemeClr val="accent1"/>
-    </dgm:linClrLst>
-    <dgm:effectClrLst/>
-    <dgm:txLinClrLst/>
-    <dgm:txFillClrLst meth="repeat">
-      <a:schemeClr val="dk1"/>
-    </dgm:txFillClrLst>
-    <dgm:txEffectClrLst/>
-  </dgm:styleLbl>
-  <dgm:styleLbl name="conFgAcc1">
-    <dgm:fillClrLst meth="repeat">
-      <a:schemeClr val="lt1">
-        <a:alpha val="90000"/>
-      </a:schemeClr>
-    </dgm:fillClrLst>
-    <dgm:linClrLst meth="repeat">
-      <a:schemeClr val="accent1"/>
-    </dgm:linClrLst>
-    <dgm:effectClrLst/>
-    <dgm:txLinClrLst/>
-    <dgm:txFillClrLst meth="repeat">
-      <a:schemeClr val="dk1"/>
-    </dgm:txFillClrLst>
-    <dgm:txEffectClrLst/>
-  </dgm:styleLbl>
-  <dgm:styleLbl name="alignAcc1">
-    <dgm:fillClrLst meth="repeat">
-      <a:schemeClr val="lt1">
-        <a:alpha val="90000"/>
-      </a:schemeClr>
-    </dgm:fillClrLst>
-    <dgm:linClrLst meth="repeat">
-      <a:schemeClr val="accent1"/>
-    </dgm:linClrLst>
-    <dgm:effectClrLst/>
-    <dgm:txLinClrLst/>
-    <dgm:txFillClrLst meth="repeat">
-      <a:schemeClr val="dk1"/>
-    </dgm:txFillClrLst>
-    <dgm:txEffectClrLst/>
-  </dgm:styleLbl>
-  <dgm:styleLbl name="trAlignAcc1">
-    <dgm:fillClrLst meth="repeat">
-      <a:schemeClr val="lt1">
-        <a:alpha val="40000"/>
-      </a:schemeClr>
-    </dgm:fillClrLst>
-    <dgm:linClrLst meth="repeat">
-      <a:schemeClr val="accent1"/>
-    </dgm:linClrLst>
-    <dgm:effectClrLst/>
-    <dgm:txLinClrLst/>
-    <dgm:txFillClrLst meth="repeat">
-      <a:schemeClr val="dk1"/>
-    </dgm:txFillClrLst>
-    <dgm:txEffectClrLst/>
-  </dgm:styleLbl>
-  <dgm:styleLbl name="bgAcc1">
-    <dgm:fillClrLst meth="repeat">
-      <a:schemeClr val="lt1">
-        <a:alpha val="90000"/>
-      </a:schemeClr>
-    </dgm:fillClrLst>
-    <dgm:linClrLst meth="repeat">
-      <a:schemeClr val="accent1"/>
-    </dgm:linClrLst>
-    <dgm:effectClrLst/>
-    <dgm:txLinClrLst/>
-    <dgm:txFillClrLst meth="repeat">
-      <a:schemeClr val="dk1"/>
-    </dgm:txFillClrLst>
-    <dgm:txEffectClrLst/>
-  </dgm:styleLbl>
-  <dgm:styleLbl name="solidFgAcc1">
-    <dgm:fillClrLst meth="repeat">
-      <a:schemeClr val="lt1"/>
-    </dgm:fillClrLst>
-    <dgm:linClrLst meth="repeat">
-      <a:schemeClr val="accent1"/>
-    </dgm:linClrLst>
-    <dgm:effectClrLst/>
-    <dgm:txLinClrLst/>
-    <dgm:txFillClrLst meth="repeat">
-      <a:schemeClr val="dk1"/>
-    </dgm:txFillClrLst>
-    <dgm:txEffectClrLst/>
-  </dgm:styleLbl>
-  <dgm:styleLbl name="solidAlignAcc1">
-    <dgm:fillClrLst meth="repeat">
-      <a:schemeClr val="lt1"/>
-    </dgm:fillClrLst>
-    <dgm:linClrLst meth="repeat">
-      <a:schemeClr val="accent1"/>
-    </dgm:linClrLst>
-    <dgm:effectClrLst/>
-    <dgm:txLinClrLst/>
-    <dgm:txFillClrLst meth="repeat">
-      <a:schemeClr val="dk1"/>
-    </dgm:txFillClrLst>
-    <dgm:txEffectClrLst/>
-  </dgm:styleLbl>
-  <dgm:styleLbl name="solidBgAcc1">
-    <dgm:fillClrLst meth="repeat">
-      <a:schemeClr val="lt1"/>
-    </dgm:fillClrLst>
-    <dgm:linClrLst meth="repeat">
-      <a:schemeClr val="accent1"/>
-    </dgm:linClrLst>
-    <dgm:effectClrLst/>
-    <dgm:txLinClrLst/>
-    <dgm:txFillClrLst meth="repeat">
-      <a:schemeClr val="dk1"/>
-    </dgm:txFillClrLst>
-    <dgm:txEffectClrLst/>
-  </dgm:styleLbl>
-  <dgm:styleLbl name="fgAccFollowNode1">
-    <dgm:fillClrLst meth="repeat">
-      <a:schemeClr val="accent1">
-        <a:alpha val="90000"/>
-        <a:tint val="40000"/>
-      </a:schemeClr>
-    </dgm:fillClrLst>
-    <dgm:linClrLst meth="repeat">
-      <a:schemeClr val="accent1">
-        <a:alpha val="90000"/>
-        <a:tint val="40000"/>
-      </a:schemeClr>
-    </dgm:linClrLst>
-    <dgm:effectClrLst/>
-    <dgm:txLinClrLst/>
-    <dgm:txFillClrLst meth="repeat">
-      <a:schemeClr val="dk1"/>
-    </dgm:txFillClrLst>
-    <dgm:txEffectClrLst/>
-  </dgm:styleLbl>
-  <dgm:styleLbl name="alignAccFollowNode1">
-    <dgm:fillClrLst meth="repeat">
-      <a:schemeClr val="accent1">
-        <a:alpha val="90000"/>
-        <a:tint val="40000"/>
-      </a:schemeClr>
-    </dgm:fillClrLst>
-    <dgm:linClrLst meth="repeat">
-      <a:schemeClr val="accent1">
-        <a:alpha val="90000"/>
-        <a:tint val="40000"/>
-      </a:schemeClr>
-    </dgm:linClrLst>
-    <dgm:effectClrLst/>
-    <dgm:txLinClrLst/>
-    <dgm:txFillClrLst meth="repeat">
-      <a:schemeClr val="dk1"/>
-    </dgm:txFillClrLst>
-    <dgm:txEffectClrLst/>
-  </dgm:styleLbl>
-  <dgm:styleLbl name="bgAccFollowNode1">
-    <dgm:fillClrLst meth="repeat">
-      <a:schemeClr val="accent1">
-        <a:alpha val="90000"/>
-        <a:tint val="40000"/>
-      </a:schemeClr>
-    </dgm:fillClrLst>
-    <dgm:linClrLst meth="repeat">
-      <a:schemeClr val="accent1">
-        <a:alpha val="90000"/>
-        <a:tint val="40000"/>
-      </a:schemeClr>
-    </dgm:linClrLst>
-    <dgm:effectClrLst/>
-    <dgm:txLinClrLst/>
-    <dgm:txFillClrLst meth="repeat">
-      <a:schemeClr val="dk1"/>
-    </dgm:txFillClrLst>
-    <dgm:txEffectClrLst/>
-  </dgm:styleLbl>
-  <dgm:styleLbl name="fgAcc0">
-    <dgm:fillClrLst meth="repeat">
-      <a:schemeClr val="lt1">
-        <a:alpha val="90000"/>
-      </a:schemeClr>
-    </dgm:fillClrLst>
-    <dgm:linClrLst meth="repeat">
-      <a:schemeClr val="accent1"/>
-    </dgm:linClrLst>
-    <dgm:effectClrLst/>
-    <dgm:txLinClrLst/>
-    <dgm:txFillClrLst meth="repeat">
-      <a:schemeClr val="dk1"/>
-    </dgm:txFillClrLst>
-    <dgm:txEffectClrLst/>
-  </dgm:styleLbl>
-  <dgm:styleLbl name="fgAcc2">
-    <dgm:fillClrLst meth="repeat">
-      <a:schemeClr val="lt1">
-        <a:alpha val="90000"/>
-      </a:schemeClr>
-    </dgm:fillClrLst>
-    <dgm:linClrLst meth="repeat">
-      <a:schemeClr val="accent1"/>
-    </dgm:linClrLst>
-    <dgm:effectClrLst/>
-    <dgm:txLinClrLst/>
-    <dgm:txFillClrLst meth="repeat">
-      <a:schemeClr val="dk1"/>
-    </dgm:txFillClrLst>
-    <dgm:txEffectClrLst/>
-  </dgm:styleLbl>
-  <dgm:styleLbl name="fgAcc3">
-    <dgm:fillClrLst meth="repeat">
-      <a:schemeClr val="lt1">
-        <a:alpha val="90000"/>
-      </a:schemeClr>
-    </dgm:fillClrLst>
-    <dgm:linClrLst meth="repeat">
-      <a:schemeClr val="accent1"/>
-    </dgm:linClrLst>
-    <dgm:effectClrLst/>
-    <dgm:txLinClrLst/>
-    <dgm:txFillClrLst meth="repeat">
-      <a:schemeClr val="dk1"/>
-    </dgm:txFillClrLst>
-    <dgm:txEffectClrLst/>
-  </dgm:styleLbl>
-  <dgm:styleLbl name="fgAcc4">
-    <dgm:fillClrLst meth="repeat">
-      <a:schemeClr val="lt1">
-        <a:alpha val="90000"/>
-      </a:schemeClr>
-    </dgm:fillClrLst>
-    <dgm:linClrLst meth="repeat">
-      <a:schemeClr val="accent1"/>
-    </dgm:linClrLst>
-    <dgm:effectClrLst/>
-    <dgm:txLinClrLst/>
-    <dgm:txFillClrLst meth="repeat">
-      <a:schemeClr val="dk1"/>
-    </dgm:txFillClrLst>
-    <dgm:txEffectClrLst/>
-  </dgm:styleLbl>
-  <dgm:styleLbl name="bgShp">
-    <dgm:fillClrLst meth="repeat">
-      <a:schemeClr val="accent1">
-        <a:tint val="40000"/>
-      </a:schemeClr>
-    </dgm:fillClrLst>
-    <dgm:linClrLst meth="repeat">
-      <a:schemeClr val="accent1"/>
-    </dgm:linClrLst>
-    <dgm:effectClrLst/>
-    <dgm:txLinClrLst/>
-    <dgm:txFillClrLst meth="repeat">
-      <a:schemeClr val="dk1"/>
-    </dgm:txFillClrLst>
-    <dgm:txEffectClrLst/>
-  </dgm:styleLbl>
-  <dgm:styleLbl name="dkBgShp">
-    <dgm:fillClrLst meth="repeat">
-      <a:schemeClr val="accent1">
-        <a:shade val="80000"/>
-      </a:schemeClr>
-    </dgm:fillClrLst>
-    <dgm:linClrLst meth="repeat">
-      <a:schemeClr val="accent1"/>
-    </dgm:linClrLst>
-    <dgm:effectClrLst/>
-    <dgm:txLinClrLst/>
-    <dgm:txFillClrLst meth="repeat">
-      <a:schemeClr val="lt1"/>
-    </dgm:txFillClrLst>
-    <dgm:txEffectClrLst/>
-  </dgm:styleLbl>
-  <dgm:styleLbl name="trBgShp">
-    <dgm:fillClrLst meth="repeat">
-      <a:schemeClr val="accent1">
-        <a:tint val="50000"/>
-        <a:alpha val="40000"/>
-      </a:schemeClr>
-    </dgm:fillClrLst>
-    <dgm:linClrLst meth="repeat">
-      <a:schemeClr val="accent1"/>
-    </dgm:linClrLst>
-    <dgm:effectClrLst/>
-    <dgm:txLinClrLst/>
-    <dgm:txFillClrLst meth="repeat">
-      <a:schemeClr val="lt1"/>
-    </dgm:txFillClrLst>
-    <dgm:txEffectClrLst/>
-  </dgm:styleLbl>
-  <dgm:styleLbl name="fgShp">
-    <dgm:fillClrLst meth="repeat">
-      <a:schemeClr val="accent1">
-        <a:tint val="60000"/>
-      </a:schemeClr>
-    </dgm:fillClrLst>
-    <dgm:linClrLst meth="repeat">
-      <a:schemeClr val="lt1"/>
-    </dgm:linClrLst>
-    <dgm:effectClrLst/>
-    <dgm:txLinClrLst/>
-    <dgm:txFillClrLst meth="repeat">
-      <a:schemeClr val="dk1"/>
-    </dgm:txFillClrLst>
-    <dgm:txEffectClrLst/>
-  </dgm:styleLbl>
-  <dgm:styleLbl name="revTx">
-    <dgm:fillClrLst meth="repeat">
-      <a:schemeClr val="lt1">
-        <a:alpha val="0"/>
-      </a:schemeClr>
-    </dgm:fillClrLst>
-    <dgm:linClrLst meth="repeat">
-      <a:schemeClr val="dk1">
-        <a:alpha val="0"/>
-      </a:schemeClr>
-    </dgm:linClrLst>
-    <dgm:effectClrLst/>
-    <dgm:txLinClrLst/>
-    <dgm:txFillClrLst meth="repeat">
-      <a:schemeClr val="tx1"/>
     </dgm:txFillClrLst>
     <dgm:txEffectClrLst/>
   </dgm:styleLbl>
@@ -3250,250 +2508,6 @@
 </dgm:dataModel>
 </file>
 
-<file path=ppt/diagrams/data3.xml><?xml version="1.0" encoding="utf-8"?>
-<dgm:dataModel xmlns:dgm="http://schemas.openxmlformats.org/drawingml/2006/diagram" xmlns:a="http://schemas.openxmlformats.org/drawingml/2006/main">
-  <dgm:ptLst>
-    <dgm:pt modelId="{224C3517-F66B-4AFC-A1ED-4EA2534C0183}" type="doc">
-      <dgm:prSet loTypeId="urn:microsoft.com/office/officeart/2005/8/layout/hierarchy1" loCatId="hierarchy" qsTypeId="urn:microsoft.com/office/officeart/2005/8/quickstyle/simple1" qsCatId="simple" csTypeId="urn:microsoft.com/office/officeart/2005/8/colors/accent1_2" csCatId="accent1"/>
-      <dgm:spPr/>
-      <dgm:t>
-        <a:bodyPr/>
-        <a:lstStyle/>
-        <a:p>
-          <a:endParaRPr lang="en-US"/>
-        </a:p>
-      </dgm:t>
-    </dgm:pt>
-    <dgm:pt modelId="{43E7629A-A828-48C5-A004-CBE0E49D616B}">
-      <dgm:prSet/>
-      <dgm:spPr/>
-      <dgm:t>
-        <a:bodyPr/>
-        <a:lstStyle/>
-        <a:p>
-          <a:r>
-            <a:rPr lang="en-US" b="0" i="0" baseline="0" dirty="0"/>
-            <a:t>The least privilege principle is foundational in security.</a:t>
-          </a:r>
-          <a:endParaRPr lang="en-US" dirty="0"/>
-        </a:p>
-      </dgm:t>
-    </dgm:pt>
-    <dgm:pt modelId="{55769A75-64DF-4D8B-B1A7-F114256235BA}" type="parTrans" cxnId="{BDDF610C-924B-4B32-9871-F6F259F29075}">
-      <dgm:prSet/>
-      <dgm:spPr/>
-      <dgm:t>
-        <a:bodyPr/>
-        <a:lstStyle/>
-        <a:p>
-          <a:endParaRPr lang="en-US"/>
-        </a:p>
-      </dgm:t>
-    </dgm:pt>
-    <dgm:pt modelId="{288856F5-B3C3-4249-95BE-2A4DEC22D878}" type="sibTrans" cxnId="{BDDF610C-924B-4B32-9871-F6F259F29075}">
-      <dgm:prSet/>
-      <dgm:spPr/>
-      <dgm:t>
-        <a:bodyPr/>
-        <a:lstStyle/>
-        <a:p>
-          <a:endParaRPr lang="en-US"/>
-        </a:p>
-      </dgm:t>
-    </dgm:pt>
-    <dgm:pt modelId="{DA617E31-EE3B-4428-90C5-5EA9F4C0180C}">
-      <dgm:prSet/>
-      <dgm:spPr/>
-      <dgm:t>
-        <a:bodyPr/>
-        <a:lstStyle/>
-        <a:p>
-          <a:r>
-            <a:rPr lang="en-US" b="0" i="0" baseline="0"/>
-            <a:t>Effective implementation requires vigilance and regular updates.</a:t>
-          </a:r>
-          <a:endParaRPr lang="en-US"/>
-        </a:p>
-      </dgm:t>
-    </dgm:pt>
-    <dgm:pt modelId="{8AFD81AB-6E7B-4A2E-8484-F51216235F43}" type="parTrans" cxnId="{A7D24D28-E804-4AFD-AB6F-9176AC62CAD0}">
-      <dgm:prSet/>
-      <dgm:spPr/>
-      <dgm:t>
-        <a:bodyPr/>
-        <a:lstStyle/>
-        <a:p>
-          <a:endParaRPr lang="en-US"/>
-        </a:p>
-      </dgm:t>
-    </dgm:pt>
-    <dgm:pt modelId="{4A8A3012-64EF-4E45-A8B6-F3F9872A514D}" type="sibTrans" cxnId="{A7D24D28-E804-4AFD-AB6F-9176AC62CAD0}">
-      <dgm:prSet/>
-      <dgm:spPr/>
-      <dgm:t>
-        <a:bodyPr/>
-        <a:lstStyle/>
-        <a:p>
-          <a:endParaRPr lang="en-US"/>
-        </a:p>
-      </dgm:t>
-    </dgm:pt>
-    <dgm:pt modelId="{F09B1323-0D3B-4351-8A16-457D273263B0}">
-      <dgm:prSet/>
-      <dgm:spPr/>
-      <dgm:t>
-        <a:bodyPr/>
-        <a:lstStyle/>
-        <a:p>
-          <a:r>
-            <a:rPr lang="en-US" b="0" i="0" baseline="0"/>
-            <a:t>It’s about balancing access with security needs. </a:t>
-          </a:r>
-          <a:endParaRPr lang="en-US"/>
-        </a:p>
-      </dgm:t>
-    </dgm:pt>
-    <dgm:pt modelId="{D543AB51-FE78-49B8-9D82-922CE0DAF4D0}" type="parTrans" cxnId="{870E4F8E-2B83-4B4D-B41C-719ED11F806E}">
-      <dgm:prSet/>
-      <dgm:spPr/>
-      <dgm:t>
-        <a:bodyPr/>
-        <a:lstStyle/>
-        <a:p>
-          <a:endParaRPr lang="en-US"/>
-        </a:p>
-      </dgm:t>
-    </dgm:pt>
-    <dgm:pt modelId="{D26CD0F2-805A-4A45-8B63-08D14B88347F}" type="sibTrans" cxnId="{870E4F8E-2B83-4B4D-B41C-719ED11F806E}">
-      <dgm:prSet/>
-      <dgm:spPr/>
-      <dgm:t>
-        <a:bodyPr/>
-        <a:lstStyle/>
-        <a:p>
-          <a:endParaRPr lang="en-US"/>
-        </a:p>
-      </dgm:t>
-    </dgm:pt>
-    <dgm:pt modelId="{016B6F23-4A5B-487F-8C36-A09D923B5B8C}" type="pres">
-      <dgm:prSet presAssocID="{224C3517-F66B-4AFC-A1ED-4EA2534C0183}" presName="hierChild1" presStyleCnt="0">
-        <dgm:presLayoutVars>
-          <dgm:chPref val="1"/>
-          <dgm:dir/>
-          <dgm:animOne val="branch"/>
-          <dgm:animLvl val="lvl"/>
-          <dgm:resizeHandles/>
-        </dgm:presLayoutVars>
-      </dgm:prSet>
-      <dgm:spPr/>
-    </dgm:pt>
-    <dgm:pt modelId="{F1479299-1E70-4BFE-A73F-27BB8501724C}" type="pres">
-      <dgm:prSet presAssocID="{43E7629A-A828-48C5-A004-CBE0E49D616B}" presName="hierRoot1" presStyleCnt="0"/>
-      <dgm:spPr/>
-    </dgm:pt>
-    <dgm:pt modelId="{9BFFCBB9-53DD-44BF-B602-DC049F5DC919}" type="pres">
-      <dgm:prSet presAssocID="{43E7629A-A828-48C5-A004-CBE0E49D616B}" presName="composite" presStyleCnt="0"/>
-      <dgm:spPr/>
-    </dgm:pt>
-    <dgm:pt modelId="{016F96D8-7650-41B9-8429-50F7DD7E7FBC}" type="pres">
-      <dgm:prSet presAssocID="{43E7629A-A828-48C5-A004-CBE0E49D616B}" presName="background" presStyleLbl="node0" presStyleIdx="0" presStyleCnt="3"/>
-      <dgm:spPr/>
-    </dgm:pt>
-    <dgm:pt modelId="{9171A4CD-775B-493C-B7BB-0BDA4FDC60AC}" type="pres">
-      <dgm:prSet presAssocID="{43E7629A-A828-48C5-A004-CBE0E49D616B}" presName="text" presStyleLbl="fgAcc0" presStyleIdx="0" presStyleCnt="3">
-        <dgm:presLayoutVars>
-          <dgm:chPref val="3"/>
-        </dgm:presLayoutVars>
-      </dgm:prSet>
-      <dgm:spPr/>
-    </dgm:pt>
-    <dgm:pt modelId="{263F3C3E-F10C-47B6-B5EA-B31FC63E36A1}" type="pres">
-      <dgm:prSet presAssocID="{43E7629A-A828-48C5-A004-CBE0E49D616B}" presName="hierChild2" presStyleCnt="0"/>
-      <dgm:spPr/>
-    </dgm:pt>
-    <dgm:pt modelId="{8FC1F3AA-D5E7-4422-9E45-2F265D16085B}" type="pres">
-      <dgm:prSet presAssocID="{DA617E31-EE3B-4428-90C5-5EA9F4C0180C}" presName="hierRoot1" presStyleCnt="0"/>
-      <dgm:spPr/>
-    </dgm:pt>
-    <dgm:pt modelId="{2B6E653B-34F7-4CC6-B8DC-F99A54140309}" type="pres">
-      <dgm:prSet presAssocID="{DA617E31-EE3B-4428-90C5-5EA9F4C0180C}" presName="composite" presStyleCnt="0"/>
-      <dgm:spPr/>
-    </dgm:pt>
-    <dgm:pt modelId="{0D4D2EBF-E83A-4ECA-AB5C-D925C2A8EF57}" type="pres">
-      <dgm:prSet presAssocID="{DA617E31-EE3B-4428-90C5-5EA9F4C0180C}" presName="background" presStyleLbl="node0" presStyleIdx="1" presStyleCnt="3"/>
-      <dgm:spPr/>
-    </dgm:pt>
-    <dgm:pt modelId="{23E54A36-0B5A-485F-8A36-0246EBB52A8D}" type="pres">
-      <dgm:prSet presAssocID="{DA617E31-EE3B-4428-90C5-5EA9F4C0180C}" presName="text" presStyleLbl="fgAcc0" presStyleIdx="1" presStyleCnt="3">
-        <dgm:presLayoutVars>
-          <dgm:chPref val="3"/>
-        </dgm:presLayoutVars>
-      </dgm:prSet>
-      <dgm:spPr/>
-    </dgm:pt>
-    <dgm:pt modelId="{6075DCEE-4C7C-47E8-8E07-F7F168B51431}" type="pres">
-      <dgm:prSet presAssocID="{DA617E31-EE3B-4428-90C5-5EA9F4C0180C}" presName="hierChild2" presStyleCnt="0"/>
-      <dgm:spPr/>
-    </dgm:pt>
-    <dgm:pt modelId="{7F4F0372-87AE-4309-BA57-298F5443A7C5}" type="pres">
-      <dgm:prSet presAssocID="{F09B1323-0D3B-4351-8A16-457D273263B0}" presName="hierRoot1" presStyleCnt="0"/>
-      <dgm:spPr/>
-    </dgm:pt>
-    <dgm:pt modelId="{70D06CCD-2E2B-494F-BC1B-B0919175053D}" type="pres">
-      <dgm:prSet presAssocID="{F09B1323-0D3B-4351-8A16-457D273263B0}" presName="composite" presStyleCnt="0"/>
-      <dgm:spPr/>
-    </dgm:pt>
-    <dgm:pt modelId="{2F32D89E-C082-4DCD-A99B-5329912BD9C8}" type="pres">
-      <dgm:prSet presAssocID="{F09B1323-0D3B-4351-8A16-457D273263B0}" presName="background" presStyleLbl="node0" presStyleIdx="2" presStyleCnt="3"/>
-      <dgm:spPr/>
-    </dgm:pt>
-    <dgm:pt modelId="{27A0D651-2389-4841-9E0E-0C0A76841F85}" type="pres">
-      <dgm:prSet presAssocID="{F09B1323-0D3B-4351-8A16-457D273263B0}" presName="text" presStyleLbl="fgAcc0" presStyleIdx="2" presStyleCnt="3">
-        <dgm:presLayoutVars>
-          <dgm:chPref val="3"/>
-        </dgm:presLayoutVars>
-      </dgm:prSet>
-      <dgm:spPr/>
-    </dgm:pt>
-    <dgm:pt modelId="{B9E38CD4-9990-471A-BB3D-5588253822FA}" type="pres">
-      <dgm:prSet presAssocID="{F09B1323-0D3B-4351-8A16-457D273263B0}" presName="hierChild2" presStyleCnt="0"/>
-      <dgm:spPr/>
-    </dgm:pt>
-  </dgm:ptLst>
-  <dgm:cxnLst>
-    <dgm:cxn modelId="{BDDF610C-924B-4B32-9871-F6F259F29075}" srcId="{224C3517-F66B-4AFC-A1ED-4EA2534C0183}" destId="{43E7629A-A828-48C5-A004-CBE0E49D616B}" srcOrd="0" destOrd="0" parTransId="{55769A75-64DF-4D8B-B1A7-F114256235BA}" sibTransId="{288856F5-B3C3-4249-95BE-2A4DEC22D878}"/>
-    <dgm:cxn modelId="{81D71B26-CF34-4F75-8CC9-7C2334AEC918}" type="presOf" srcId="{DA617E31-EE3B-4428-90C5-5EA9F4C0180C}" destId="{23E54A36-0B5A-485F-8A36-0246EBB52A8D}" srcOrd="0" destOrd="0" presId="urn:microsoft.com/office/officeart/2005/8/layout/hierarchy1"/>
-    <dgm:cxn modelId="{A7D24D28-E804-4AFD-AB6F-9176AC62CAD0}" srcId="{224C3517-F66B-4AFC-A1ED-4EA2534C0183}" destId="{DA617E31-EE3B-4428-90C5-5EA9F4C0180C}" srcOrd="1" destOrd="0" parTransId="{8AFD81AB-6E7B-4A2E-8484-F51216235F43}" sibTransId="{4A8A3012-64EF-4E45-A8B6-F3F9872A514D}"/>
-    <dgm:cxn modelId="{DE1F9F2D-E94B-4257-8024-B7939C52ADE9}" type="presOf" srcId="{43E7629A-A828-48C5-A004-CBE0E49D616B}" destId="{9171A4CD-775B-493C-B7BB-0BDA4FDC60AC}" srcOrd="0" destOrd="0" presId="urn:microsoft.com/office/officeart/2005/8/layout/hierarchy1"/>
-    <dgm:cxn modelId="{EF334D7C-836C-42EB-892D-F09339D7E445}" type="presOf" srcId="{F09B1323-0D3B-4351-8A16-457D273263B0}" destId="{27A0D651-2389-4841-9E0E-0C0A76841F85}" srcOrd="0" destOrd="0" presId="urn:microsoft.com/office/officeart/2005/8/layout/hierarchy1"/>
-    <dgm:cxn modelId="{2B32828A-92D7-46F3-BDE8-033ECE10E6A0}" type="presOf" srcId="{224C3517-F66B-4AFC-A1ED-4EA2534C0183}" destId="{016B6F23-4A5B-487F-8C36-A09D923B5B8C}" srcOrd="0" destOrd="0" presId="urn:microsoft.com/office/officeart/2005/8/layout/hierarchy1"/>
-    <dgm:cxn modelId="{870E4F8E-2B83-4B4D-B41C-719ED11F806E}" srcId="{224C3517-F66B-4AFC-A1ED-4EA2534C0183}" destId="{F09B1323-0D3B-4351-8A16-457D273263B0}" srcOrd="2" destOrd="0" parTransId="{D543AB51-FE78-49B8-9D82-922CE0DAF4D0}" sibTransId="{D26CD0F2-805A-4A45-8B63-08D14B88347F}"/>
-    <dgm:cxn modelId="{06EA707A-8676-4C0B-B156-E9DE09C11DAD}" type="presParOf" srcId="{016B6F23-4A5B-487F-8C36-A09D923B5B8C}" destId="{F1479299-1E70-4BFE-A73F-27BB8501724C}" srcOrd="0" destOrd="0" presId="urn:microsoft.com/office/officeart/2005/8/layout/hierarchy1"/>
-    <dgm:cxn modelId="{9C71A55E-7359-48CC-81F6-F5CF19179F92}" type="presParOf" srcId="{F1479299-1E70-4BFE-A73F-27BB8501724C}" destId="{9BFFCBB9-53DD-44BF-B602-DC049F5DC919}" srcOrd="0" destOrd="0" presId="urn:microsoft.com/office/officeart/2005/8/layout/hierarchy1"/>
-    <dgm:cxn modelId="{E428E40C-BA03-47DF-B20E-C13BE8718500}" type="presParOf" srcId="{9BFFCBB9-53DD-44BF-B602-DC049F5DC919}" destId="{016F96D8-7650-41B9-8429-50F7DD7E7FBC}" srcOrd="0" destOrd="0" presId="urn:microsoft.com/office/officeart/2005/8/layout/hierarchy1"/>
-    <dgm:cxn modelId="{0064608D-37F9-4149-B743-A5AFA94AEA61}" type="presParOf" srcId="{9BFFCBB9-53DD-44BF-B602-DC049F5DC919}" destId="{9171A4CD-775B-493C-B7BB-0BDA4FDC60AC}" srcOrd="1" destOrd="0" presId="urn:microsoft.com/office/officeart/2005/8/layout/hierarchy1"/>
-    <dgm:cxn modelId="{BC243AC3-09D4-406F-BE45-971A0C71C53B}" type="presParOf" srcId="{F1479299-1E70-4BFE-A73F-27BB8501724C}" destId="{263F3C3E-F10C-47B6-B5EA-B31FC63E36A1}" srcOrd="1" destOrd="0" presId="urn:microsoft.com/office/officeart/2005/8/layout/hierarchy1"/>
-    <dgm:cxn modelId="{7A88E3B9-DAD7-4DA0-AE31-ABD1B3ADF5F7}" type="presParOf" srcId="{016B6F23-4A5B-487F-8C36-A09D923B5B8C}" destId="{8FC1F3AA-D5E7-4422-9E45-2F265D16085B}" srcOrd="1" destOrd="0" presId="urn:microsoft.com/office/officeart/2005/8/layout/hierarchy1"/>
-    <dgm:cxn modelId="{16E4BC94-9E55-4C21-89D3-9ECD1B805054}" type="presParOf" srcId="{8FC1F3AA-D5E7-4422-9E45-2F265D16085B}" destId="{2B6E653B-34F7-4CC6-B8DC-F99A54140309}" srcOrd="0" destOrd="0" presId="urn:microsoft.com/office/officeart/2005/8/layout/hierarchy1"/>
-    <dgm:cxn modelId="{E2891894-16C8-4B39-A4B2-F48E16D96ED3}" type="presParOf" srcId="{2B6E653B-34F7-4CC6-B8DC-F99A54140309}" destId="{0D4D2EBF-E83A-4ECA-AB5C-D925C2A8EF57}" srcOrd="0" destOrd="0" presId="urn:microsoft.com/office/officeart/2005/8/layout/hierarchy1"/>
-    <dgm:cxn modelId="{7F719608-0BA4-4D44-8DA8-6126DC87C384}" type="presParOf" srcId="{2B6E653B-34F7-4CC6-B8DC-F99A54140309}" destId="{23E54A36-0B5A-485F-8A36-0246EBB52A8D}" srcOrd="1" destOrd="0" presId="urn:microsoft.com/office/officeart/2005/8/layout/hierarchy1"/>
-    <dgm:cxn modelId="{947886E3-E070-4CCA-B1E0-FD7A6BF514F7}" type="presParOf" srcId="{8FC1F3AA-D5E7-4422-9E45-2F265D16085B}" destId="{6075DCEE-4C7C-47E8-8E07-F7F168B51431}" srcOrd="1" destOrd="0" presId="urn:microsoft.com/office/officeart/2005/8/layout/hierarchy1"/>
-    <dgm:cxn modelId="{B421EF73-DAEB-4744-8E4F-B43B13050F53}" type="presParOf" srcId="{016B6F23-4A5B-487F-8C36-A09D923B5B8C}" destId="{7F4F0372-87AE-4309-BA57-298F5443A7C5}" srcOrd="2" destOrd="0" presId="urn:microsoft.com/office/officeart/2005/8/layout/hierarchy1"/>
-    <dgm:cxn modelId="{2547A54E-E00F-43F8-B4A9-0629D348B753}" type="presParOf" srcId="{7F4F0372-87AE-4309-BA57-298F5443A7C5}" destId="{70D06CCD-2E2B-494F-BC1B-B0919175053D}" srcOrd="0" destOrd="0" presId="urn:microsoft.com/office/officeart/2005/8/layout/hierarchy1"/>
-    <dgm:cxn modelId="{0D3A3D8B-44B3-47DB-B03B-4C2904AAE95C}" type="presParOf" srcId="{70D06CCD-2E2B-494F-BC1B-B0919175053D}" destId="{2F32D89E-C082-4DCD-A99B-5329912BD9C8}" srcOrd="0" destOrd="0" presId="urn:microsoft.com/office/officeart/2005/8/layout/hierarchy1"/>
-    <dgm:cxn modelId="{DD4B4645-AF08-4052-B7D7-A5B9456288C8}" type="presParOf" srcId="{70D06CCD-2E2B-494F-BC1B-B0919175053D}" destId="{27A0D651-2389-4841-9E0E-0C0A76841F85}" srcOrd="1" destOrd="0" presId="urn:microsoft.com/office/officeart/2005/8/layout/hierarchy1"/>
-    <dgm:cxn modelId="{7C344401-DE2E-4CE8-8A76-6AFA1B524C81}" type="presParOf" srcId="{7F4F0372-87AE-4309-BA57-298F5443A7C5}" destId="{B9E38CD4-9990-471A-BB3D-5588253822FA}" srcOrd="1" destOrd="0" presId="urn:microsoft.com/office/officeart/2005/8/layout/hierarchy1"/>
-  </dgm:cxnLst>
-  <dgm:bg/>
-  <dgm:whole/>
-  <dgm:extLst>
-    <a:ext uri="http://schemas.microsoft.com/office/drawing/2008/diagram">
-      <dsp:dataModelExt xmlns:dsp="http://schemas.microsoft.com/office/drawing/2008/diagram" relId="rId7" minVer="http://schemas.openxmlformats.org/drawingml/2006/diagram"/>
-    </a:ext>
-  </dgm:extLst>
-</dgm:dataModel>
-</file>
-
 <file path=ppt/diagrams/drawing1.xml><?xml version="1.0" encoding="utf-8"?>
 <dsp:drawing xmlns:dgm="http://schemas.openxmlformats.org/drawingml/2006/diagram" xmlns:dsp="http://schemas.microsoft.com/office/drawing/2008/diagram" xmlns:a="http://schemas.openxmlformats.org/drawingml/2006/main">
   <dsp:spTree>
@@ -4447,414 +3461,6 @@
       <dsp:txXfrm>
         <a:off x="7628133" y="3018902"/>
         <a:ext cx="3206250" cy="720000"/>
-      </dsp:txXfrm>
-    </dsp:sp>
-  </dsp:spTree>
-</dsp:drawing>
-</file>
-
-<file path=ppt/diagrams/drawing3.xml><?xml version="1.0" encoding="utf-8"?>
-<dsp:drawing xmlns:dgm="http://schemas.openxmlformats.org/drawingml/2006/diagram" xmlns:dsp="http://schemas.microsoft.com/office/drawing/2008/diagram" xmlns:a="http://schemas.openxmlformats.org/drawingml/2006/main">
-  <dsp:spTree>
-    <dsp:nvGrpSpPr>
-      <dsp:cNvPr id="0" name=""/>
-      <dsp:cNvGrpSpPr/>
-    </dsp:nvGrpSpPr>
-    <dsp:grpSpPr/>
-    <dsp:sp modelId="{016F96D8-7650-41B9-8429-50F7DD7E7FBC}">
-      <dsp:nvSpPr>
-        <dsp:cNvPr id="0" name=""/>
-        <dsp:cNvSpPr/>
-      </dsp:nvSpPr>
-      <dsp:spPr>
-        <a:xfrm>
-          <a:off x="0" y="706671"/>
-          <a:ext cx="3073451" cy="1951641"/>
-        </a:xfrm>
-        <a:prstGeom prst="roundRect">
-          <a:avLst>
-            <a:gd name="adj" fmla="val 10000"/>
-          </a:avLst>
-        </a:prstGeom>
-        <a:solidFill>
-          <a:schemeClr val="accent1">
-            <a:hueOff val="0"/>
-            <a:satOff val="0"/>
-            <a:lumOff val="0"/>
-            <a:alphaOff val="0"/>
-          </a:schemeClr>
-        </a:solidFill>
-        <a:ln w="19050" cap="flat" cmpd="sng" algn="ctr">
-          <a:solidFill>
-            <a:schemeClr val="lt1">
-              <a:hueOff val="0"/>
-              <a:satOff val="0"/>
-              <a:lumOff val="0"/>
-              <a:alphaOff val="0"/>
-            </a:schemeClr>
-          </a:solidFill>
-          <a:prstDash val="solid"/>
-          <a:miter lim="800000"/>
-        </a:ln>
-        <a:effectLst/>
-      </dsp:spPr>
-      <dsp:style>
-        <a:lnRef idx="2">
-          <a:scrgbClr r="0" g="0" b="0"/>
-        </a:lnRef>
-        <a:fillRef idx="1">
-          <a:scrgbClr r="0" g="0" b="0"/>
-        </a:fillRef>
-        <a:effectRef idx="0">
-          <a:scrgbClr r="0" g="0" b="0"/>
-        </a:effectRef>
-        <a:fontRef idx="minor">
-          <a:schemeClr val="lt1"/>
-        </a:fontRef>
-      </dsp:style>
-    </dsp:sp>
-    <dsp:sp modelId="{9171A4CD-775B-493C-B7BB-0BDA4FDC60AC}">
-      <dsp:nvSpPr>
-        <dsp:cNvPr id="0" name=""/>
-        <dsp:cNvSpPr/>
-      </dsp:nvSpPr>
-      <dsp:spPr>
-        <a:xfrm>
-          <a:off x="341494" y="1031091"/>
-          <a:ext cx="3073451" cy="1951641"/>
-        </a:xfrm>
-        <a:prstGeom prst="roundRect">
-          <a:avLst>
-            <a:gd name="adj" fmla="val 10000"/>
-          </a:avLst>
-        </a:prstGeom>
-        <a:solidFill>
-          <a:schemeClr val="lt1">
-            <a:alpha val="90000"/>
-            <a:hueOff val="0"/>
-            <a:satOff val="0"/>
-            <a:lumOff val="0"/>
-            <a:alphaOff val="0"/>
-          </a:schemeClr>
-        </a:solidFill>
-        <a:ln w="19050" cap="flat" cmpd="sng" algn="ctr">
-          <a:solidFill>
-            <a:schemeClr val="accent1">
-              <a:hueOff val="0"/>
-              <a:satOff val="0"/>
-              <a:lumOff val="0"/>
-              <a:alphaOff val="0"/>
-            </a:schemeClr>
-          </a:solidFill>
-          <a:prstDash val="solid"/>
-          <a:miter lim="800000"/>
-        </a:ln>
-        <a:effectLst/>
-      </dsp:spPr>
-      <dsp:style>
-        <a:lnRef idx="2">
-          <a:scrgbClr r="0" g="0" b="0"/>
-        </a:lnRef>
-        <a:fillRef idx="1">
-          <a:scrgbClr r="0" g="0" b="0"/>
-        </a:fillRef>
-        <a:effectRef idx="0">
-          <a:scrgbClr r="0" g="0" b="0"/>
-        </a:effectRef>
-        <a:fontRef idx="minor"/>
-      </dsp:style>
-      <dsp:txBody>
-        <a:bodyPr spcFirstLastPara="0" vert="horz" wrap="square" lIns="91440" tIns="91440" rIns="91440" bIns="91440" numCol="1" spcCol="1270" anchor="ctr" anchorCtr="0">
-          <a:noAutofit/>
-        </a:bodyPr>
-        <a:lstStyle/>
-        <a:p>
-          <a:pPr marL="0" lvl="0" indent="0" algn="ctr" defTabSz="1066800">
-            <a:lnSpc>
-              <a:spcPct val="90000"/>
-            </a:lnSpc>
-            <a:spcBef>
-              <a:spcPct val="0"/>
-            </a:spcBef>
-            <a:spcAft>
-              <a:spcPct val="35000"/>
-            </a:spcAft>
-            <a:buNone/>
-          </a:pPr>
-          <a:r>
-            <a:rPr lang="en-US" sz="2400" b="0" i="0" kern="1200" baseline="0" dirty="0"/>
-            <a:t>The least privilege principle is foundational in security.</a:t>
-          </a:r>
-          <a:endParaRPr lang="en-US" sz="2400" kern="1200" dirty="0"/>
-        </a:p>
-      </dsp:txBody>
-      <dsp:txXfrm>
-        <a:off x="398656" y="1088253"/>
-        <a:ext cx="2959127" cy="1837317"/>
-      </dsp:txXfrm>
-    </dsp:sp>
-    <dsp:sp modelId="{0D4D2EBF-E83A-4ECA-AB5C-D925C2A8EF57}">
-      <dsp:nvSpPr>
-        <dsp:cNvPr id="0" name=""/>
-        <dsp:cNvSpPr/>
-      </dsp:nvSpPr>
-      <dsp:spPr>
-        <a:xfrm>
-          <a:off x="3756441" y="706671"/>
-          <a:ext cx="3073451" cy="1951641"/>
-        </a:xfrm>
-        <a:prstGeom prst="roundRect">
-          <a:avLst>
-            <a:gd name="adj" fmla="val 10000"/>
-          </a:avLst>
-        </a:prstGeom>
-        <a:solidFill>
-          <a:schemeClr val="accent1">
-            <a:hueOff val="0"/>
-            <a:satOff val="0"/>
-            <a:lumOff val="0"/>
-            <a:alphaOff val="0"/>
-          </a:schemeClr>
-        </a:solidFill>
-        <a:ln w="19050" cap="flat" cmpd="sng" algn="ctr">
-          <a:solidFill>
-            <a:schemeClr val="lt1">
-              <a:hueOff val="0"/>
-              <a:satOff val="0"/>
-              <a:lumOff val="0"/>
-              <a:alphaOff val="0"/>
-            </a:schemeClr>
-          </a:solidFill>
-          <a:prstDash val="solid"/>
-          <a:miter lim="800000"/>
-        </a:ln>
-        <a:effectLst/>
-      </dsp:spPr>
-      <dsp:style>
-        <a:lnRef idx="2">
-          <a:scrgbClr r="0" g="0" b="0"/>
-        </a:lnRef>
-        <a:fillRef idx="1">
-          <a:scrgbClr r="0" g="0" b="0"/>
-        </a:fillRef>
-        <a:effectRef idx="0">
-          <a:scrgbClr r="0" g="0" b="0"/>
-        </a:effectRef>
-        <a:fontRef idx="minor">
-          <a:schemeClr val="lt1"/>
-        </a:fontRef>
-      </dsp:style>
-    </dsp:sp>
-    <dsp:sp modelId="{23E54A36-0B5A-485F-8A36-0246EBB52A8D}">
-      <dsp:nvSpPr>
-        <dsp:cNvPr id="0" name=""/>
-        <dsp:cNvSpPr/>
-      </dsp:nvSpPr>
-      <dsp:spPr>
-        <a:xfrm>
-          <a:off x="4097935" y="1031091"/>
-          <a:ext cx="3073451" cy="1951641"/>
-        </a:xfrm>
-        <a:prstGeom prst="roundRect">
-          <a:avLst>
-            <a:gd name="adj" fmla="val 10000"/>
-          </a:avLst>
-        </a:prstGeom>
-        <a:solidFill>
-          <a:schemeClr val="lt1">
-            <a:alpha val="90000"/>
-            <a:hueOff val="0"/>
-            <a:satOff val="0"/>
-            <a:lumOff val="0"/>
-            <a:alphaOff val="0"/>
-          </a:schemeClr>
-        </a:solidFill>
-        <a:ln w="19050" cap="flat" cmpd="sng" algn="ctr">
-          <a:solidFill>
-            <a:schemeClr val="accent1">
-              <a:hueOff val="0"/>
-              <a:satOff val="0"/>
-              <a:lumOff val="0"/>
-              <a:alphaOff val="0"/>
-            </a:schemeClr>
-          </a:solidFill>
-          <a:prstDash val="solid"/>
-          <a:miter lim="800000"/>
-        </a:ln>
-        <a:effectLst/>
-      </dsp:spPr>
-      <dsp:style>
-        <a:lnRef idx="2">
-          <a:scrgbClr r="0" g="0" b="0"/>
-        </a:lnRef>
-        <a:fillRef idx="1">
-          <a:scrgbClr r="0" g="0" b="0"/>
-        </a:fillRef>
-        <a:effectRef idx="0">
-          <a:scrgbClr r="0" g="0" b="0"/>
-        </a:effectRef>
-        <a:fontRef idx="minor"/>
-      </dsp:style>
-      <dsp:txBody>
-        <a:bodyPr spcFirstLastPara="0" vert="horz" wrap="square" lIns="91440" tIns="91440" rIns="91440" bIns="91440" numCol="1" spcCol="1270" anchor="ctr" anchorCtr="0">
-          <a:noAutofit/>
-        </a:bodyPr>
-        <a:lstStyle/>
-        <a:p>
-          <a:pPr marL="0" lvl="0" indent="0" algn="ctr" defTabSz="1066800">
-            <a:lnSpc>
-              <a:spcPct val="90000"/>
-            </a:lnSpc>
-            <a:spcBef>
-              <a:spcPct val="0"/>
-            </a:spcBef>
-            <a:spcAft>
-              <a:spcPct val="35000"/>
-            </a:spcAft>
-            <a:buNone/>
-          </a:pPr>
-          <a:r>
-            <a:rPr lang="en-US" sz="2400" b="0" i="0" kern="1200" baseline="0"/>
-            <a:t>Effective implementation requires vigilance and regular updates.</a:t>
-          </a:r>
-          <a:endParaRPr lang="en-US" sz="2400" kern="1200"/>
-        </a:p>
-      </dsp:txBody>
-      <dsp:txXfrm>
-        <a:off x="4155097" y="1088253"/>
-        <a:ext cx="2959127" cy="1837317"/>
-      </dsp:txXfrm>
-    </dsp:sp>
-    <dsp:sp modelId="{2F32D89E-C082-4DCD-A99B-5329912BD9C8}">
-      <dsp:nvSpPr>
-        <dsp:cNvPr id="0" name=""/>
-        <dsp:cNvSpPr/>
-      </dsp:nvSpPr>
-      <dsp:spPr>
-        <a:xfrm>
-          <a:off x="7512882" y="706671"/>
-          <a:ext cx="3073451" cy="1951641"/>
-        </a:xfrm>
-        <a:prstGeom prst="roundRect">
-          <a:avLst>
-            <a:gd name="adj" fmla="val 10000"/>
-          </a:avLst>
-        </a:prstGeom>
-        <a:solidFill>
-          <a:schemeClr val="accent1">
-            <a:hueOff val="0"/>
-            <a:satOff val="0"/>
-            <a:lumOff val="0"/>
-            <a:alphaOff val="0"/>
-          </a:schemeClr>
-        </a:solidFill>
-        <a:ln w="19050" cap="flat" cmpd="sng" algn="ctr">
-          <a:solidFill>
-            <a:schemeClr val="lt1">
-              <a:hueOff val="0"/>
-              <a:satOff val="0"/>
-              <a:lumOff val="0"/>
-              <a:alphaOff val="0"/>
-            </a:schemeClr>
-          </a:solidFill>
-          <a:prstDash val="solid"/>
-          <a:miter lim="800000"/>
-        </a:ln>
-        <a:effectLst/>
-      </dsp:spPr>
-      <dsp:style>
-        <a:lnRef idx="2">
-          <a:scrgbClr r="0" g="0" b="0"/>
-        </a:lnRef>
-        <a:fillRef idx="1">
-          <a:scrgbClr r="0" g="0" b="0"/>
-        </a:fillRef>
-        <a:effectRef idx="0">
-          <a:scrgbClr r="0" g="0" b="0"/>
-        </a:effectRef>
-        <a:fontRef idx="minor">
-          <a:schemeClr val="lt1"/>
-        </a:fontRef>
-      </dsp:style>
-    </dsp:sp>
-    <dsp:sp modelId="{27A0D651-2389-4841-9E0E-0C0A76841F85}">
-      <dsp:nvSpPr>
-        <dsp:cNvPr id="0" name=""/>
-        <dsp:cNvSpPr/>
-      </dsp:nvSpPr>
-      <dsp:spPr>
-        <a:xfrm>
-          <a:off x="7854377" y="1031091"/>
-          <a:ext cx="3073451" cy="1951641"/>
-        </a:xfrm>
-        <a:prstGeom prst="roundRect">
-          <a:avLst>
-            <a:gd name="adj" fmla="val 10000"/>
-          </a:avLst>
-        </a:prstGeom>
-        <a:solidFill>
-          <a:schemeClr val="lt1">
-            <a:alpha val="90000"/>
-            <a:hueOff val="0"/>
-            <a:satOff val="0"/>
-            <a:lumOff val="0"/>
-            <a:alphaOff val="0"/>
-          </a:schemeClr>
-        </a:solidFill>
-        <a:ln w="19050" cap="flat" cmpd="sng" algn="ctr">
-          <a:solidFill>
-            <a:schemeClr val="accent1">
-              <a:hueOff val="0"/>
-              <a:satOff val="0"/>
-              <a:lumOff val="0"/>
-              <a:alphaOff val="0"/>
-            </a:schemeClr>
-          </a:solidFill>
-          <a:prstDash val="solid"/>
-          <a:miter lim="800000"/>
-        </a:ln>
-        <a:effectLst/>
-      </dsp:spPr>
-      <dsp:style>
-        <a:lnRef idx="2">
-          <a:scrgbClr r="0" g="0" b="0"/>
-        </a:lnRef>
-        <a:fillRef idx="1">
-          <a:scrgbClr r="0" g="0" b="0"/>
-        </a:fillRef>
-        <a:effectRef idx="0">
-          <a:scrgbClr r="0" g="0" b="0"/>
-        </a:effectRef>
-        <a:fontRef idx="minor"/>
-      </dsp:style>
-      <dsp:txBody>
-        <a:bodyPr spcFirstLastPara="0" vert="horz" wrap="square" lIns="91440" tIns="91440" rIns="91440" bIns="91440" numCol="1" spcCol="1270" anchor="ctr" anchorCtr="0">
-          <a:noAutofit/>
-        </a:bodyPr>
-        <a:lstStyle/>
-        <a:p>
-          <a:pPr marL="0" lvl="0" indent="0" algn="ctr" defTabSz="1066800">
-            <a:lnSpc>
-              <a:spcPct val="90000"/>
-            </a:lnSpc>
-            <a:spcBef>
-              <a:spcPct val="0"/>
-            </a:spcBef>
-            <a:spcAft>
-              <a:spcPct val="35000"/>
-            </a:spcAft>
-            <a:buNone/>
-          </a:pPr>
-          <a:r>
-            <a:rPr lang="en-US" sz="2400" b="0" i="0" kern="1200" baseline="0"/>
-            <a:t>It’s about balancing access with security needs. </a:t>
-          </a:r>
-          <a:endParaRPr lang="en-US" sz="2400" kern="1200"/>
-        </a:p>
-      </dsp:txBody>
-      <dsp:txXfrm>
-        <a:off x="7911539" y="1088253"/>
-        <a:ext cx="2959127" cy="1837317"/>
       </dsp:txXfrm>
     </dsp:sp>
   </dsp:spTree>
@@ -5303,569 +3909,6 @@
 </dgm:layoutDef>
 </file>
 
-<file path=ppt/diagrams/layout3.xml><?xml version="1.0" encoding="utf-8"?>
-<dgm:layoutDef xmlns:dgm="http://schemas.openxmlformats.org/drawingml/2006/diagram" xmlns:a="http://schemas.openxmlformats.org/drawingml/2006/main" uniqueId="urn:microsoft.com/office/officeart/2005/8/layout/hierarchy1">
-  <dgm:title val=""/>
-  <dgm:desc val=""/>
-  <dgm:catLst>
-    <dgm:cat type="hierarchy" pri="2000"/>
-  </dgm:catLst>
-  <dgm:sampData>
-    <dgm:dataModel>
-      <dgm:ptLst>
-        <dgm:pt modelId="0" type="doc"/>
-        <dgm:pt modelId="1">
-          <dgm:prSet phldr="1"/>
-        </dgm:pt>
-        <dgm:pt modelId="2">
-          <dgm:prSet phldr="1"/>
-        </dgm:pt>
-        <dgm:pt modelId="21">
-          <dgm:prSet phldr="1"/>
-        </dgm:pt>
-        <dgm:pt modelId="22">
-          <dgm:prSet phldr="1"/>
-        </dgm:pt>
-        <dgm:pt modelId="3">
-          <dgm:prSet phldr="1"/>
-        </dgm:pt>
-        <dgm:pt modelId="31">
-          <dgm:prSet phldr="1"/>
-        </dgm:pt>
-      </dgm:ptLst>
-      <dgm:cxnLst>
-        <dgm:cxn modelId="4" srcId="0" destId="1" srcOrd="0" destOrd="0"/>
-        <dgm:cxn modelId="5" srcId="1" destId="2" srcOrd="0" destOrd="0"/>
-        <dgm:cxn modelId="6" srcId="1" destId="3" srcOrd="1" destOrd="0"/>
-        <dgm:cxn modelId="23" srcId="2" destId="21" srcOrd="0" destOrd="0"/>
-        <dgm:cxn modelId="24" srcId="2" destId="22" srcOrd="1" destOrd="0"/>
-        <dgm:cxn modelId="33" srcId="3" destId="31" srcOrd="0" destOrd="0"/>
-      </dgm:cxnLst>
-      <dgm:bg/>
-      <dgm:whole/>
-    </dgm:dataModel>
-  </dgm:sampData>
-  <dgm:styleData>
-    <dgm:dataModel>
-      <dgm:ptLst>
-        <dgm:pt modelId="0" type="doc"/>
-        <dgm:pt modelId="1"/>
-        <dgm:pt modelId="11"/>
-        <dgm:pt modelId="12"/>
-      </dgm:ptLst>
-      <dgm:cxnLst>
-        <dgm:cxn modelId="2" srcId="0" destId="1" srcOrd="0" destOrd="0"/>
-        <dgm:cxn modelId="13" srcId="1" destId="11" srcOrd="0" destOrd="0"/>
-        <dgm:cxn modelId="14" srcId="1" destId="12" srcOrd="1" destOrd="0"/>
-      </dgm:cxnLst>
-      <dgm:bg/>
-      <dgm:whole/>
-    </dgm:dataModel>
-  </dgm:styleData>
-  <dgm:clrData>
-    <dgm:dataModel>
-      <dgm:ptLst>
-        <dgm:pt modelId="0" type="doc"/>
-        <dgm:pt modelId="1"/>
-        <dgm:pt modelId="2"/>
-        <dgm:pt modelId="21"/>
-        <dgm:pt modelId="211"/>
-        <dgm:pt modelId="3"/>
-        <dgm:pt modelId="31"/>
-        <dgm:pt modelId="311"/>
-      </dgm:ptLst>
-      <dgm:cxnLst>
-        <dgm:cxn modelId="4" srcId="0" destId="1" srcOrd="0" destOrd="0"/>
-        <dgm:cxn modelId="5" srcId="1" destId="2" srcOrd="0" destOrd="0"/>
-        <dgm:cxn modelId="6" srcId="1" destId="3" srcOrd="1" destOrd="0"/>
-        <dgm:cxn modelId="23" srcId="2" destId="21" srcOrd="0" destOrd="0"/>
-        <dgm:cxn modelId="24" srcId="21" destId="211" srcOrd="0" destOrd="0"/>
-        <dgm:cxn modelId="33" srcId="3" destId="31" srcOrd="0" destOrd="0"/>
-        <dgm:cxn modelId="34" srcId="31" destId="311" srcOrd="0" destOrd="0"/>
-      </dgm:cxnLst>
-      <dgm:bg/>
-      <dgm:whole/>
-    </dgm:dataModel>
-  </dgm:clrData>
-  <dgm:layoutNode name="hierChild1">
-    <dgm:varLst>
-      <dgm:chPref val="1"/>
-      <dgm:dir/>
-      <dgm:animOne val="branch"/>
-      <dgm:animLvl val="lvl"/>
-      <dgm:resizeHandles/>
-    </dgm:varLst>
-    <dgm:choose name="Name0">
-      <dgm:if name="Name1" func="var" arg="dir" op="equ" val="norm">
-        <dgm:alg type="hierChild">
-          <dgm:param type="linDir" val="fromL"/>
-        </dgm:alg>
-      </dgm:if>
-      <dgm:else name="Name2">
-        <dgm:alg type="hierChild">
-          <dgm:param type="linDir" val="fromR"/>
-        </dgm:alg>
-      </dgm:else>
-    </dgm:choose>
-    <dgm:shape xmlns:r="http://schemas.openxmlformats.org/officeDocument/2006/relationships" r:blip="">
-      <dgm:adjLst/>
-    </dgm:shape>
-    <dgm:presOf/>
-    <dgm:constrLst>
-      <dgm:constr type="primFontSz" for="des" ptType="node" op="equ" val="65"/>
-      <dgm:constr type="w" for="des" forName="composite" refType="w"/>
-      <dgm:constr type="h" for="des" forName="composite" refType="w" refFor="des" refForName="composite" fact="0.667"/>
-      <dgm:constr type="w" for="des" forName="composite2" refType="w" refFor="des" refForName="composite"/>
-      <dgm:constr type="h" for="des" forName="composite2" refType="h" refFor="des" refForName="composite"/>
-      <dgm:constr type="w" for="des" forName="composite3" refType="w" refFor="des" refForName="composite"/>
-      <dgm:constr type="h" for="des" forName="composite3" refType="h" refFor="des" refForName="composite"/>
-      <dgm:constr type="w" for="des" forName="composite4" refType="w" refFor="des" refForName="composite"/>
-      <dgm:constr type="h" for="des" forName="composite4" refType="h" refFor="des" refForName="composite"/>
-      <dgm:constr type="w" for="des" forName="composite5" refType="w" refFor="des" refForName="composite"/>
-      <dgm:constr type="h" for="des" forName="composite5" refType="h" refFor="des" refForName="composite"/>
-      <dgm:constr type="sibSp" refType="w" refFor="des" refForName="composite" fact="0.1"/>
-      <dgm:constr type="sibSp" for="des" forName="hierChild2" refType="sibSp"/>
-      <dgm:constr type="sibSp" for="des" forName="hierChild3" refType="sibSp"/>
-      <dgm:constr type="sibSp" for="des" forName="hierChild4" refType="sibSp"/>
-      <dgm:constr type="sibSp" for="des" forName="hierChild5" refType="sibSp"/>
-      <dgm:constr type="sibSp" for="des" forName="hierChild6" refType="sibSp"/>
-      <dgm:constr type="sp" for="des" forName="hierRoot1" refType="h" refFor="des" refForName="composite" fact="0.25"/>
-      <dgm:constr type="sp" for="des" forName="hierRoot2" refType="sp" refFor="des" refForName="hierRoot1"/>
-      <dgm:constr type="sp" for="des" forName="hierRoot3" refType="sp" refFor="des" refForName="hierRoot1"/>
-      <dgm:constr type="sp" for="des" forName="hierRoot4" refType="sp" refFor="des" refForName="hierRoot1"/>
-      <dgm:constr type="sp" for="des" forName="hierRoot5" refType="sp" refFor="des" refForName="hierRoot1"/>
-    </dgm:constrLst>
-    <dgm:ruleLst/>
-    <dgm:forEach name="Name3" axis="ch">
-      <dgm:forEach name="Name4" axis="self" ptType="node">
-        <dgm:layoutNode name="hierRoot1">
-          <dgm:alg type="hierRoot"/>
-          <dgm:shape xmlns:r="http://schemas.openxmlformats.org/officeDocument/2006/relationships" r:blip="">
-            <dgm:adjLst/>
-          </dgm:shape>
-          <dgm:presOf/>
-          <dgm:constrLst>
-            <dgm:constr type="bendDist" for="des" ptType="parTrans" refType="sp" fact="0.5"/>
-          </dgm:constrLst>
-          <dgm:ruleLst/>
-          <dgm:layoutNode name="composite">
-            <dgm:alg type="composite"/>
-            <dgm:shape xmlns:r="http://schemas.openxmlformats.org/officeDocument/2006/relationships" r:blip="">
-              <dgm:adjLst/>
-            </dgm:shape>
-            <dgm:presOf/>
-            <dgm:constrLst>
-              <dgm:constr type="w" for="ch" forName="background" refType="w" fact="0.9"/>
-              <dgm:constr type="h" for="ch" forName="background" refType="w" refFor="ch" refForName="background" fact="0.635"/>
-              <dgm:constr type="t" for="ch" forName="background"/>
-              <dgm:constr type="l" for="ch" forName="background"/>
-              <dgm:constr type="w" for="ch" forName="text" refType="w" fact="0.9"/>
-              <dgm:constr type="h" for="ch" forName="text" refType="w" refFor="ch" refForName="text" fact="0.635"/>
-              <dgm:constr type="t" for="ch" forName="text" refType="w" fact="0.095"/>
-              <dgm:constr type="l" for="ch" forName="text" refType="w" fact="0.1"/>
-            </dgm:constrLst>
-            <dgm:ruleLst/>
-            <dgm:layoutNode name="background" styleLbl="node0" moveWith="text">
-              <dgm:alg type="sp"/>
-              <dgm:shape xmlns:r="http://schemas.openxmlformats.org/officeDocument/2006/relationships" type="roundRect" r:blip="">
-                <dgm:adjLst>
-                  <dgm:adj idx="1" val="0.1"/>
-                </dgm:adjLst>
-              </dgm:shape>
-              <dgm:presOf/>
-              <dgm:constrLst/>
-              <dgm:ruleLst/>
-            </dgm:layoutNode>
-            <dgm:layoutNode name="text" styleLbl="fgAcc0">
-              <dgm:varLst>
-                <dgm:chPref val="3"/>
-              </dgm:varLst>
-              <dgm:alg type="tx"/>
-              <dgm:shape xmlns:r="http://schemas.openxmlformats.org/officeDocument/2006/relationships" type="roundRect" r:blip="">
-                <dgm:adjLst>
-                  <dgm:adj idx="1" val="0.1"/>
-                </dgm:adjLst>
-              </dgm:shape>
-              <dgm:presOf axis="self"/>
-              <dgm:constrLst>
-                <dgm:constr type="tMarg" refType="primFontSz" fact="0.3"/>
-                <dgm:constr type="bMarg" refType="primFontSz" fact="0.3"/>
-                <dgm:constr type="lMarg" refType="primFontSz" fact="0.3"/>
-                <dgm:constr type="rMarg" refType="primFontSz" fact="0.3"/>
-              </dgm:constrLst>
-              <dgm:ruleLst>
-                <dgm:rule type="primFontSz" val="5" fact="NaN" max="NaN"/>
-              </dgm:ruleLst>
-            </dgm:layoutNode>
-          </dgm:layoutNode>
-          <dgm:layoutNode name="hierChild2">
-            <dgm:choose name="Name5">
-              <dgm:if name="Name6" func="var" arg="dir" op="equ" val="norm">
-                <dgm:alg type="hierChild">
-                  <dgm:param type="linDir" val="fromL"/>
-                </dgm:alg>
-              </dgm:if>
-              <dgm:else name="Name7">
-                <dgm:alg type="hierChild">
-                  <dgm:param type="linDir" val="fromR"/>
-                </dgm:alg>
-              </dgm:else>
-            </dgm:choose>
-            <dgm:shape xmlns:r="http://schemas.openxmlformats.org/officeDocument/2006/relationships" r:blip="">
-              <dgm:adjLst/>
-            </dgm:shape>
-            <dgm:presOf/>
-            <dgm:constrLst/>
-            <dgm:ruleLst/>
-            <dgm:forEach name="Name8" axis="ch">
-              <dgm:forEach name="Name9" axis="self" ptType="parTrans" cnt="1">
-                <dgm:layoutNode name="Name10">
-                  <dgm:alg type="conn">
-                    <dgm:param type="dim" val="1D"/>
-                    <dgm:param type="endSty" val="noArr"/>
-                    <dgm:param type="connRout" val="bend"/>
-                    <dgm:param type="bendPt" val="end"/>
-                    <dgm:param type="begPts" val="bCtr"/>
-                    <dgm:param type="endPts" val="tCtr"/>
-                    <dgm:param type="srcNode" val="background"/>
-                    <dgm:param type="dstNode" val="background2"/>
-                  </dgm:alg>
-                  <dgm:shape xmlns:r="http://schemas.openxmlformats.org/officeDocument/2006/relationships" type="conn" r:blip="" zOrderOff="-999">
-                    <dgm:adjLst/>
-                  </dgm:shape>
-                  <dgm:presOf axis="self"/>
-                  <dgm:constrLst>
-                    <dgm:constr type="begPad"/>
-                    <dgm:constr type="endPad"/>
-                  </dgm:constrLst>
-                  <dgm:ruleLst/>
-                </dgm:layoutNode>
-              </dgm:forEach>
-              <dgm:forEach name="Name11" axis="self" ptType="node">
-                <dgm:layoutNode name="hierRoot2">
-                  <dgm:alg type="hierRoot"/>
-                  <dgm:shape xmlns:r="http://schemas.openxmlformats.org/officeDocument/2006/relationships" r:blip="">
-                    <dgm:adjLst/>
-                  </dgm:shape>
-                  <dgm:presOf/>
-                  <dgm:constrLst>
-                    <dgm:constr type="bendDist" for="des" ptType="parTrans" refType="sp" fact="0.5"/>
-                  </dgm:constrLst>
-                  <dgm:ruleLst/>
-                  <dgm:layoutNode name="composite2">
-                    <dgm:alg type="composite"/>
-                    <dgm:shape xmlns:r="http://schemas.openxmlformats.org/officeDocument/2006/relationships" r:blip="">
-                      <dgm:adjLst/>
-                    </dgm:shape>
-                    <dgm:presOf/>
-                    <dgm:constrLst>
-                      <dgm:constr type="w" for="ch" forName="background2" refType="w" fact="0.9"/>
-                      <dgm:constr type="h" for="ch" forName="background2" refType="w" refFor="ch" refForName="background2" fact="0.635"/>
-                      <dgm:constr type="t" for="ch" forName="background2"/>
-                      <dgm:constr type="l" for="ch" forName="background2"/>
-                      <dgm:constr type="w" for="ch" forName="text2" refType="w" fact="0.9"/>
-                      <dgm:constr type="h" for="ch" forName="text2" refType="w" refFor="ch" refForName="text2" fact="0.635"/>
-                      <dgm:constr type="t" for="ch" forName="text2" refType="w" fact="0.095"/>
-                      <dgm:constr type="l" for="ch" forName="text2" refType="w" fact="0.1"/>
-                    </dgm:constrLst>
-                    <dgm:ruleLst/>
-                    <dgm:layoutNode name="background2" moveWith="text2">
-                      <dgm:alg type="sp"/>
-                      <dgm:shape xmlns:r="http://schemas.openxmlformats.org/officeDocument/2006/relationships" type="roundRect" r:blip="">
-                        <dgm:adjLst>
-                          <dgm:adj idx="1" val="0.1"/>
-                        </dgm:adjLst>
-                      </dgm:shape>
-                      <dgm:presOf/>
-                      <dgm:constrLst/>
-                      <dgm:ruleLst/>
-                    </dgm:layoutNode>
-                    <dgm:layoutNode name="text2" styleLbl="fgAcc2">
-                      <dgm:varLst>
-                        <dgm:chPref val="3"/>
-                      </dgm:varLst>
-                      <dgm:alg type="tx"/>
-                      <dgm:shape xmlns:r="http://schemas.openxmlformats.org/officeDocument/2006/relationships" type="roundRect" r:blip="">
-                        <dgm:adjLst>
-                          <dgm:adj idx="1" val="0.1"/>
-                        </dgm:adjLst>
-                      </dgm:shape>
-                      <dgm:presOf axis="self"/>
-                      <dgm:constrLst>
-                        <dgm:constr type="tMarg" refType="primFontSz" fact="0.3"/>
-                        <dgm:constr type="bMarg" refType="primFontSz" fact="0.3"/>
-                        <dgm:constr type="lMarg" refType="primFontSz" fact="0.3"/>
-                        <dgm:constr type="rMarg" refType="primFontSz" fact="0.3"/>
-                      </dgm:constrLst>
-                      <dgm:ruleLst>
-                        <dgm:rule type="primFontSz" val="5" fact="NaN" max="NaN"/>
-                      </dgm:ruleLst>
-                    </dgm:layoutNode>
-                  </dgm:layoutNode>
-                  <dgm:layoutNode name="hierChild3">
-                    <dgm:choose name="Name12">
-                      <dgm:if name="Name13" func="var" arg="dir" op="equ" val="norm">
-                        <dgm:alg type="hierChild">
-                          <dgm:param type="linDir" val="fromL"/>
-                        </dgm:alg>
-                      </dgm:if>
-                      <dgm:else name="Name14">
-                        <dgm:alg type="hierChild">
-                          <dgm:param type="linDir" val="fromR"/>
-                        </dgm:alg>
-                      </dgm:else>
-                    </dgm:choose>
-                    <dgm:shape xmlns:r="http://schemas.openxmlformats.org/officeDocument/2006/relationships" r:blip="">
-                      <dgm:adjLst/>
-                    </dgm:shape>
-                    <dgm:presOf/>
-                    <dgm:constrLst/>
-                    <dgm:ruleLst/>
-                    <dgm:forEach name="Name15" axis="ch">
-                      <dgm:forEach name="Name16" axis="self" ptType="parTrans" cnt="1">
-                        <dgm:layoutNode name="Name17">
-                          <dgm:alg type="conn">
-                            <dgm:param type="dim" val="1D"/>
-                            <dgm:param type="endSty" val="noArr"/>
-                            <dgm:param type="connRout" val="bend"/>
-                            <dgm:param type="bendPt" val="end"/>
-                            <dgm:param type="begPts" val="bCtr"/>
-                            <dgm:param type="endPts" val="tCtr"/>
-                            <dgm:param type="srcNode" val="background2"/>
-                            <dgm:param type="dstNode" val="background3"/>
-                          </dgm:alg>
-                          <dgm:shape xmlns:r="http://schemas.openxmlformats.org/officeDocument/2006/relationships" type="conn" r:blip="" zOrderOff="-999">
-                            <dgm:adjLst/>
-                          </dgm:shape>
-                          <dgm:presOf axis="self"/>
-                          <dgm:constrLst>
-                            <dgm:constr type="begPad"/>
-                            <dgm:constr type="endPad"/>
-                          </dgm:constrLst>
-                          <dgm:ruleLst/>
-                        </dgm:layoutNode>
-                      </dgm:forEach>
-                      <dgm:forEach name="Name18" axis="self" ptType="node">
-                        <dgm:layoutNode name="hierRoot3">
-                          <dgm:alg type="hierRoot"/>
-                          <dgm:shape xmlns:r="http://schemas.openxmlformats.org/officeDocument/2006/relationships" r:blip="">
-                            <dgm:adjLst/>
-                          </dgm:shape>
-                          <dgm:presOf/>
-                          <dgm:constrLst>
-                            <dgm:constr type="bendDist" for="des" ptType="parTrans" refType="sp" fact="0.5"/>
-                          </dgm:constrLst>
-                          <dgm:ruleLst/>
-                          <dgm:layoutNode name="composite3">
-                            <dgm:alg type="composite"/>
-                            <dgm:shape xmlns:r="http://schemas.openxmlformats.org/officeDocument/2006/relationships" r:blip="">
-                              <dgm:adjLst/>
-                            </dgm:shape>
-                            <dgm:presOf/>
-                            <dgm:constrLst>
-                              <dgm:constr type="w" for="ch" forName="background3" refType="w" fact="0.9"/>
-                              <dgm:constr type="h" for="ch" forName="background3" refType="w" refFor="ch" refForName="background3" fact="0.635"/>
-                              <dgm:constr type="t" for="ch" forName="background3"/>
-                              <dgm:constr type="l" for="ch" forName="background3"/>
-                              <dgm:constr type="w" for="ch" forName="text3" refType="w" fact="0.9"/>
-                              <dgm:constr type="h" for="ch" forName="text3" refType="w" refFor="ch" refForName="text3" fact="0.635"/>
-                              <dgm:constr type="t" for="ch" forName="text3" refType="w" fact="0.095"/>
-                              <dgm:constr type="l" for="ch" forName="text3" refType="w" fact="0.1"/>
-                            </dgm:constrLst>
-                            <dgm:ruleLst/>
-                            <dgm:layoutNode name="background3" moveWith="text3">
-                              <dgm:alg type="sp"/>
-                              <dgm:shape xmlns:r="http://schemas.openxmlformats.org/officeDocument/2006/relationships" type="roundRect" r:blip="">
-                                <dgm:adjLst>
-                                  <dgm:adj idx="1" val="0.1"/>
-                                </dgm:adjLst>
-                              </dgm:shape>
-                              <dgm:presOf/>
-                              <dgm:constrLst/>
-                              <dgm:ruleLst/>
-                            </dgm:layoutNode>
-                            <dgm:layoutNode name="text3" styleLbl="fgAcc3">
-                              <dgm:varLst>
-                                <dgm:chPref val="3"/>
-                              </dgm:varLst>
-                              <dgm:alg type="tx"/>
-                              <dgm:shape xmlns:r="http://schemas.openxmlformats.org/officeDocument/2006/relationships" type="roundRect" r:blip="">
-                                <dgm:adjLst>
-                                  <dgm:adj idx="1" val="0.1"/>
-                                </dgm:adjLst>
-                              </dgm:shape>
-                              <dgm:presOf axis="self"/>
-                              <dgm:constrLst>
-                                <dgm:constr type="tMarg" refType="primFontSz" fact="0.3"/>
-                                <dgm:constr type="bMarg" refType="primFontSz" fact="0.3"/>
-                                <dgm:constr type="lMarg" refType="primFontSz" fact="0.3"/>
-                                <dgm:constr type="rMarg" refType="primFontSz" fact="0.3"/>
-                              </dgm:constrLst>
-                              <dgm:ruleLst>
-                                <dgm:rule type="primFontSz" val="5" fact="NaN" max="NaN"/>
-                              </dgm:ruleLst>
-                            </dgm:layoutNode>
-                          </dgm:layoutNode>
-                          <dgm:layoutNode name="hierChild4">
-                            <dgm:choose name="Name19">
-                              <dgm:if name="Name20" func="var" arg="dir" op="equ" val="norm">
-                                <dgm:alg type="hierChild">
-                                  <dgm:param type="linDir" val="fromL"/>
-                                </dgm:alg>
-                              </dgm:if>
-                              <dgm:else name="Name21">
-                                <dgm:alg type="hierChild">
-                                  <dgm:param type="linDir" val="fromR"/>
-                                </dgm:alg>
-                              </dgm:else>
-                            </dgm:choose>
-                            <dgm:shape xmlns:r="http://schemas.openxmlformats.org/officeDocument/2006/relationships" r:blip="">
-                              <dgm:adjLst/>
-                            </dgm:shape>
-                            <dgm:presOf/>
-                            <dgm:constrLst/>
-                            <dgm:ruleLst/>
-                            <dgm:forEach name="repeat" axis="ch">
-                              <dgm:forEach name="Name22" axis="self" ptType="parTrans" cnt="1">
-                                <dgm:layoutNode name="Name23">
-                                  <dgm:choose name="Name24">
-                                    <dgm:if name="Name25" axis="self" func="depth" op="lte" val="4">
-                                      <dgm:alg type="conn">
-                                        <dgm:param type="dim" val="1D"/>
-                                        <dgm:param type="endSty" val="noArr"/>
-                                        <dgm:param type="connRout" val="bend"/>
-                                        <dgm:param type="bendPt" val="end"/>
-                                        <dgm:param type="begPts" val="bCtr"/>
-                                        <dgm:param type="endPts" val="tCtr"/>
-                                        <dgm:param type="srcNode" val="background3"/>
-                                        <dgm:param type="dstNode" val="background4"/>
-                                      </dgm:alg>
-                                    </dgm:if>
-                                    <dgm:else name="Name26">
-                                      <dgm:alg type="conn">
-                                        <dgm:param type="dim" val="1D"/>
-                                        <dgm:param type="endSty" val="noArr"/>
-                                        <dgm:param type="connRout" val="bend"/>
-                                        <dgm:param type="bendPt" val="end"/>
-                                        <dgm:param type="begPts" val="bCtr"/>
-                                        <dgm:param type="endPts" val="tCtr"/>
-                                        <dgm:param type="srcNode" val="background4"/>
-                                        <dgm:param type="dstNode" val="background4"/>
-                                      </dgm:alg>
-                                    </dgm:else>
-                                  </dgm:choose>
-                                  <dgm:shape xmlns:r="http://schemas.openxmlformats.org/officeDocument/2006/relationships" type="conn" r:blip="" zOrderOff="-999">
-                                    <dgm:adjLst/>
-                                  </dgm:shape>
-                                  <dgm:presOf axis="self"/>
-                                  <dgm:constrLst>
-                                    <dgm:constr type="begPad"/>
-                                    <dgm:constr type="endPad"/>
-                                  </dgm:constrLst>
-                                  <dgm:ruleLst/>
-                                </dgm:layoutNode>
-                              </dgm:forEach>
-                              <dgm:forEach name="Name27" axis="self" ptType="node">
-                                <dgm:layoutNode name="hierRoot4">
-                                  <dgm:alg type="hierRoot"/>
-                                  <dgm:shape xmlns:r="http://schemas.openxmlformats.org/officeDocument/2006/relationships" r:blip="">
-                                    <dgm:adjLst/>
-                                  </dgm:shape>
-                                  <dgm:presOf/>
-                                  <dgm:constrLst>
-                                    <dgm:constr type="bendDist" for="des" ptType="parTrans" refType="sp" fact="0.5"/>
-                                  </dgm:constrLst>
-                                  <dgm:ruleLst/>
-                                  <dgm:layoutNode name="composite4">
-                                    <dgm:alg type="composite"/>
-                                    <dgm:shape xmlns:r="http://schemas.openxmlformats.org/officeDocument/2006/relationships" r:blip="">
-                                      <dgm:adjLst/>
-                                    </dgm:shape>
-                                    <dgm:presOf/>
-                                    <dgm:constrLst>
-                                      <dgm:constr type="w" for="ch" forName="background4" refType="w" fact="0.9"/>
-                                      <dgm:constr type="h" for="ch" forName="background4" refType="w" refFor="ch" refForName="background4" fact="0.635"/>
-                                      <dgm:constr type="t" for="ch" forName="background4"/>
-                                      <dgm:constr type="l" for="ch" forName="background4"/>
-                                      <dgm:constr type="w" for="ch" forName="text4" refType="w" fact="0.9"/>
-                                      <dgm:constr type="h" for="ch" forName="text4" refType="w" refFor="ch" refForName="text4" fact="0.635"/>
-                                      <dgm:constr type="t" for="ch" forName="text4" refType="w" fact="0.095"/>
-                                      <dgm:constr type="l" for="ch" forName="text4" refType="w" fact="0.1"/>
-                                    </dgm:constrLst>
-                                    <dgm:ruleLst/>
-                                    <dgm:layoutNode name="background4" moveWith="text4">
-                                      <dgm:alg type="sp"/>
-                                      <dgm:shape xmlns:r="http://schemas.openxmlformats.org/officeDocument/2006/relationships" type="roundRect" r:blip="">
-                                        <dgm:adjLst>
-                                          <dgm:adj idx="1" val="0.1"/>
-                                        </dgm:adjLst>
-                                      </dgm:shape>
-                                      <dgm:presOf/>
-                                      <dgm:constrLst/>
-                                      <dgm:ruleLst/>
-                                    </dgm:layoutNode>
-                                    <dgm:layoutNode name="text4" styleLbl="fgAcc4">
-                                      <dgm:varLst>
-                                        <dgm:chPref val="3"/>
-                                      </dgm:varLst>
-                                      <dgm:alg type="tx"/>
-                                      <dgm:shape xmlns:r="http://schemas.openxmlformats.org/officeDocument/2006/relationships" type="roundRect" r:blip="">
-                                        <dgm:adjLst>
-                                          <dgm:adj idx="1" val="0.1"/>
-                                        </dgm:adjLst>
-                                      </dgm:shape>
-                                      <dgm:presOf axis="self"/>
-                                      <dgm:constrLst>
-                                        <dgm:constr type="tMarg" refType="primFontSz" fact="0.3"/>
-                                        <dgm:constr type="bMarg" refType="primFontSz" fact="0.3"/>
-                                        <dgm:constr type="lMarg" refType="primFontSz" fact="0.3"/>
-                                        <dgm:constr type="rMarg" refType="primFontSz" fact="0.3"/>
-                                      </dgm:constrLst>
-                                      <dgm:ruleLst>
-                                        <dgm:rule type="primFontSz" val="5" fact="NaN" max="NaN"/>
-                                      </dgm:ruleLst>
-                                    </dgm:layoutNode>
-                                  </dgm:layoutNode>
-                                  <dgm:layoutNode name="hierChild5">
-                                    <dgm:choose name="Name28">
-                                      <dgm:if name="Name29" func="var" arg="dir" op="equ" val="norm">
-                                        <dgm:alg type="hierChild">
-                                          <dgm:param type="linDir" val="fromL"/>
-                                        </dgm:alg>
-                                      </dgm:if>
-                                      <dgm:else name="Name30">
-                                        <dgm:alg type="hierChild">
-                                          <dgm:param type="linDir" val="fromR"/>
-                                        </dgm:alg>
-                                      </dgm:else>
-                                    </dgm:choose>
-                                    <dgm:shape xmlns:r="http://schemas.openxmlformats.org/officeDocument/2006/relationships" r:blip="">
-                                      <dgm:adjLst/>
-                                    </dgm:shape>
-                                    <dgm:presOf/>
-                                    <dgm:constrLst/>
-                                    <dgm:ruleLst/>
-                                    <dgm:forEach name="Name31" ref="repeat"/>
-                                  </dgm:layoutNode>
-                                </dgm:layoutNode>
-                              </dgm:forEach>
-                            </dgm:forEach>
-                          </dgm:layoutNode>
-                        </dgm:layoutNode>
-                      </dgm:forEach>
-                    </dgm:forEach>
-                  </dgm:layoutNode>
-                </dgm:layoutNode>
-              </dgm:forEach>
-            </dgm:forEach>
-          </dgm:layoutNode>
-        </dgm:layoutNode>
-      </dgm:forEach>
-    </dgm:forEach>
-  </dgm:layoutNode>
-</dgm:layoutDef>
-</file>
-
 <file path=ppt/diagrams/quickStyle1.xml><?xml version="1.0" encoding="utf-8"?>
 <dgm:styleDef xmlns:dgm="http://schemas.openxmlformats.org/drawingml/2006/diagram" xmlns:a="http://schemas.openxmlformats.org/drawingml/2006/main" uniqueId="urn:microsoft.com/office/officeart/2005/8/quickstyle/simple1">
   <dgm:title val=""/>
@@ -6901,1040 +4944,6 @@
 </file>
 
 <file path=ppt/diagrams/quickStyle2.xml><?xml version="1.0" encoding="utf-8"?>
-<dgm:styleDef xmlns:dgm="http://schemas.openxmlformats.org/drawingml/2006/diagram" xmlns:a="http://schemas.openxmlformats.org/drawingml/2006/main" uniqueId="urn:microsoft.com/office/officeart/2005/8/quickstyle/simple1">
-  <dgm:title val=""/>
-  <dgm:desc val=""/>
-  <dgm:catLst>
-    <dgm:cat type="simple" pri="10100"/>
-  </dgm:catLst>
-  <dgm:scene3d>
-    <a:camera prst="orthographicFront"/>
-    <a:lightRig rig="threePt" dir="t"/>
-  </dgm:scene3d>
-  <dgm:styleLbl name="node0">
-    <dgm:scene3d>
-      <a:camera prst="orthographicFront"/>
-      <a:lightRig rig="threePt" dir="t"/>
-    </dgm:scene3d>
-    <dgm:sp3d/>
-    <dgm:txPr/>
-    <dgm:style>
-      <a:lnRef idx="2">
-        <a:scrgbClr r="0" g="0" b="0"/>
-      </a:lnRef>
-      <a:fillRef idx="1">
-        <a:scrgbClr r="0" g="0" b="0"/>
-      </a:fillRef>
-      <a:effectRef idx="0">
-        <a:scrgbClr r="0" g="0" b="0"/>
-      </a:effectRef>
-      <a:fontRef idx="minor">
-        <a:schemeClr val="lt1"/>
-      </a:fontRef>
-    </dgm:style>
-  </dgm:styleLbl>
-  <dgm:styleLbl name="lnNode1">
-    <dgm:scene3d>
-      <a:camera prst="orthographicFront"/>
-      <a:lightRig rig="threePt" dir="t"/>
-    </dgm:scene3d>
-    <dgm:sp3d/>
-    <dgm:txPr/>
-    <dgm:style>
-      <a:lnRef idx="2">
-        <a:scrgbClr r="0" g="0" b="0"/>
-      </a:lnRef>
-      <a:fillRef idx="1">
-        <a:scrgbClr r="0" g="0" b="0"/>
-      </a:fillRef>
-      <a:effectRef idx="0">
-        <a:scrgbClr r="0" g="0" b="0"/>
-      </a:effectRef>
-      <a:fontRef idx="minor">
-        <a:schemeClr val="lt1"/>
-      </a:fontRef>
-    </dgm:style>
-  </dgm:styleLbl>
-  <dgm:styleLbl name="vennNode1">
-    <dgm:scene3d>
-      <a:camera prst="orthographicFront"/>
-      <a:lightRig rig="threePt" dir="t"/>
-    </dgm:scene3d>
-    <dgm:sp3d/>
-    <dgm:txPr/>
-    <dgm:style>
-      <a:lnRef idx="2">
-        <a:scrgbClr r="0" g="0" b="0"/>
-      </a:lnRef>
-      <a:fillRef idx="1">
-        <a:scrgbClr r="0" g="0" b="0"/>
-      </a:fillRef>
-      <a:effectRef idx="0">
-        <a:scrgbClr r="0" g="0" b="0"/>
-      </a:effectRef>
-      <a:fontRef idx="minor">
-        <a:schemeClr val="tx1"/>
-      </a:fontRef>
-    </dgm:style>
-  </dgm:styleLbl>
-  <dgm:styleLbl name="alignNode1">
-    <dgm:scene3d>
-      <a:camera prst="orthographicFront"/>
-      <a:lightRig rig="threePt" dir="t"/>
-    </dgm:scene3d>
-    <dgm:sp3d/>
-    <dgm:txPr/>
-    <dgm:style>
-      <a:lnRef idx="2">
-        <a:scrgbClr r="0" g="0" b="0"/>
-      </a:lnRef>
-      <a:fillRef idx="1">
-        <a:scrgbClr r="0" g="0" b="0"/>
-      </a:fillRef>
-      <a:effectRef idx="0">
-        <a:scrgbClr r="0" g="0" b="0"/>
-      </a:effectRef>
-      <a:fontRef idx="minor">
-        <a:schemeClr val="lt1"/>
-      </a:fontRef>
-    </dgm:style>
-  </dgm:styleLbl>
-  <dgm:styleLbl name="node1">
-    <dgm:scene3d>
-      <a:camera prst="orthographicFront"/>
-      <a:lightRig rig="threePt" dir="t"/>
-    </dgm:scene3d>
-    <dgm:sp3d/>
-    <dgm:txPr/>
-    <dgm:style>
-      <a:lnRef idx="2">
-        <a:scrgbClr r="0" g="0" b="0"/>
-      </a:lnRef>
-      <a:fillRef idx="1">
-        <a:scrgbClr r="0" g="0" b="0"/>
-      </a:fillRef>
-      <a:effectRef idx="0">
-        <a:scrgbClr r="0" g="0" b="0"/>
-      </a:effectRef>
-      <a:fontRef idx="minor">
-        <a:schemeClr val="lt1"/>
-      </a:fontRef>
-    </dgm:style>
-  </dgm:styleLbl>
-  <dgm:styleLbl name="node2">
-    <dgm:scene3d>
-      <a:camera prst="orthographicFront"/>
-      <a:lightRig rig="threePt" dir="t"/>
-    </dgm:scene3d>
-    <dgm:sp3d/>
-    <dgm:txPr/>
-    <dgm:style>
-      <a:lnRef idx="2">
-        <a:scrgbClr r="0" g="0" b="0"/>
-      </a:lnRef>
-      <a:fillRef idx="1">
-        <a:scrgbClr r="0" g="0" b="0"/>
-      </a:fillRef>
-      <a:effectRef idx="0">
-        <a:scrgbClr r="0" g="0" b="0"/>
-      </a:effectRef>
-      <a:fontRef idx="minor">
-        <a:schemeClr val="lt1"/>
-      </a:fontRef>
-    </dgm:style>
-  </dgm:styleLbl>
-  <dgm:styleLbl name="node3">
-    <dgm:scene3d>
-      <a:camera prst="orthographicFront"/>
-      <a:lightRig rig="threePt" dir="t"/>
-    </dgm:scene3d>
-    <dgm:sp3d/>
-    <dgm:txPr/>
-    <dgm:style>
-      <a:lnRef idx="2">
-        <a:scrgbClr r="0" g="0" b="0"/>
-      </a:lnRef>
-      <a:fillRef idx="1">
-        <a:scrgbClr r="0" g="0" b="0"/>
-      </a:fillRef>
-      <a:effectRef idx="0">
-        <a:scrgbClr r="0" g="0" b="0"/>
-      </a:effectRef>
-      <a:fontRef idx="minor">
-        <a:schemeClr val="lt1"/>
-      </a:fontRef>
-    </dgm:style>
-  </dgm:styleLbl>
-  <dgm:styleLbl name="node4">
-    <dgm:scene3d>
-      <a:camera prst="orthographicFront"/>
-      <a:lightRig rig="threePt" dir="t"/>
-    </dgm:scene3d>
-    <dgm:sp3d/>
-    <dgm:txPr/>
-    <dgm:style>
-      <a:lnRef idx="2">
-        <a:scrgbClr r="0" g="0" b="0"/>
-      </a:lnRef>
-      <a:fillRef idx="1">
-        <a:scrgbClr r="0" g="0" b="0"/>
-      </a:fillRef>
-      <a:effectRef idx="0">
-        <a:scrgbClr r="0" g="0" b="0"/>
-      </a:effectRef>
-      <a:fontRef idx="minor">
-        <a:schemeClr val="lt1"/>
-      </a:fontRef>
-    </dgm:style>
-  </dgm:styleLbl>
-  <dgm:styleLbl name="fgImgPlace1">
-    <dgm:scene3d>
-      <a:camera prst="orthographicFront"/>
-      <a:lightRig rig="threePt" dir="t"/>
-    </dgm:scene3d>
-    <dgm:sp3d/>
-    <dgm:txPr/>
-    <dgm:style>
-      <a:lnRef idx="2">
-        <a:scrgbClr r="0" g="0" b="0"/>
-      </a:lnRef>
-      <a:fillRef idx="1">
-        <a:scrgbClr r="0" g="0" b="0"/>
-      </a:fillRef>
-      <a:effectRef idx="0">
-        <a:scrgbClr r="0" g="0" b="0"/>
-      </a:effectRef>
-      <a:fontRef idx="minor"/>
-    </dgm:style>
-  </dgm:styleLbl>
-  <dgm:styleLbl name="alignImgPlace1">
-    <dgm:scene3d>
-      <a:camera prst="orthographicFront"/>
-      <a:lightRig rig="threePt" dir="t"/>
-    </dgm:scene3d>
-    <dgm:sp3d/>
-    <dgm:txPr/>
-    <dgm:style>
-      <a:lnRef idx="2">
-        <a:scrgbClr r="0" g="0" b="0"/>
-      </a:lnRef>
-      <a:fillRef idx="1">
-        <a:scrgbClr r="0" g="0" b="0"/>
-      </a:fillRef>
-      <a:effectRef idx="0">
-        <a:scrgbClr r="0" g="0" b="0"/>
-      </a:effectRef>
-      <a:fontRef idx="minor"/>
-    </dgm:style>
-  </dgm:styleLbl>
-  <dgm:styleLbl name="bgImgPlace1">
-    <dgm:scene3d>
-      <a:camera prst="orthographicFront"/>
-      <a:lightRig rig="threePt" dir="t"/>
-    </dgm:scene3d>
-    <dgm:sp3d/>
-    <dgm:txPr/>
-    <dgm:style>
-      <a:lnRef idx="2">
-        <a:scrgbClr r="0" g="0" b="0"/>
-      </a:lnRef>
-      <a:fillRef idx="1">
-        <a:scrgbClr r="0" g="0" b="0"/>
-      </a:fillRef>
-      <a:effectRef idx="0">
-        <a:scrgbClr r="0" g="0" b="0"/>
-      </a:effectRef>
-      <a:fontRef idx="minor"/>
-    </dgm:style>
-  </dgm:styleLbl>
-  <dgm:styleLbl name="sibTrans2D1">
-    <dgm:scene3d>
-      <a:camera prst="orthographicFront"/>
-      <a:lightRig rig="threePt" dir="t"/>
-    </dgm:scene3d>
-    <dgm:sp3d/>
-    <dgm:txPr/>
-    <dgm:style>
-      <a:lnRef idx="0">
-        <a:scrgbClr r="0" g="0" b="0"/>
-      </a:lnRef>
-      <a:fillRef idx="1">
-        <a:scrgbClr r="0" g="0" b="0"/>
-      </a:fillRef>
-      <a:effectRef idx="0">
-        <a:scrgbClr r="0" g="0" b="0"/>
-      </a:effectRef>
-      <a:fontRef idx="minor">
-        <a:schemeClr val="lt1"/>
-      </a:fontRef>
-    </dgm:style>
-  </dgm:styleLbl>
-  <dgm:styleLbl name="fgSibTrans2D1">
-    <dgm:scene3d>
-      <a:camera prst="orthographicFront"/>
-      <a:lightRig rig="threePt" dir="t"/>
-    </dgm:scene3d>
-    <dgm:sp3d/>
-    <dgm:txPr/>
-    <dgm:style>
-      <a:lnRef idx="0">
-        <a:scrgbClr r="0" g="0" b="0"/>
-      </a:lnRef>
-      <a:fillRef idx="1">
-        <a:scrgbClr r="0" g="0" b="0"/>
-      </a:fillRef>
-      <a:effectRef idx="0">
-        <a:scrgbClr r="0" g="0" b="0"/>
-      </a:effectRef>
-      <a:fontRef idx="minor">
-        <a:schemeClr val="lt1"/>
-      </a:fontRef>
-    </dgm:style>
-  </dgm:styleLbl>
-  <dgm:styleLbl name="bgSibTrans2D1">
-    <dgm:scene3d>
-      <a:camera prst="orthographicFront"/>
-      <a:lightRig rig="threePt" dir="t"/>
-    </dgm:scene3d>
-    <dgm:sp3d/>
-    <dgm:txPr/>
-    <dgm:style>
-      <a:lnRef idx="0">
-        <a:scrgbClr r="0" g="0" b="0"/>
-      </a:lnRef>
-      <a:fillRef idx="1">
-        <a:scrgbClr r="0" g="0" b="0"/>
-      </a:fillRef>
-      <a:effectRef idx="0">
-        <a:scrgbClr r="0" g="0" b="0"/>
-      </a:effectRef>
-      <a:fontRef idx="minor">
-        <a:schemeClr val="lt1"/>
-      </a:fontRef>
-    </dgm:style>
-  </dgm:styleLbl>
-  <dgm:styleLbl name="sibTrans1D1">
-    <dgm:scene3d>
-      <a:camera prst="orthographicFront"/>
-      <a:lightRig rig="threePt" dir="t"/>
-    </dgm:scene3d>
-    <dgm:sp3d/>
-    <dgm:txPr/>
-    <dgm:style>
-      <a:lnRef idx="1">
-        <a:scrgbClr r="0" g="0" b="0"/>
-      </a:lnRef>
-      <a:fillRef idx="0">
-        <a:scrgbClr r="0" g="0" b="0"/>
-      </a:fillRef>
-      <a:effectRef idx="0">
-        <a:scrgbClr r="0" g="0" b="0"/>
-      </a:effectRef>
-      <a:fontRef idx="minor"/>
-    </dgm:style>
-  </dgm:styleLbl>
-  <dgm:styleLbl name="callout">
-    <dgm:scene3d>
-      <a:camera prst="orthographicFront"/>
-      <a:lightRig rig="threePt" dir="t"/>
-    </dgm:scene3d>
-    <dgm:sp3d/>
-    <dgm:txPr/>
-    <dgm:style>
-      <a:lnRef idx="2">
-        <a:scrgbClr r="0" g="0" b="0"/>
-      </a:lnRef>
-      <a:fillRef idx="1">
-        <a:scrgbClr r="0" g="0" b="0"/>
-      </a:fillRef>
-      <a:effectRef idx="0">
-        <a:scrgbClr r="0" g="0" b="0"/>
-      </a:effectRef>
-      <a:fontRef idx="minor"/>
-    </dgm:style>
-  </dgm:styleLbl>
-  <dgm:styleLbl name="asst0">
-    <dgm:scene3d>
-      <a:camera prst="orthographicFront"/>
-      <a:lightRig rig="threePt" dir="t"/>
-    </dgm:scene3d>
-    <dgm:sp3d/>
-    <dgm:txPr/>
-    <dgm:style>
-      <a:lnRef idx="2">
-        <a:scrgbClr r="0" g="0" b="0"/>
-      </a:lnRef>
-      <a:fillRef idx="1">
-        <a:scrgbClr r="0" g="0" b="0"/>
-      </a:fillRef>
-      <a:effectRef idx="0">
-        <a:scrgbClr r="0" g="0" b="0"/>
-      </a:effectRef>
-      <a:fontRef idx="minor">
-        <a:schemeClr val="lt1"/>
-      </a:fontRef>
-    </dgm:style>
-  </dgm:styleLbl>
-  <dgm:styleLbl name="asst1">
-    <dgm:scene3d>
-      <a:camera prst="orthographicFront"/>
-      <a:lightRig rig="threePt" dir="t"/>
-    </dgm:scene3d>
-    <dgm:sp3d/>
-    <dgm:txPr/>
-    <dgm:style>
-      <a:lnRef idx="2">
-        <a:scrgbClr r="0" g="0" b="0"/>
-      </a:lnRef>
-      <a:fillRef idx="1">
-        <a:scrgbClr r="0" g="0" b="0"/>
-      </a:fillRef>
-      <a:effectRef idx="0">
-        <a:scrgbClr r="0" g="0" b="0"/>
-      </a:effectRef>
-      <a:fontRef idx="minor">
-        <a:schemeClr val="lt1"/>
-      </a:fontRef>
-    </dgm:style>
-  </dgm:styleLbl>
-  <dgm:styleLbl name="asst2">
-    <dgm:scene3d>
-      <a:camera prst="orthographicFront"/>
-      <a:lightRig rig="threePt" dir="t"/>
-    </dgm:scene3d>
-    <dgm:sp3d/>
-    <dgm:txPr/>
-    <dgm:style>
-      <a:lnRef idx="2">
-        <a:scrgbClr r="0" g="0" b="0"/>
-      </a:lnRef>
-      <a:fillRef idx="1">
-        <a:scrgbClr r="0" g="0" b="0"/>
-      </a:fillRef>
-      <a:effectRef idx="0">
-        <a:scrgbClr r="0" g="0" b="0"/>
-      </a:effectRef>
-      <a:fontRef idx="minor">
-        <a:schemeClr val="lt1"/>
-      </a:fontRef>
-    </dgm:style>
-  </dgm:styleLbl>
-  <dgm:styleLbl name="asst3">
-    <dgm:scene3d>
-      <a:camera prst="orthographicFront"/>
-      <a:lightRig rig="threePt" dir="t"/>
-    </dgm:scene3d>
-    <dgm:sp3d/>
-    <dgm:txPr/>
-    <dgm:style>
-      <a:lnRef idx="2">
-        <a:scrgbClr r="0" g="0" b="0"/>
-      </a:lnRef>
-      <a:fillRef idx="1">
-        <a:scrgbClr r="0" g="0" b="0"/>
-      </a:fillRef>
-      <a:effectRef idx="0">
-        <a:scrgbClr r="0" g="0" b="0"/>
-      </a:effectRef>
-      <a:fontRef idx="minor">
-        <a:schemeClr val="lt1"/>
-      </a:fontRef>
-    </dgm:style>
-  </dgm:styleLbl>
-  <dgm:styleLbl name="asst4">
-    <dgm:scene3d>
-      <a:camera prst="orthographicFront"/>
-      <a:lightRig rig="threePt" dir="t"/>
-    </dgm:scene3d>
-    <dgm:sp3d/>
-    <dgm:txPr/>
-    <dgm:style>
-      <a:lnRef idx="2">
-        <a:scrgbClr r="0" g="0" b="0"/>
-      </a:lnRef>
-      <a:fillRef idx="1">
-        <a:scrgbClr r="0" g="0" b="0"/>
-      </a:fillRef>
-      <a:effectRef idx="0">
-        <a:scrgbClr r="0" g="0" b="0"/>
-      </a:effectRef>
-      <a:fontRef idx="minor">
-        <a:schemeClr val="lt1"/>
-      </a:fontRef>
-    </dgm:style>
-  </dgm:styleLbl>
-  <dgm:styleLbl name="parChTrans2D1">
-    <dgm:scene3d>
-      <a:camera prst="orthographicFront"/>
-      <a:lightRig rig="threePt" dir="t"/>
-    </dgm:scene3d>
-    <dgm:sp3d/>
-    <dgm:txPr/>
-    <dgm:style>
-      <a:lnRef idx="2">
-        <a:scrgbClr r="0" g="0" b="0"/>
-      </a:lnRef>
-      <a:fillRef idx="1">
-        <a:scrgbClr r="0" g="0" b="0"/>
-      </a:fillRef>
-      <a:effectRef idx="0">
-        <a:scrgbClr r="0" g="0" b="0"/>
-      </a:effectRef>
-      <a:fontRef idx="minor">
-        <a:schemeClr val="lt1"/>
-      </a:fontRef>
-    </dgm:style>
-  </dgm:styleLbl>
-  <dgm:styleLbl name="parChTrans2D2">
-    <dgm:scene3d>
-      <a:camera prst="orthographicFront"/>
-      <a:lightRig rig="threePt" dir="t"/>
-    </dgm:scene3d>
-    <dgm:sp3d/>
-    <dgm:txPr/>
-    <dgm:style>
-      <a:lnRef idx="2">
-        <a:scrgbClr r="0" g="0" b="0"/>
-      </a:lnRef>
-      <a:fillRef idx="1">
-        <a:scrgbClr r="0" g="0" b="0"/>
-      </a:fillRef>
-      <a:effectRef idx="0">
-        <a:scrgbClr r="0" g="0" b="0"/>
-      </a:effectRef>
-      <a:fontRef idx="minor">
-        <a:schemeClr val="lt1"/>
-      </a:fontRef>
-    </dgm:style>
-  </dgm:styleLbl>
-  <dgm:styleLbl name="parChTrans2D3">
-    <dgm:scene3d>
-      <a:camera prst="orthographicFront"/>
-      <a:lightRig rig="threePt" dir="t"/>
-    </dgm:scene3d>
-    <dgm:sp3d/>
-    <dgm:txPr/>
-    <dgm:style>
-      <a:lnRef idx="2">
-        <a:scrgbClr r="0" g="0" b="0"/>
-      </a:lnRef>
-      <a:fillRef idx="1">
-        <a:scrgbClr r="0" g="0" b="0"/>
-      </a:fillRef>
-      <a:effectRef idx="0">
-        <a:scrgbClr r="0" g="0" b="0"/>
-      </a:effectRef>
-      <a:fontRef idx="minor">
-        <a:schemeClr val="lt1"/>
-      </a:fontRef>
-    </dgm:style>
-  </dgm:styleLbl>
-  <dgm:styleLbl name="parChTrans2D4">
-    <dgm:scene3d>
-      <a:camera prst="orthographicFront"/>
-      <a:lightRig rig="threePt" dir="t"/>
-    </dgm:scene3d>
-    <dgm:sp3d/>
-    <dgm:txPr/>
-    <dgm:style>
-      <a:lnRef idx="2">
-        <a:scrgbClr r="0" g="0" b="0"/>
-      </a:lnRef>
-      <a:fillRef idx="1">
-        <a:scrgbClr r="0" g="0" b="0"/>
-      </a:fillRef>
-      <a:effectRef idx="0">
-        <a:scrgbClr r="0" g="0" b="0"/>
-      </a:effectRef>
-      <a:fontRef idx="minor">
-        <a:schemeClr val="lt1"/>
-      </a:fontRef>
-    </dgm:style>
-  </dgm:styleLbl>
-  <dgm:styleLbl name="parChTrans1D1">
-    <dgm:scene3d>
-      <a:camera prst="orthographicFront"/>
-      <a:lightRig rig="threePt" dir="t"/>
-    </dgm:scene3d>
-    <dgm:sp3d/>
-    <dgm:txPr/>
-    <dgm:style>
-      <a:lnRef idx="2">
-        <a:scrgbClr r="0" g="0" b="0"/>
-      </a:lnRef>
-      <a:fillRef idx="0">
-        <a:scrgbClr r="0" g="0" b="0"/>
-      </a:fillRef>
-      <a:effectRef idx="0">
-        <a:scrgbClr r="0" g="0" b="0"/>
-      </a:effectRef>
-      <a:fontRef idx="minor"/>
-    </dgm:style>
-  </dgm:styleLbl>
-  <dgm:styleLbl name="parChTrans1D2">
-    <dgm:scene3d>
-      <a:camera prst="orthographicFront"/>
-      <a:lightRig rig="threePt" dir="t"/>
-    </dgm:scene3d>
-    <dgm:sp3d/>
-    <dgm:txPr/>
-    <dgm:style>
-      <a:lnRef idx="2">
-        <a:scrgbClr r="0" g="0" b="0"/>
-      </a:lnRef>
-      <a:fillRef idx="0">
-        <a:scrgbClr r="0" g="0" b="0"/>
-      </a:fillRef>
-      <a:effectRef idx="0">
-        <a:scrgbClr r="0" g="0" b="0"/>
-      </a:effectRef>
-      <a:fontRef idx="minor"/>
-    </dgm:style>
-  </dgm:styleLbl>
-  <dgm:styleLbl name="parChTrans1D3">
-    <dgm:scene3d>
-      <a:camera prst="orthographicFront"/>
-      <a:lightRig rig="threePt" dir="t"/>
-    </dgm:scene3d>
-    <dgm:sp3d/>
-    <dgm:txPr/>
-    <dgm:style>
-      <a:lnRef idx="2">
-        <a:scrgbClr r="0" g="0" b="0"/>
-      </a:lnRef>
-      <a:fillRef idx="0">
-        <a:scrgbClr r="0" g="0" b="0"/>
-      </a:fillRef>
-      <a:effectRef idx="0">
-        <a:scrgbClr r="0" g="0" b="0"/>
-      </a:effectRef>
-      <a:fontRef idx="minor"/>
-    </dgm:style>
-  </dgm:styleLbl>
-  <dgm:styleLbl name="parChTrans1D4">
-    <dgm:scene3d>
-      <a:camera prst="orthographicFront"/>
-      <a:lightRig rig="threePt" dir="t"/>
-    </dgm:scene3d>
-    <dgm:sp3d/>
-    <dgm:txPr/>
-    <dgm:style>
-      <a:lnRef idx="2">
-        <a:scrgbClr r="0" g="0" b="0"/>
-      </a:lnRef>
-      <a:fillRef idx="0">
-        <a:scrgbClr r="0" g="0" b="0"/>
-      </a:fillRef>
-      <a:effectRef idx="0">
-        <a:scrgbClr r="0" g="0" b="0"/>
-      </a:effectRef>
-      <a:fontRef idx="minor"/>
-    </dgm:style>
-  </dgm:styleLbl>
-  <dgm:styleLbl name="fgAcc1">
-    <dgm:scene3d>
-      <a:camera prst="orthographicFront"/>
-      <a:lightRig rig="threePt" dir="t"/>
-    </dgm:scene3d>
-    <dgm:sp3d/>
-    <dgm:txPr/>
-    <dgm:style>
-      <a:lnRef idx="2">
-        <a:scrgbClr r="0" g="0" b="0"/>
-      </a:lnRef>
-      <a:fillRef idx="1">
-        <a:scrgbClr r="0" g="0" b="0"/>
-      </a:fillRef>
-      <a:effectRef idx="0">
-        <a:scrgbClr r="0" g="0" b="0"/>
-      </a:effectRef>
-      <a:fontRef idx="minor"/>
-    </dgm:style>
-  </dgm:styleLbl>
-  <dgm:styleLbl name="conFgAcc1">
-    <dgm:scene3d>
-      <a:camera prst="orthographicFront"/>
-      <a:lightRig rig="threePt" dir="t"/>
-    </dgm:scene3d>
-    <dgm:sp3d/>
-    <dgm:txPr/>
-    <dgm:style>
-      <a:lnRef idx="2">
-        <a:scrgbClr r="0" g="0" b="0"/>
-      </a:lnRef>
-      <a:fillRef idx="1">
-        <a:scrgbClr r="0" g="0" b="0"/>
-      </a:fillRef>
-      <a:effectRef idx="0">
-        <a:scrgbClr r="0" g="0" b="0"/>
-      </a:effectRef>
-      <a:fontRef idx="minor"/>
-    </dgm:style>
-  </dgm:styleLbl>
-  <dgm:styleLbl name="alignAcc1">
-    <dgm:scene3d>
-      <a:camera prst="orthographicFront"/>
-      <a:lightRig rig="threePt" dir="t"/>
-    </dgm:scene3d>
-    <dgm:sp3d/>
-    <dgm:txPr/>
-    <dgm:style>
-      <a:lnRef idx="2">
-        <a:scrgbClr r="0" g="0" b="0"/>
-      </a:lnRef>
-      <a:fillRef idx="1">
-        <a:scrgbClr r="0" g="0" b="0"/>
-      </a:fillRef>
-      <a:effectRef idx="0">
-        <a:scrgbClr r="0" g="0" b="0"/>
-      </a:effectRef>
-      <a:fontRef idx="minor"/>
-    </dgm:style>
-  </dgm:styleLbl>
-  <dgm:styleLbl name="trAlignAcc1">
-    <dgm:scene3d>
-      <a:camera prst="orthographicFront"/>
-      <a:lightRig rig="threePt" dir="t"/>
-    </dgm:scene3d>
-    <dgm:sp3d/>
-    <dgm:txPr/>
-    <dgm:style>
-      <a:lnRef idx="1">
-        <a:scrgbClr r="0" g="0" b="0"/>
-      </a:lnRef>
-      <a:fillRef idx="1">
-        <a:scrgbClr r="0" g="0" b="0"/>
-      </a:fillRef>
-      <a:effectRef idx="0">
-        <a:scrgbClr r="0" g="0" b="0"/>
-      </a:effectRef>
-      <a:fontRef idx="minor"/>
-    </dgm:style>
-  </dgm:styleLbl>
-  <dgm:styleLbl name="bgAcc1">
-    <dgm:scene3d>
-      <a:camera prst="orthographicFront"/>
-      <a:lightRig rig="threePt" dir="t"/>
-    </dgm:scene3d>
-    <dgm:sp3d/>
-    <dgm:txPr/>
-    <dgm:style>
-      <a:lnRef idx="2">
-        <a:scrgbClr r="0" g="0" b="0"/>
-      </a:lnRef>
-      <a:fillRef idx="1">
-        <a:scrgbClr r="0" g="0" b="0"/>
-      </a:fillRef>
-      <a:effectRef idx="0">
-        <a:scrgbClr r="0" g="0" b="0"/>
-      </a:effectRef>
-      <a:fontRef idx="minor"/>
-    </dgm:style>
-  </dgm:styleLbl>
-  <dgm:styleLbl name="solidFgAcc1">
-    <dgm:scene3d>
-      <a:camera prst="orthographicFront"/>
-      <a:lightRig rig="threePt" dir="t"/>
-    </dgm:scene3d>
-    <dgm:sp3d/>
-    <dgm:txPr/>
-    <dgm:style>
-      <a:lnRef idx="2">
-        <a:scrgbClr r="0" g="0" b="0"/>
-      </a:lnRef>
-      <a:fillRef idx="1">
-        <a:scrgbClr r="0" g="0" b="0"/>
-      </a:fillRef>
-      <a:effectRef idx="0">
-        <a:scrgbClr r="0" g="0" b="0"/>
-      </a:effectRef>
-      <a:fontRef idx="minor"/>
-    </dgm:style>
-  </dgm:styleLbl>
-  <dgm:styleLbl name="solidAlignAcc1">
-    <dgm:scene3d>
-      <a:camera prst="orthographicFront"/>
-      <a:lightRig rig="threePt" dir="t"/>
-    </dgm:scene3d>
-    <dgm:sp3d/>
-    <dgm:txPr/>
-    <dgm:style>
-      <a:lnRef idx="2">
-        <a:scrgbClr r="0" g="0" b="0"/>
-      </a:lnRef>
-      <a:fillRef idx="1">
-        <a:scrgbClr r="0" g="0" b="0"/>
-      </a:fillRef>
-      <a:effectRef idx="0">
-        <a:scrgbClr r="0" g="0" b="0"/>
-      </a:effectRef>
-      <a:fontRef idx="minor"/>
-    </dgm:style>
-  </dgm:styleLbl>
-  <dgm:styleLbl name="solidBgAcc1">
-    <dgm:scene3d>
-      <a:camera prst="orthographicFront"/>
-      <a:lightRig rig="threePt" dir="t"/>
-    </dgm:scene3d>
-    <dgm:sp3d/>
-    <dgm:txPr/>
-    <dgm:style>
-      <a:lnRef idx="2">
-        <a:scrgbClr r="0" g="0" b="0"/>
-      </a:lnRef>
-      <a:fillRef idx="1">
-        <a:scrgbClr r="0" g="0" b="0"/>
-      </a:fillRef>
-      <a:effectRef idx="0">
-        <a:scrgbClr r="0" g="0" b="0"/>
-      </a:effectRef>
-      <a:fontRef idx="minor"/>
-    </dgm:style>
-  </dgm:styleLbl>
-  <dgm:styleLbl name="fgAccFollowNode1">
-    <dgm:scene3d>
-      <a:camera prst="orthographicFront"/>
-      <a:lightRig rig="threePt" dir="t"/>
-    </dgm:scene3d>
-    <dgm:sp3d/>
-    <dgm:txPr/>
-    <dgm:style>
-      <a:lnRef idx="2">
-        <a:scrgbClr r="0" g="0" b="0"/>
-      </a:lnRef>
-      <a:fillRef idx="1">
-        <a:scrgbClr r="0" g="0" b="0"/>
-      </a:fillRef>
-      <a:effectRef idx="0">
-        <a:scrgbClr r="0" g="0" b="0"/>
-      </a:effectRef>
-      <a:fontRef idx="minor"/>
-    </dgm:style>
-  </dgm:styleLbl>
-  <dgm:styleLbl name="alignAccFollowNode1">
-    <dgm:scene3d>
-      <a:camera prst="orthographicFront"/>
-      <a:lightRig rig="threePt" dir="t"/>
-    </dgm:scene3d>
-    <dgm:sp3d/>
-    <dgm:txPr/>
-    <dgm:style>
-      <a:lnRef idx="2">
-        <a:scrgbClr r="0" g="0" b="0"/>
-      </a:lnRef>
-      <a:fillRef idx="1">
-        <a:scrgbClr r="0" g="0" b="0"/>
-      </a:fillRef>
-      <a:effectRef idx="0">
-        <a:scrgbClr r="0" g="0" b="0"/>
-      </a:effectRef>
-      <a:fontRef idx="minor"/>
-    </dgm:style>
-  </dgm:styleLbl>
-  <dgm:styleLbl name="bgAccFollowNode1">
-    <dgm:scene3d>
-      <a:camera prst="orthographicFront"/>
-      <a:lightRig rig="threePt" dir="t"/>
-    </dgm:scene3d>
-    <dgm:sp3d/>
-    <dgm:txPr/>
-    <dgm:style>
-      <a:lnRef idx="2">
-        <a:scrgbClr r="0" g="0" b="0"/>
-      </a:lnRef>
-      <a:fillRef idx="1">
-        <a:scrgbClr r="0" g="0" b="0"/>
-      </a:fillRef>
-      <a:effectRef idx="0">
-        <a:scrgbClr r="0" g="0" b="0"/>
-      </a:effectRef>
-      <a:fontRef idx="minor"/>
-    </dgm:style>
-  </dgm:styleLbl>
-  <dgm:styleLbl name="fgAcc0">
-    <dgm:scene3d>
-      <a:camera prst="orthographicFront"/>
-      <a:lightRig rig="threePt" dir="t"/>
-    </dgm:scene3d>
-    <dgm:sp3d/>
-    <dgm:txPr/>
-    <dgm:style>
-      <a:lnRef idx="2">
-        <a:scrgbClr r="0" g="0" b="0"/>
-      </a:lnRef>
-      <a:fillRef idx="1">
-        <a:scrgbClr r="0" g="0" b="0"/>
-      </a:fillRef>
-      <a:effectRef idx="0">
-        <a:scrgbClr r="0" g="0" b="0"/>
-      </a:effectRef>
-      <a:fontRef idx="minor"/>
-    </dgm:style>
-  </dgm:styleLbl>
-  <dgm:styleLbl name="fgAcc2">
-    <dgm:scene3d>
-      <a:camera prst="orthographicFront"/>
-      <a:lightRig rig="threePt" dir="t"/>
-    </dgm:scene3d>
-    <dgm:sp3d/>
-    <dgm:txPr/>
-    <dgm:style>
-      <a:lnRef idx="2">
-        <a:scrgbClr r="0" g="0" b="0"/>
-      </a:lnRef>
-      <a:fillRef idx="1">
-        <a:scrgbClr r="0" g="0" b="0"/>
-      </a:fillRef>
-      <a:effectRef idx="0">
-        <a:scrgbClr r="0" g="0" b="0"/>
-      </a:effectRef>
-      <a:fontRef idx="minor"/>
-    </dgm:style>
-  </dgm:styleLbl>
-  <dgm:styleLbl name="fgAcc3">
-    <dgm:scene3d>
-      <a:camera prst="orthographicFront"/>
-      <a:lightRig rig="threePt" dir="t"/>
-    </dgm:scene3d>
-    <dgm:sp3d/>
-    <dgm:txPr/>
-    <dgm:style>
-      <a:lnRef idx="2">
-        <a:scrgbClr r="0" g="0" b="0"/>
-      </a:lnRef>
-      <a:fillRef idx="1">
-        <a:scrgbClr r="0" g="0" b="0"/>
-      </a:fillRef>
-      <a:effectRef idx="0">
-        <a:scrgbClr r="0" g="0" b="0"/>
-      </a:effectRef>
-      <a:fontRef idx="minor"/>
-    </dgm:style>
-  </dgm:styleLbl>
-  <dgm:styleLbl name="fgAcc4">
-    <dgm:scene3d>
-      <a:camera prst="orthographicFront"/>
-      <a:lightRig rig="threePt" dir="t"/>
-    </dgm:scene3d>
-    <dgm:sp3d/>
-    <dgm:txPr/>
-    <dgm:style>
-      <a:lnRef idx="2">
-        <a:scrgbClr r="0" g="0" b="0"/>
-      </a:lnRef>
-      <a:fillRef idx="1">
-        <a:scrgbClr r="0" g="0" b="0"/>
-      </a:fillRef>
-      <a:effectRef idx="0">
-        <a:scrgbClr r="0" g="0" b="0"/>
-      </a:effectRef>
-      <a:fontRef idx="minor"/>
-    </dgm:style>
-  </dgm:styleLbl>
-  <dgm:styleLbl name="bgShp">
-    <dgm:scene3d>
-      <a:camera prst="orthographicFront"/>
-      <a:lightRig rig="threePt" dir="t"/>
-    </dgm:scene3d>
-    <dgm:sp3d/>
-    <dgm:txPr/>
-    <dgm:style>
-      <a:lnRef idx="0">
-        <a:scrgbClr r="0" g="0" b="0"/>
-      </a:lnRef>
-      <a:fillRef idx="1">
-        <a:scrgbClr r="0" g="0" b="0"/>
-      </a:fillRef>
-      <a:effectRef idx="0">
-        <a:scrgbClr r="0" g="0" b="0"/>
-      </a:effectRef>
-      <a:fontRef idx="minor"/>
-    </dgm:style>
-  </dgm:styleLbl>
-  <dgm:styleLbl name="dkBgShp">
-    <dgm:scene3d>
-      <a:camera prst="orthographicFront"/>
-      <a:lightRig rig="threePt" dir="t"/>
-    </dgm:scene3d>
-    <dgm:sp3d/>
-    <dgm:txPr/>
-    <dgm:style>
-      <a:lnRef idx="0">
-        <a:scrgbClr r="0" g="0" b="0"/>
-      </a:lnRef>
-      <a:fillRef idx="1">
-        <a:scrgbClr r="0" g="0" b="0"/>
-      </a:fillRef>
-      <a:effectRef idx="0">
-        <a:scrgbClr r="0" g="0" b="0"/>
-      </a:effectRef>
-      <a:fontRef idx="minor"/>
-    </dgm:style>
-  </dgm:styleLbl>
-  <dgm:styleLbl name="trBgShp">
-    <dgm:scene3d>
-      <a:camera prst="orthographicFront"/>
-      <a:lightRig rig="threePt" dir="t"/>
-    </dgm:scene3d>
-    <dgm:sp3d/>
-    <dgm:txPr/>
-    <dgm:style>
-      <a:lnRef idx="0">
-        <a:scrgbClr r="0" g="0" b="0"/>
-      </a:lnRef>
-      <a:fillRef idx="1">
-        <a:scrgbClr r="0" g="0" b="0"/>
-      </a:fillRef>
-      <a:effectRef idx="0">
-        <a:scrgbClr r="0" g="0" b="0"/>
-      </a:effectRef>
-      <a:fontRef idx="minor"/>
-    </dgm:style>
-  </dgm:styleLbl>
-  <dgm:styleLbl name="fgShp">
-    <dgm:scene3d>
-      <a:camera prst="orthographicFront"/>
-      <a:lightRig rig="threePt" dir="t"/>
-    </dgm:scene3d>
-    <dgm:sp3d/>
-    <dgm:txPr/>
-    <dgm:style>
-      <a:lnRef idx="2">
-        <a:scrgbClr r="0" g="0" b="0"/>
-      </a:lnRef>
-      <a:fillRef idx="1">
-        <a:scrgbClr r="0" g="0" b="0"/>
-      </a:fillRef>
-      <a:effectRef idx="0">
-        <a:scrgbClr r="0" g="0" b="0"/>
-      </a:effectRef>
-      <a:fontRef idx="minor"/>
-    </dgm:style>
-  </dgm:styleLbl>
-  <dgm:styleLbl name="revTx">
-    <dgm:scene3d>
-      <a:camera prst="orthographicFront"/>
-      <a:lightRig rig="threePt" dir="t"/>
-    </dgm:scene3d>
-    <dgm:sp3d/>
-    <dgm:txPr/>
-    <dgm:style>
-      <a:lnRef idx="0">
-        <a:scrgbClr r="0" g="0" b="0"/>
-      </a:lnRef>
-      <a:fillRef idx="0">
-        <a:scrgbClr r="0" g="0" b="0"/>
-      </a:fillRef>
-      <a:effectRef idx="0">
-        <a:scrgbClr r="0" g="0" b="0"/>
-      </a:effectRef>
-      <a:fontRef idx="minor"/>
-    </dgm:style>
-  </dgm:styleLbl>
-</dgm:styleDef>
-</file>
-
-<file path=ppt/diagrams/quickStyle3.xml><?xml version="1.0" encoding="utf-8"?>
 <dgm:styleDef xmlns:dgm="http://schemas.openxmlformats.org/drawingml/2006/diagram" xmlns:a="http://schemas.openxmlformats.org/drawingml/2006/main" uniqueId="urn:microsoft.com/office/officeart/2005/8/quickstyle/simple1">
   <dgm:title val=""/>
   <dgm:desc val=""/>
@@ -9050,7 +6059,7 @@
           <a:p>
             <a:fld id="{F8715DDE-C843-4C67-8DA2-757E94DE963F}" type="datetimeFigureOut">
               <a:rPr lang="en-CA" smtClean="0"/>
-              <a:t>2024-10-29</a:t>
+              <a:t>2024-11-06</a:t>
             </a:fld>
             <a:endParaRPr lang="en-CA"/>
           </a:p>
@@ -9364,7 +6373,7 @@
           <a:p>
             <a:r>
               <a:rPr lang="en-US" sz="4000" b="1" dirty="0"/>
-              <a:t>Good day, everyone. For those of you that don’t know me, which is most of you, name is Curtis Crawford, and I’m here from Lighthouse Labs, where I’m wrapping up my studies in cybersecurity with the goal of graduating soon and launching my career in this field. </a:t>
+              <a:t>Good day, everyone. For those of you that don’t know me, which is most of you, my name is Curtis Crawford, and I’m here from Lighthouse Labs where I’m wrapping up my studies in cybersecurity with the goal of graduating *fingers crossed*, and launching my career in this field. </a:t>
             </a:r>
             <a:br>
               <a:rPr lang="en-US" sz="4000" b="1" dirty="0"/>
@@ -9389,13 +6398,6 @@
             <a:br>
               <a:rPr lang="en-US" sz="4000" b="1" dirty="0"/>
             </a:br>
-            <a:br>
-              <a:rPr lang="en-US" sz="4000" b="1" dirty="0"/>
-            </a:br>
-            <a:r>
-              <a:rPr lang="en-US" sz="4000" b="1" dirty="0"/>
-              <a:t>Let’s dive into how it works and why it’s so important.</a:t>
-            </a:r>
             <a:endParaRPr lang="en-CA" sz="4000" b="1" dirty="0"/>
           </a:p>
         </p:txBody>
@@ -9480,40 +6482,50 @@
           <a:bodyPr/>
           <a:lstStyle/>
           <a:p>
+            <a:pPr marL="0" marR="0" lvl="0" indent="0" algn="l" defTabSz="914400" rtl="0" eaLnBrk="1" fontAlgn="auto" latinLnBrk="0" hangingPunct="1">
+              <a:lnSpc>
+                <a:spcPct val="100000"/>
+              </a:lnSpc>
+              <a:spcBef>
+                <a:spcPts val="0"/>
+              </a:spcBef>
+              <a:spcAft>
+                <a:spcPts val="0"/>
+              </a:spcAft>
+              <a:buClrTx/>
+              <a:buSzTx/>
+              <a:buFontTx/>
+              <a:buNone/>
+              <a:tabLst/>
+              <a:defRPr/>
+            </a:pPr>
             <a:r>
-              <a:rPr lang="en-US" dirty="0"/>
-              <a:t>Imagine this scenario: a company hires a new junior employee in the IT department. On their first day, they’re given unrestricted access to the entire network to help them 'get familiar' with the system. </a:t>
+              <a:rPr lang="en-US" sz="1200" dirty="0"/>
+              <a:t>During the Premium House Lights incident, unauthorized access allowed an attacker to compromise customer payment and personal data. </a:t>
             </a:r>
             <a:br>
-              <a:rPr lang="en-US" dirty="0"/>
+              <a:rPr lang="en-US" sz="1200" dirty="0"/>
             </a:br>
             <a:br>
-              <a:rPr lang="en-US" dirty="0"/>
+              <a:rPr lang="en-US" sz="1200" dirty="0"/>
             </a:br>
             <a:r>
-              <a:rPr lang="en-US" dirty="0"/>
-              <a:t>While exploring, they accidentally misconfigure settings on a shared drive. This small, innocent mistake causes disruptions in the system, including the building's control panel, which, unknown to them, is also tied to the company’s elevator access. </a:t>
+              <a:rPr lang="en-US" sz="1200" dirty="0"/>
+              <a:t>By implementing the Least Privilege Principle, access would have been restricted only to essential personnel, which would have significantly reduced the attacker’s reach and limited the exposure of sensitive information. </a:t>
             </a:r>
             <a:br>
-              <a:rPr lang="en-US" dirty="0"/>
+              <a:rPr lang="en-US" sz="1200" dirty="0"/>
             </a:br>
             <a:br>
-              <a:rPr lang="en-US" dirty="0"/>
+              <a:rPr lang="en-US" sz="1200" dirty="0"/>
             </a:br>
             <a:r>
-              <a:rPr lang="en-US" dirty="0"/>
-              <a:t>By the end of the day, employees were locked in an elevator for two hours! A single point of access oversight led to unnecessary inconvenience and cost – all because one person had too much access. </a:t>
+              <a:rPr lang="en-US" sz="1200" dirty="0"/>
+              <a:t>The Principle of Least Privilege minimizes potential damage in case of a breach by ensuring each user has only the access necessary for their role.</a:t>
             </a:r>
             <a:br>
-              <a:rPr lang="en-US" dirty="0"/>
+              <a:rPr lang="en-US" sz="1200" dirty="0"/>
             </a:br>
-            <a:br>
-              <a:rPr lang="en-US" dirty="0"/>
-            </a:br>
-            <a:r>
-              <a:rPr lang="en-US" dirty="0"/>
-              <a:t>This is just a quick example of why implementing the principle of least privilege is crucial.</a:t>
-            </a:r>
             <a:endParaRPr lang="en-CA" dirty="0"/>
           </a:p>
         </p:txBody>
@@ -9544,7 +6556,7 @@
     </p:spTree>
     <p:extLst>
       <p:ext uri="{BB962C8B-B14F-4D97-AF65-F5344CB8AC3E}">
-        <p14:creationId xmlns:p14="http://schemas.microsoft.com/office/powerpoint/2010/main" val="3923437088"/>
+        <p14:creationId xmlns:p14="http://schemas.microsoft.com/office/powerpoint/2010/main" val="2380061996"/>
       </p:ext>
     </p:extLst>
   </p:cSld>
@@ -9600,14 +6612,7 @@
           <a:p>
             <a:r>
               <a:rPr lang="en-US" dirty="0"/>
-              <a:t>So what is the least privilege principle? </a:t>
-            </a:r>
-            <a:br>
-              <a:rPr lang="en-US" dirty="0"/>
-            </a:br>
-            <a:r>
-              <a:rPr lang="en-US" dirty="0"/>
-              <a:t>Well, the privilege of least principle is granting only the minimum access necessary for users to perform their job functions.</a:t>
+              <a:t>As everyone here comes from all different walks of life, how about an example we all can understand, let’s imagine this scenario: </a:t>
             </a:r>
             <a:br>
               <a:rPr lang="en-US" dirty="0"/>
@@ -9617,7 +6622,7 @@
             </a:br>
             <a:r>
               <a:rPr lang="en-US" dirty="0"/>
-              <a:t>And the goal is to limit the exposure of users to sensitive systems and data which will reduce potential points of compromise.</a:t>
+              <a:t>a company hires a new junior employee in the IT department. On their first day, they’re given unrestricted access to the entire network to help them 'get familiar' with the system. </a:t>
             </a:r>
             <a:br>
               <a:rPr lang="en-US" dirty="0"/>
@@ -9627,8 +6632,47 @@
             </a:br>
             <a:r>
               <a:rPr lang="en-US" dirty="0"/>
-              <a:t>The least privilege principle is a core security concept that ensures employees have just enough access to perform their duties. This minimizes the risk of accidental or intentional data breaches, keeping systems and data secure.</a:t>
+              <a:t>While exploring, they accidentally misconfigure settings on a shared drive. This small, innocent mistake causes disruptions in the system, including the building's control panel, which, </a:t>
             </a:r>
+            <a:r>
+              <a:rPr lang="en-CA" b="0" i="0" dirty="0">
+                <a:solidFill>
+                  <a:srgbClr val="EEF0FF"/>
+                </a:solidFill>
+                <a:effectLst/>
+                <a:latin typeface="Google Sans"/>
+              </a:rPr>
+              <a:t>unbeknownst</a:t>
+            </a:r>
+            <a:r>
+              <a:rPr lang="en-US" dirty="0"/>
+              <a:t> to them, is also tied to the company’s elevator access. </a:t>
+            </a:r>
+            <a:br>
+              <a:rPr lang="en-US" dirty="0"/>
+            </a:br>
+            <a:br>
+              <a:rPr lang="en-US" dirty="0"/>
+            </a:br>
+            <a:r>
+              <a:rPr lang="en-US" dirty="0"/>
+              <a:t>By the end of the day, employees were locked in an elevator for two hours! A single point of access oversight led to unnecessary inconvenience and cost – all because one person had too much access. </a:t>
+            </a:r>
+            <a:br>
+              <a:rPr lang="en-US" dirty="0"/>
+            </a:br>
+            <a:br>
+              <a:rPr lang="en-US" dirty="0"/>
+            </a:br>
+            <a:r>
+              <a:rPr lang="en-US" dirty="0"/>
+              <a:t>This is just a quick example of why implementing the principle of least privilege is crucial.</a:t>
+            </a:r>
+          </a:p>
+          <a:p>
+            <a:endParaRPr lang="en-US" dirty="0"/>
+          </a:p>
+          <a:p>
             <a:endParaRPr lang="en-CA" dirty="0"/>
           </a:p>
         </p:txBody>
@@ -9659,7 +6703,7 @@
     </p:spTree>
     <p:extLst>
       <p:ext uri="{BB962C8B-B14F-4D97-AF65-F5344CB8AC3E}">
-        <p14:creationId xmlns:p14="http://schemas.microsoft.com/office/powerpoint/2010/main" val="1429899600"/>
+        <p14:creationId xmlns:p14="http://schemas.microsoft.com/office/powerpoint/2010/main" val="3923437088"/>
       </p:ext>
     </p:extLst>
   </p:cSld>
@@ -9715,47 +6759,35 @@
           <a:p>
             <a:r>
               <a:rPr lang="en-US" dirty="0"/>
-              <a:t>I’m sure after our quick story at the beginning of this presentation, you might have an idea as to why the principle of least privilege is important, but let’s look at some of the key concepts. </a:t>
-            </a:r>
-            <a:br>
-              <a:rPr lang="en-US" dirty="0"/>
-            </a:br>
-            <a:endParaRPr lang="en-US" dirty="0"/>
-          </a:p>
-          <a:p>
-            <a:r>
-              <a:rPr lang="en-US" dirty="0"/>
-              <a:t>Some of the benefits of the principle least privilege is that it:</a:t>
+              <a:t>So what is the least privilege principle? </a:t>
             </a:r>
             <a:br>
               <a:rPr lang="en-US" dirty="0"/>
             </a:br>
             <a:r>
               <a:rPr lang="en-US" dirty="0"/>
-              <a:t>Prevents unauthorized access.</a:t>
+              <a:t>Well, the privilege of least principle is granting only the minimum access necessary for users to perform their job functions.</a:t>
             </a:r>
-          </a:p>
-          <a:p>
-            <a:r>
+            <a:br>
               <a:rPr lang="en-US" dirty="0"/>
-              <a:t>It reduces potential damage from insider threats. </a:t>
-            </a:r>
-          </a:p>
-          <a:p>
-            <a:r>
-              <a:rPr lang="en-US" dirty="0"/>
-              <a:t>&amp; it limits the scope of attack vectors.</a:t>
-            </a:r>
-          </a:p>
-          <a:p>
+            </a:br>
             <a:br>
               <a:rPr lang="en-US" dirty="0"/>
             </a:br>
             <a:r>
               <a:rPr lang="en-US" dirty="0"/>
-              <a:t>By implementing least privilege, we reduce the 'blast radius' in case of a mistake or attack. The more privileges someone has, the greater the potential impact if their credentials are compromised or if they make an error.</a:t>
+              <a:t>And the goal is to limit the exposure of users to sensitive systems and data which will reduce potential points of compromise.</a:t>
             </a:r>
-            <a:endParaRPr lang="en-CA" dirty="0"/>
+            <a:br>
+              <a:rPr lang="en-US" dirty="0"/>
+            </a:br>
+            <a:br>
+              <a:rPr lang="en-US" dirty="0"/>
+            </a:br>
+            <a:r>
+              <a:rPr lang="en-US" dirty="0"/>
+              <a:t>The least privilege principle is a core security concept that ensures employees have just enough access to perform their duties. This minimizes the risk of accidental or intentional data breaches, keeping systems and data secure.</a:t>
+            </a:r>
           </a:p>
         </p:txBody>
       </p:sp>
@@ -9785,7 +6817,7 @@
     </p:spTree>
     <p:extLst>
       <p:ext uri="{BB962C8B-B14F-4D97-AF65-F5344CB8AC3E}">
-        <p14:creationId xmlns:p14="http://schemas.microsoft.com/office/powerpoint/2010/main" val="2807882502"/>
+        <p14:creationId xmlns:p14="http://schemas.microsoft.com/office/powerpoint/2010/main" val="1429899600"/>
       </p:ext>
     </p:extLst>
   </p:cSld>
@@ -9841,45 +6873,45 @@
           <a:p>
             <a:r>
               <a:rPr lang="en-US" dirty="0"/>
-              <a:t>Implementing least privilege requires structured access control, regular audits, and creating granular permissions. </a:t>
+              <a:t>I’m sure after our quick story at the beginning of this presentation, you might have an idea as to why the principle of least privilege is important, but let’s look at some of the key concepts. </a:t>
             </a:r>
             <a:br>
               <a:rPr lang="en-US" dirty="0"/>
             </a:br>
+            <a:endParaRPr lang="en-US" dirty="0"/>
+          </a:p>
+          <a:p>
+            <a:r>
+              <a:rPr lang="en-US" dirty="0"/>
+              <a:t>Some of the benefits of the principle of least privilege is that it:</a:t>
+            </a:r>
             <a:br>
               <a:rPr lang="en-US" dirty="0"/>
             </a:br>
             <a:r>
               <a:rPr lang="en-US" dirty="0"/>
-              <a:t>With access controls we can use a role based methodology to assign permissions based on job roles.</a:t>
+              <a:t>Prevents unauthorized access.</a:t>
             </a:r>
-          </a:p>
-          <a:p>
-            <a:endParaRPr lang="en-US" dirty="0"/>
           </a:p>
           <a:p>
             <a:r>
               <a:rPr lang="en-US" dirty="0"/>
-              <a:t>Regular audits allow us to review access to continuously ensure compliance.</a:t>
+              <a:t>It reduces potential damage from insider threats. </a:t>
             </a:r>
-          </a:p>
-          <a:p>
-            <a:endParaRPr lang="en-US" dirty="0"/>
           </a:p>
           <a:p>
             <a:r>
               <a:rPr lang="en-US" dirty="0"/>
-              <a:t>&amp; granular permissions are how we break down permissions to ensure users only access what’s necessary.</a:t>
+              <a:t>&amp; it limits the scope of attack vectors.</a:t>
             </a:r>
-            <a:br>
-              <a:rPr lang="en-US" dirty="0"/>
-            </a:br>
+          </a:p>
+          <a:p>
             <a:br>
               <a:rPr lang="en-US" dirty="0"/>
             </a:br>
             <a:r>
               <a:rPr lang="en-US" dirty="0"/>
-              <a:t>These methods can help to prevent what’s known as ‘privilege creep,’ where employees gradually accumulate more access than necessary over time.</a:t>
+              <a:t>By implementing least privilege, we reduce the 'blast radius' in case of a mistake or attack. The more privileges someone has, the greater the potential impact if their credentials are compromised or if they make an error.</a:t>
             </a:r>
             <a:endParaRPr lang="en-CA" dirty="0"/>
           </a:p>
@@ -9911,7 +6943,7 @@
     </p:spTree>
     <p:extLst>
       <p:ext uri="{BB962C8B-B14F-4D97-AF65-F5344CB8AC3E}">
-        <p14:creationId xmlns:p14="http://schemas.microsoft.com/office/powerpoint/2010/main" val="2799834350"/>
+        <p14:creationId xmlns:p14="http://schemas.microsoft.com/office/powerpoint/2010/main" val="2807882502"/>
       </p:ext>
     </p:extLst>
   </p:cSld>
@@ -9965,131 +6997,48 @@
           <a:bodyPr/>
           <a:lstStyle/>
           <a:p>
-            <a:pPr algn="l"/>
             <a:r>
-              <a:rPr lang="en-US" b="0" i="0" u="none" strike="noStrike" dirty="0">
-                <a:solidFill>
-                  <a:srgbClr val="54565A"/>
-                </a:solidFill>
-                <a:effectLst/>
-                <a:latin typeface="Manrope"/>
-              </a:rPr>
-              <a:t>“According to the Principle of Least Privilege, vendors should never have broad admin rights on your network. This is especially true if you don't manage the devices vendors use to access your network.</a:t>
+              <a:rPr lang="en-US" dirty="0"/>
+              <a:t>Implementing least privilege requires structured access control, regular audits, and creating granular permissions. </a:t>
             </a:r>
-          </a:p>
-          <a:p>
-            <a:pPr algn="l"/>
             <a:br>
-              <a:rPr lang="en-US" b="0" i="0" u="none" strike="noStrike" dirty="0">
-                <a:solidFill>
-                  <a:srgbClr val="54565A"/>
-                </a:solidFill>
-                <a:effectLst/>
-                <a:latin typeface="Manrope"/>
-              </a:rPr>
+              <a:rPr lang="en-US" dirty="0"/>
+            </a:br>
+            <a:br>
+              <a:rPr lang="en-US" dirty="0"/>
             </a:br>
             <a:r>
-              <a:rPr lang="en-US" b="0" i="0" u="none" strike="noStrike" dirty="0">
-                <a:solidFill>
-                  <a:srgbClr val="54565A"/>
-                </a:solidFill>
-                <a:effectLst/>
-                <a:latin typeface="Manrope"/>
-              </a:rPr>
-              <a:t>As a starting point, third-party vendor credentials should always be limited in terms of time and scope. Rather than providing blanket privileges, have vendors log in using a standard vendor account and provide a mechanism to elevate their privileges for specific use cases or applications only, and for a limited time. Any elevation to privileged access should be just-enough (JEP) and just-in-time (JIT).</a:t>
+              <a:rPr lang="en-US" dirty="0"/>
+              <a:t>With access controls we can use a role-based methodology to assign permissions based on job roles.</a:t>
             </a:r>
           </a:p>
           <a:p>
-            <a:pPr algn="l"/>
+            <a:endParaRPr lang="en-US" dirty="0"/>
+          </a:p>
+          <a:p>
+            <a:r>
+              <a:rPr lang="en-US" dirty="0"/>
+              <a:t>Regular audits allow us to review access to continuously ensure compliance.</a:t>
+            </a:r>
+          </a:p>
+          <a:p>
+            <a:endParaRPr lang="en-US" dirty="0"/>
+          </a:p>
+          <a:p>
+            <a:r>
+              <a:rPr lang="en-US" dirty="0"/>
+              <a:t>&amp; granular permissions are how we break down permissions to ensure users only access what’s necessary.</a:t>
+            </a:r>
             <a:br>
-              <a:rPr lang="en-US" b="0" i="0" u="none" strike="noStrike" dirty="0">
-                <a:solidFill>
-                  <a:srgbClr val="54565A"/>
-                </a:solidFill>
-                <a:effectLst/>
-                <a:latin typeface="Manrope"/>
-              </a:rPr>
+              <a:rPr lang="en-US" dirty="0"/>
+            </a:br>
+            <a:br>
+              <a:rPr lang="en-US" dirty="0"/>
             </a:br>
             <a:r>
-              <a:rPr lang="en-US" b="0" i="0" u="none" strike="noStrike" dirty="0">
-                <a:solidFill>
-                  <a:srgbClr val="54565A"/>
-                </a:solidFill>
-                <a:effectLst/>
-                <a:latin typeface="Manrope"/>
-              </a:rPr>
-              <a:t>Any user accessing your network using vendor credentials should be subjected to an “always verify and always monitor” policy. “Always verifying” means that each time a vendor attempts to access a resource on your network, they are forced to authenticate using Multi-Factor Authentication (MFA). That also goes for subsequent access to other resources or privilege elevation.</a:t>
+              <a:rPr lang="en-US" dirty="0"/>
+              <a:t>These methods can help to prevent what’s known as ‘privilege creep,’ where employees gradually accumulate more access than necessary over time.</a:t>
             </a:r>
-          </a:p>
-          <a:p>
-            <a:pPr algn="l"/>
-            <a:br>
-              <a:rPr lang="en-US" b="0" i="0" u="none" strike="noStrike" dirty="0">
-                <a:solidFill>
-                  <a:srgbClr val="54565A"/>
-                </a:solidFill>
-                <a:effectLst/>
-                <a:latin typeface="Manrope"/>
-              </a:rPr>
-            </a:br>
-            <a:r>
-              <a:rPr lang="en-US" b="0" i="0" u="none" strike="noStrike" dirty="0">
-                <a:solidFill>
-                  <a:srgbClr val="54565A"/>
-                </a:solidFill>
-                <a:effectLst/>
-                <a:latin typeface="Manrope"/>
-              </a:rPr>
-              <a:t>An “always monitor” policy ensures that all actions a vendor takes are recorded by default, and available for later audit or review.”</a:t>
-            </a:r>
-            <a:br>
-              <a:rPr lang="en-US" b="0" i="0" u="none" strike="noStrike" dirty="0">
-                <a:solidFill>
-                  <a:srgbClr val="54565A"/>
-                </a:solidFill>
-                <a:effectLst/>
-                <a:latin typeface="Manrope"/>
-              </a:rPr>
-            </a:br>
-            <a:br>
-              <a:rPr lang="en-US" b="0" i="0" u="none" strike="noStrike" dirty="0">
-                <a:solidFill>
-                  <a:srgbClr val="54565A"/>
-                </a:solidFill>
-                <a:effectLst/>
-                <a:latin typeface="Manrope"/>
-              </a:rPr>
-            </a:br>
-            <a:br>
-              <a:rPr lang="en-US" b="0" i="0" u="none" strike="noStrike" dirty="0">
-                <a:solidFill>
-                  <a:srgbClr val="54565A"/>
-                </a:solidFill>
-                <a:effectLst/>
-                <a:latin typeface="Manrope"/>
-              </a:rPr>
-            </a:br>
-            <a:br>
-              <a:rPr lang="en-US" b="0" i="0" u="none" strike="noStrike" dirty="0">
-                <a:solidFill>
-                  <a:srgbClr val="54565A"/>
-                </a:solidFill>
-                <a:effectLst/>
-                <a:latin typeface="Manrope"/>
-              </a:rPr>
-            </a:br>
-            <a:r>
-              <a:rPr lang="en-US" b="0" i="0" u="none" strike="noStrike" dirty="0">
-                <a:solidFill>
-                  <a:srgbClr val="54565A"/>
-                </a:solidFill>
-                <a:effectLst/>
-                <a:latin typeface="Manrope"/>
-              </a:rPr>
-              <a:t>- https://delinea.com/blog/principle-of-least-privilege-examples#:~:text=Other%20least%20privilege%20examples%20to,as%20scanning%20all%20email%20attachments.</a:t>
-            </a:r>
-          </a:p>
-          <a:p>
             <a:endParaRPr lang="en-CA" dirty="0"/>
           </a:p>
         </p:txBody>
@@ -10120,7 +7069,7 @@
     </p:spTree>
     <p:extLst>
       <p:ext uri="{BB962C8B-B14F-4D97-AF65-F5344CB8AC3E}">
-        <p14:creationId xmlns:p14="http://schemas.microsoft.com/office/powerpoint/2010/main" val="2007868445"/>
+        <p14:creationId xmlns:p14="http://schemas.microsoft.com/office/powerpoint/2010/main" val="2799834350"/>
       </p:ext>
     </p:extLst>
   </p:cSld>
@@ -10176,7 +7125,7 @@
           <a:p>
             <a:r>
               <a:rPr lang="en-US" dirty="0"/>
-              <a:t>Lastly, let’s take a look at our final takeaways. </a:t>
+              <a:t>As we’ve seen in these few slides, the principle of least privilege isn’t just a guideline; it’s a fundamental part of reducing risk and maintaining security. </a:t>
             </a:r>
             <a:br>
               <a:rPr lang="en-US" dirty="0"/>
@@ -10186,20 +7135,7 @@
             </a:br>
             <a:r>
               <a:rPr lang="en-US" dirty="0"/>
-              <a:t>The least privilege principle is foundational in security. </a:t>
-            </a:r>
-            <a:br>
-              <a:rPr lang="en-US" dirty="0"/>
-            </a:br>
-            <a:r>
-              <a:rPr lang="en-US" dirty="0"/>
-              <a:t>It’s effective implementation is one that requires vigilance and regular updates. </a:t>
-            </a:r>
-          </a:p>
-          <a:p>
-            <a:r>
-              <a:rPr lang="en-US" dirty="0"/>
-              <a:t>&amp; it’s about balancing access, with security needs.</a:t>
+              <a:t>By ensuring that access is limited to only what’s essential, we not only protect sensitive information but also strengthen our overall security posture. </a:t>
             </a:r>
             <a:br>
               <a:rPr lang="en-US" dirty="0"/>
@@ -10209,7 +7145,7 @@
             </a:br>
             <a:r>
               <a:rPr lang="en-US" dirty="0"/>
-              <a:t>Ultimately, implementing the least privilege principle is about managing risk. </a:t>
+              <a:t>Implementing least privilege is a proactive way to minimize potential damage and keep our systems resilient.</a:t>
             </a:r>
             <a:br>
               <a:rPr lang="en-US" dirty="0"/>
@@ -10219,9 +7155,33 @@
             </a:br>
             <a:r>
               <a:rPr lang="en-US" dirty="0"/>
-              <a:t>By granting access thoughtfully and with purpose, organizations create a more resilient security posture.</a:t>
+              <a:t>I want to thank you for your attention, and let’s remember that sometimes, the simplest restrictions can make the biggest difference.</a:t>
             </a:r>
-            <a:endParaRPr lang="en-CA" dirty="0"/>
+            <a:br>
+              <a:rPr lang="en-US" dirty="0"/>
+            </a:br>
+            <a:br>
+              <a:rPr lang="en-US" dirty="0"/>
+            </a:br>
+            <a:r>
+              <a:rPr lang="en-US" dirty="0"/>
+              <a:t>AAANNNDD, for those of you wondering who counted along with the slides, least privilege was said 14 times (including that one). </a:t>
+            </a:r>
+          </a:p>
+          <a:p>
+            <a:endParaRPr lang="en-US" dirty="0"/>
+          </a:p>
+          <a:p>
+            <a:r>
+              <a:rPr lang="en-US" dirty="0"/>
+              <a:t>Thank you.</a:t>
+            </a:r>
+          </a:p>
+          <a:p>
+            <a:endParaRPr lang="en-US" dirty="0"/>
+          </a:p>
+          <a:p>
+            <a:endParaRPr lang="en-US" dirty="0"/>
           </a:p>
         </p:txBody>
       </p:sp>
@@ -10251,7 +7211,7 @@
     </p:spTree>
     <p:extLst>
       <p:ext uri="{BB962C8B-B14F-4D97-AF65-F5344CB8AC3E}">
-        <p14:creationId xmlns:p14="http://schemas.microsoft.com/office/powerpoint/2010/main" val="2417962503"/>
+        <p14:creationId xmlns:p14="http://schemas.microsoft.com/office/powerpoint/2010/main" val="480404730"/>
       </p:ext>
     </p:extLst>
   </p:cSld>
@@ -10305,50 +7265,6 @@
           <a:bodyPr/>
           <a:lstStyle/>
           <a:p>
-            <a:r>
-              <a:rPr lang="en-US" dirty="0"/>
-              <a:t>As we’ve seen, the principle of least privilege isn’t just a guideline; it’s a fundamental part of reducing risk and maintaining security. </a:t>
-            </a:r>
-            <a:br>
-              <a:rPr lang="en-US" dirty="0"/>
-            </a:br>
-            <a:br>
-              <a:rPr lang="en-US" dirty="0"/>
-            </a:br>
-            <a:r>
-              <a:rPr lang="en-US" dirty="0"/>
-              <a:t>By ensuring that access is limited to only what’s essential, we not only protect sensitive information but also strengthen our overall security posture. </a:t>
-            </a:r>
-            <a:br>
-              <a:rPr lang="en-US" dirty="0"/>
-            </a:br>
-            <a:br>
-              <a:rPr lang="en-US" dirty="0"/>
-            </a:br>
-            <a:r>
-              <a:rPr lang="en-US" dirty="0"/>
-              <a:t>Implementing least privilege is a proactive way to minimize potential damage and keep our systems resilient.</a:t>
-            </a:r>
-            <a:br>
-              <a:rPr lang="en-US" dirty="0"/>
-            </a:br>
-            <a:br>
-              <a:rPr lang="en-US" dirty="0"/>
-            </a:br>
-            <a:r>
-              <a:rPr lang="en-US" dirty="0"/>
-              <a:t>Thank you for your attention, and let’s remember that sometimes, the simplest restrictions can make the biggest difference.</a:t>
-            </a:r>
-            <a:br>
-              <a:rPr lang="en-US" dirty="0"/>
-            </a:br>
-            <a:br>
-              <a:rPr lang="en-US" dirty="0"/>
-            </a:br>
-            <a:r>
-              <a:rPr lang="en-US"/>
-              <a:t>Any questions?</a:t>
-            </a:r>
             <a:endParaRPr lang="en-CA" dirty="0"/>
           </a:p>
         </p:txBody>
@@ -10379,7 +7295,7 @@
     </p:spTree>
     <p:extLst>
       <p:ext uri="{BB962C8B-B14F-4D97-AF65-F5344CB8AC3E}">
-        <p14:creationId xmlns:p14="http://schemas.microsoft.com/office/powerpoint/2010/main" val="480404730"/>
+        <p14:creationId xmlns:p14="http://schemas.microsoft.com/office/powerpoint/2010/main" val="3260092389"/>
       </p:ext>
     </p:extLst>
   </p:cSld>
@@ -10538,7 +7454,7 @@
           <a:p>
             <a:fld id="{3FE2E512-434E-4D5D-85F4-BED95C6ECCD0}" type="datetimeFigureOut">
               <a:rPr lang="en-CA" smtClean="0"/>
-              <a:t>2024-10-29</a:t>
+              <a:t>2024-11-06</a:t>
             </a:fld>
             <a:endParaRPr lang="en-CA"/>
           </a:p>
@@ -10738,7 +7654,7 @@
           <a:p>
             <a:fld id="{3FE2E512-434E-4D5D-85F4-BED95C6ECCD0}" type="datetimeFigureOut">
               <a:rPr lang="en-CA" smtClean="0"/>
-              <a:t>2024-10-29</a:t>
+              <a:t>2024-11-06</a:t>
             </a:fld>
             <a:endParaRPr lang="en-CA"/>
           </a:p>
@@ -10948,7 +7864,7 @@
           <a:p>
             <a:fld id="{3FE2E512-434E-4D5D-85F4-BED95C6ECCD0}" type="datetimeFigureOut">
               <a:rPr lang="en-CA" smtClean="0"/>
-              <a:t>2024-10-29</a:t>
+              <a:t>2024-11-06</a:t>
             </a:fld>
             <a:endParaRPr lang="en-CA"/>
           </a:p>
@@ -11148,7 +8064,7 @@
           <a:p>
             <a:fld id="{3FE2E512-434E-4D5D-85F4-BED95C6ECCD0}" type="datetimeFigureOut">
               <a:rPr lang="en-CA" smtClean="0"/>
-              <a:t>2024-10-29</a:t>
+              <a:t>2024-11-06</a:t>
             </a:fld>
             <a:endParaRPr lang="en-CA"/>
           </a:p>
@@ -11424,7 +8340,7 @@
           <a:p>
             <a:fld id="{3FE2E512-434E-4D5D-85F4-BED95C6ECCD0}" type="datetimeFigureOut">
               <a:rPr lang="en-CA" smtClean="0"/>
-              <a:t>2024-10-29</a:t>
+              <a:t>2024-11-06</a:t>
             </a:fld>
             <a:endParaRPr lang="en-CA"/>
           </a:p>
@@ -11692,7 +8608,7 @@
           <a:p>
             <a:fld id="{3FE2E512-434E-4D5D-85F4-BED95C6ECCD0}" type="datetimeFigureOut">
               <a:rPr lang="en-CA" smtClean="0"/>
-              <a:t>2024-10-29</a:t>
+              <a:t>2024-11-06</a:t>
             </a:fld>
             <a:endParaRPr lang="en-CA"/>
           </a:p>
@@ -12107,7 +9023,7 @@
           <a:p>
             <a:fld id="{3FE2E512-434E-4D5D-85F4-BED95C6ECCD0}" type="datetimeFigureOut">
               <a:rPr lang="en-CA" smtClean="0"/>
-              <a:t>2024-10-29</a:t>
+              <a:t>2024-11-06</a:t>
             </a:fld>
             <a:endParaRPr lang="en-CA"/>
           </a:p>
@@ -12249,7 +9165,7 @@
           <a:p>
             <a:fld id="{3FE2E512-434E-4D5D-85F4-BED95C6ECCD0}" type="datetimeFigureOut">
               <a:rPr lang="en-CA" smtClean="0"/>
-              <a:t>2024-10-29</a:t>
+              <a:t>2024-11-06</a:t>
             </a:fld>
             <a:endParaRPr lang="en-CA"/>
           </a:p>
@@ -12362,7 +9278,7 @@
           <a:p>
             <a:fld id="{3FE2E512-434E-4D5D-85F4-BED95C6ECCD0}" type="datetimeFigureOut">
               <a:rPr lang="en-CA" smtClean="0"/>
-              <a:t>2024-10-29</a:t>
+              <a:t>2024-11-06</a:t>
             </a:fld>
             <a:endParaRPr lang="en-CA"/>
           </a:p>
@@ -12675,7 +9591,7 @@
           <a:p>
             <a:fld id="{3FE2E512-434E-4D5D-85F4-BED95C6ECCD0}" type="datetimeFigureOut">
               <a:rPr lang="en-CA" smtClean="0"/>
-              <a:t>2024-10-29</a:t>
+              <a:t>2024-11-06</a:t>
             </a:fld>
             <a:endParaRPr lang="en-CA"/>
           </a:p>
@@ -12964,7 +9880,7 @@
           <a:p>
             <a:fld id="{3FE2E512-434E-4D5D-85F4-BED95C6ECCD0}" type="datetimeFigureOut">
               <a:rPr lang="en-CA" smtClean="0"/>
-              <a:t>2024-10-29</a:t>
+              <a:t>2024-11-06</a:t>
             </a:fld>
             <a:endParaRPr lang="en-CA"/>
           </a:p>
@@ -13207,7 +10123,7 @@
           <a:p>
             <a:fld id="{3FE2E512-434E-4D5D-85F4-BED95C6ECCD0}" type="datetimeFigureOut">
               <a:rPr lang="en-CA" smtClean="0"/>
-              <a:t>2024-10-29</a:t>
+              <a:t>2024-11-06</a:t>
             </a:fld>
             <a:endParaRPr lang="en-CA"/>
           </a:p>
@@ -13768,230 +10684,278 @@
   <p:clrMapOvr>
     <a:masterClrMapping/>
   </p:clrMapOvr>
-  <p:timing>
-    <p:tnLst>
-      <p:par>
-        <p:cTn id="1" dur="indefinite" restart="never" nodeType="tmRoot">
-          <p:childTnLst>
-            <p:seq concurrent="1" nextAc="seek">
-              <p:cTn id="2" dur="indefinite" nodeType="mainSeq">
-                <p:childTnLst>
-                  <p:par>
-                    <p:cTn id="3" fill="hold">
-                      <p:stCondLst>
-                        <p:cond delay="indefinite"/>
-                      </p:stCondLst>
-                      <p:childTnLst>
-                        <p:par>
-                          <p:cTn id="4" fill="hold">
-                            <p:stCondLst>
-                              <p:cond delay="0"/>
-                            </p:stCondLst>
-                            <p:childTnLst>
-                              <p:par>
-                                <p:cTn id="5" presetID="1" presetClass="entr" presetSubtype="0" fill="hold" grpId="0" nodeType="clickEffect">
-                                  <p:stCondLst>
-                                    <p:cond delay="0"/>
-                                  </p:stCondLst>
-                                  <p:childTnLst>
-                                    <p:set>
-                                      <p:cBhvr>
-                                        <p:cTn id="6" dur="1" fill="hold">
-                                          <p:stCondLst>
-                                            <p:cond delay="0"/>
-                                          </p:stCondLst>
-                                        </p:cTn>
-                                        <p:tgtEl>
-                                          <p:spTgt spid="2"/>
-                                        </p:tgtEl>
-                                        <p:attrNameLst>
-                                          <p:attrName>style.visibility</p:attrName>
-                                        </p:attrNameLst>
-                                      </p:cBhvr>
-                                      <p:to>
-                                        <p:strVal val="visible"/>
-                                      </p:to>
-                                    </p:set>
-                                  </p:childTnLst>
-                                </p:cTn>
-                              </p:par>
-                            </p:childTnLst>
-                          </p:cTn>
-                        </p:par>
-                      </p:childTnLst>
-                    </p:cTn>
-                  </p:par>
-                  <p:par>
-                    <p:cTn id="7" fill="hold">
-                      <p:stCondLst>
-                        <p:cond delay="indefinite"/>
-                      </p:stCondLst>
-                      <p:childTnLst>
-                        <p:par>
-                          <p:cTn id="8" fill="hold">
-                            <p:stCondLst>
-                              <p:cond delay="0"/>
-                            </p:stCondLst>
-                            <p:childTnLst>
-                              <p:par>
-                                <p:cTn id="9" presetID="1" presetClass="entr" presetSubtype="0" fill="hold" grpId="0" nodeType="clickEffect">
-                                  <p:stCondLst>
-                                    <p:cond delay="0"/>
-                                  </p:stCondLst>
-                                  <p:childTnLst>
-                                    <p:set>
-                                      <p:cBhvr>
-                                        <p:cTn id="10" dur="1" fill="hold">
-                                          <p:stCondLst>
-                                            <p:cond delay="0"/>
-                                          </p:stCondLst>
-                                        </p:cTn>
-                                        <p:tgtEl>
-                                          <p:spTgt spid="3">
-                                            <p:txEl>
-                                              <p:pRg st="0" end="0"/>
-                                            </p:txEl>
-                                          </p:spTgt>
-                                        </p:tgtEl>
-                                        <p:attrNameLst>
-                                          <p:attrName>style.visibility</p:attrName>
-                                        </p:attrNameLst>
-                                      </p:cBhvr>
-                                      <p:to>
-                                        <p:strVal val="visible"/>
-                                      </p:to>
-                                    </p:set>
-                                  </p:childTnLst>
-                                </p:cTn>
-                              </p:par>
-                            </p:childTnLst>
-                          </p:cTn>
-                        </p:par>
-                      </p:childTnLst>
-                    </p:cTn>
-                  </p:par>
-                  <p:par>
-                    <p:cTn id="11" fill="hold">
-                      <p:stCondLst>
-                        <p:cond delay="indefinite"/>
-                      </p:stCondLst>
-                      <p:childTnLst>
-                        <p:par>
-                          <p:cTn id="12" fill="hold">
-                            <p:stCondLst>
-                              <p:cond delay="0"/>
-                            </p:stCondLst>
-                            <p:childTnLst>
-                              <p:par>
-                                <p:cTn id="13" presetID="2" presetClass="entr" presetSubtype="4" fill="hold" grpId="0" nodeType="clickEffect">
-                                  <p:stCondLst>
-                                    <p:cond delay="0"/>
-                                  </p:stCondLst>
-                                  <p:childTnLst>
-                                    <p:set>
-                                      <p:cBhvr>
-                                        <p:cTn id="14" dur="1" fill="hold">
-                                          <p:stCondLst>
-                                            <p:cond delay="0"/>
-                                          </p:stCondLst>
-                                        </p:cTn>
-                                        <p:tgtEl>
-                                          <p:spTgt spid="4"/>
-                                        </p:tgtEl>
-                                        <p:attrNameLst>
-                                          <p:attrName>style.visibility</p:attrName>
-                                        </p:attrNameLst>
-                                      </p:cBhvr>
-                                      <p:to>
-                                        <p:strVal val="visible"/>
-                                      </p:to>
-                                    </p:set>
-                                    <p:anim calcmode="lin" valueType="num">
-                                      <p:cBhvr additive="base">
-                                        <p:cTn id="15" dur="500" fill="hold"/>
-                                        <p:tgtEl>
-                                          <p:spTgt spid="4"/>
-                                        </p:tgtEl>
-                                        <p:attrNameLst>
-                                          <p:attrName>ppt_x</p:attrName>
-                                        </p:attrNameLst>
-                                      </p:cBhvr>
-                                      <p:tavLst>
-                                        <p:tav tm="0">
-                                          <p:val>
-                                            <p:strVal val="#ppt_x"/>
-                                          </p:val>
-                                        </p:tav>
-                                        <p:tav tm="100000">
-                                          <p:val>
-                                            <p:strVal val="#ppt_x"/>
-                                          </p:val>
-                                        </p:tav>
-                                      </p:tavLst>
-                                    </p:anim>
-                                    <p:anim calcmode="lin" valueType="num">
-                                      <p:cBhvr additive="base">
-                                        <p:cTn id="16" dur="500" fill="hold"/>
-                                        <p:tgtEl>
-                                          <p:spTgt spid="4"/>
-                                        </p:tgtEl>
-                                        <p:attrNameLst>
-                                          <p:attrName>ppt_y</p:attrName>
-                                        </p:attrNameLst>
-                                      </p:cBhvr>
-                                      <p:tavLst>
-                                        <p:tav tm="0">
-                                          <p:val>
-                                            <p:strVal val="1+#ppt_h/2"/>
-                                          </p:val>
-                                        </p:tav>
-                                        <p:tav tm="100000">
-                                          <p:val>
-                                            <p:strVal val="#ppt_y"/>
-                                          </p:val>
-                                        </p:tav>
-                                      </p:tavLst>
-                                    </p:anim>
-                                  </p:childTnLst>
-                                </p:cTn>
-                              </p:par>
-                            </p:childTnLst>
-                          </p:cTn>
-                        </p:par>
-                      </p:childTnLst>
-                    </p:cTn>
-                  </p:par>
-                </p:childTnLst>
-              </p:cTn>
-              <p:prevCondLst>
-                <p:cond evt="onPrev" delay="0">
-                  <p:tgtEl>
-                    <p:sldTgt/>
-                  </p:tgtEl>
-                </p:cond>
-              </p:prevCondLst>
-              <p:nextCondLst>
-                <p:cond evt="onNext" delay="0">
-                  <p:tgtEl>
-                    <p:sldTgt/>
-                  </p:tgtEl>
-                </p:cond>
-              </p:nextCondLst>
-            </p:seq>
-          </p:childTnLst>
-        </p:cTn>
-      </p:par>
-    </p:tnLst>
-    <p:bldLst>
-      <p:bldP spid="2" grpId="0"/>
-      <p:bldP spid="3" grpId="0" build="p"/>
-      <p:bldP spid="4" grpId="0"/>
-    </p:bldLst>
-  </p:timing>
+  <mc:AlternateContent xmlns:mc="http://schemas.openxmlformats.org/markup-compatibility/2006" xmlns:p14="http://schemas.microsoft.com/office/powerpoint/2010/main">
+    <mc:Choice Requires="p14">
+      <p:transition spd="med" p14:dur="700">
+        <p:fade/>
+      </p:transition>
+    </mc:Choice>
+    <mc:Fallback xmlns="">
+      <p:transition spd="med">
+        <p:fade/>
+      </p:transition>
+    </mc:Fallback>
+  </mc:AlternateContent>
 </p:sld>
 </file>
 
 <file path=ppt/slides/slide2.xml><?xml version="1.0" encoding="utf-8"?>
+<p:sld xmlns:a="http://schemas.openxmlformats.org/drawingml/2006/main" xmlns:r="http://schemas.openxmlformats.org/officeDocument/2006/relationships" xmlns:p="http://schemas.openxmlformats.org/presentationml/2006/main">
+  <p:cSld>
+    <p:bg>
+      <p:bgPr>
+        <a:solidFill>
+          <a:schemeClr val="bg1"/>
+        </a:solidFill>
+        <a:effectLst/>
+      </p:bgPr>
+    </p:bg>
+    <p:spTree>
+      <p:nvGrpSpPr>
+        <p:cNvPr id="1" name=""/>
+        <p:cNvGrpSpPr/>
+        <p:nvPr/>
+      </p:nvGrpSpPr>
+      <p:grpSpPr>
+        <a:xfrm>
+          <a:off x="0" y="0"/>
+          <a:ext cx="0" cy="0"/>
+          <a:chOff x="0" y="0"/>
+          <a:chExt cx="0" cy="0"/>
+        </a:xfrm>
+      </p:grpSpPr>
+      <p:sp useBgFill="1">
+        <p:nvSpPr>
+          <p:cNvPr id="9" name="Slide Background">
+            <a:extLst>
+              <a:ext uri="{FF2B5EF4-FFF2-40B4-BE49-F238E27FC236}">
+                <a16:creationId xmlns:a16="http://schemas.microsoft.com/office/drawing/2014/main" id="{9F7D5CDA-D291-4307-BF55-1381FED29634}"/>
+              </a:ext>
+              <a:ext uri="{C183D7F6-B498-43B3-948B-1728B52AA6E4}">
+                <adec:decorative xmlns:adec="http://schemas.microsoft.com/office/drawing/2017/decorative" val="1"/>
+              </a:ext>
+            </a:extLst>
+          </p:cNvPr>
+          <p:cNvSpPr>
+            <a:spLocks noGrp="1" noRot="1" noChangeAspect="1" noMove="1" noResize="1" noEditPoints="1" noAdjustHandles="1" noChangeArrowheads="1" noChangeShapeType="1" noTextEdit="1"/>
+          </p:cNvSpPr>
+          <p:nvPr>
+            <p:extLst>
+              <p:ext uri="{386F3935-93C4-4BCD-93E2-E3B085C9AB24}">
+                <p16:designElem xmlns:p16="http://schemas.microsoft.com/office/powerpoint/2015/main" val="1"/>
+              </p:ext>
+            </p:extLst>
+          </p:nvPr>
+        </p:nvSpPr>
+        <p:spPr>
+          <a:xfrm>
+            <a:off x="0" y="0"/>
+            <a:ext cx="12192000" cy="6858000"/>
+          </a:xfrm>
+          <a:prstGeom prst="rect">
+            <a:avLst/>
+          </a:prstGeom>
+          <a:ln>
+            <a:noFill/>
+          </a:ln>
+        </p:spPr>
+        <p:style>
+          <a:lnRef idx="2">
+            <a:schemeClr val="accent1">
+              <a:shade val="50000"/>
+            </a:schemeClr>
+          </a:lnRef>
+          <a:fillRef idx="1">
+            <a:schemeClr val="accent1"/>
+          </a:fillRef>
+          <a:effectRef idx="0">
+            <a:schemeClr val="accent1"/>
+          </a:effectRef>
+          <a:fontRef idx="minor">
+            <a:schemeClr val="lt1"/>
+          </a:fontRef>
+        </p:style>
+        <p:txBody>
+          <a:bodyPr rtlCol="0" anchor="ctr"/>
+          <a:lstStyle/>
+          <a:p>
+            <a:pPr algn="ctr"/>
+            <a:endParaRPr lang="en-US"/>
+          </a:p>
+        </p:txBody>
+      </p:sp>
+      <p:sp>
+        <p:nvSpPr>
+          <p:cNvPr id="2" name="Title 1">
+            <a:extLst>
+              <a:ext uri="{FF2B5EF4-FFF2-40B4-BE49-F238E27FC236}">
+                <a16:creationId xmlns:a16="http://schemas.microsoft.com/office/drawing/2014/main" id="{7B60DEE0-9C43-DBC3-C66C-A7FF895270FE}"/>
+              </a:ext>
+            </a:extLst>
+          </p:cNvPr>
+          <p:cNvSpPr>
+            <a:spLocks noGrp="1"/>
+          </p:cNvSpPr>
+          <p:nvPr>
+            <p:ph type="title"/>
+          </p:nvPr>
+        </p:nvSpPr>
+        <p:spPr>
+          <a:xfrm>
+            <a:off x="761800" y="762001"/>
+            <a:ext cx="5334197" cy="1708242"/>
+          </a:xfrm>
+        </p:spPr>
+        <p:txBody>
+          <a:bodyPr anchor="ctr">
+            <a:normAutofit/>
+          </a:bodyPr>
+          <a:lstStyle/>
+          <a:p>
+            <a:r>
+              <a:rPr lang="en-CA" sz="4000" dirty="0"/>
+              <a:t>Premium House Lights Incident</a:t>
+            </a:r>
+          </a:p>
+        </p:txBody>
+      </p:sp>
+      <p:sp>
+        <p:nvSpPr>
+          <p:cNvPr id="3" name="Content Placeholder 2">
+            <a:extLst>
+              <a:ext uri="{FF2B5EF4-FFF2-40B4-BE49-F238E27FC236}">
+                <a16:creationId xmlns:a16="http://schemas.microsoft.com/office/drawing/2014/main" id="{600BD294-7EC3-47DE-AD66-F363D415D54C}"/>
+              </a:ext>
+            </a:extLst>
+          </p:cNvPr>
+          <p:cNvSpPr>
+            <a:spLocks noGrp="1"/>
+          </p:cNvSpPr>
+          <p:nvPr>
+            <p:ph idx="1"/>
+          </p:nvPr>
+        </p:nvSpPr>
+        <p:spPr>
+          <a:xfrm>
+            <a:off x="761800" y="2127344"/>
+            <a:ext cx="5334197" cy="3769835"/>
+          </a:xfrm>
+        </p:spPr>
+        <p:txBody>
+          <a:bodyPr anchor="ctr">
+            <a:normAutofit/>
+          </a:bodyPr>
+          <a:lstStyle/>
+          <a:p>
+            <a:pPr marL="0" indent="0">
+              <a:buNone/>
+            </a:pPr>
+            <a:r>
+              <a:rPr lang="en-US" sz="1900" dirty="0"/>
+              <a:t>During the Premium House Lights Inc. incident: </a:t>
+            </a:r>
+            <a:br>
+              <a:rPr lang="en-US" sz="1900" dirty="0"/>
+            </a:br>
+            <a:r>
+              <a:rPr lang="en-US" sz="1900" dirty="0"/>
+              <a:t>What happened?</a:t>
+            </a:r>
+          </a:p>
+          <a:p>
+            <a:r>
+              <a:rPr lang="en-US" sz="1900" dirty="0"/>
+              <a:t>Unauthorized access </a:t>
+            </a:r>
+          </a:p>
+          <a:p>
+            <a:r>
+              <a:rPr lang="en-US" sz="1900" dirty="0"/>
+              <a:t>Compromised customer payment and personal data. </a:t>
+            </a:r>
+          </a:p>
+          <a:p>
+            <a:endParaRPr lang="en-US" sz="1900" dirty="0"/>
+          </a:p>
+          <a:p>
+            <a:pPr marL="0" indent="0">
+              <a:buNone/>
+            </a:pPr>
+            <a:r>
+              <a:rPr lang="en-US" sz="1900" dirty="0"/>
+              <a:t>Easiest way to mitigate this risk? </a:t>
+            </a:r>
+          </a:p>
+          <a:p>
+            <a:r>
+              <a:rPr lang="en-CA" sz="1900" dirty="0"/>
+              <a:t>Implementing the Principle of Least Privilege</a:t>
+            </a:r>
+          </a:p>
+        </p:txBody>
+      </p:sp>
+      <p:pic>
+        <p:nvPicPr>
+          <p:cNvPr id="5" name="Picture 4" descr="Light from open door">
+            <a:extLst>
+              <a:ext uri="{FF2B5EF4-FFF2-40B4-BE49-F238E27FC236}">
+                <a16:creationId xmlns:a16="http://schemas.microsoft.com/office/drawing/2014/main" id="{683C08FE-6D3D-6113-ADA8-4C506D56E0B1}"/>
+              </a:ext>
+            </a:extLst>
+          </p:cNvPr>
+          <p:cNvPicPr>
+            <a:picLocks noChangeAspect="1"/>
+          </p:cNvPicPr>
+          <p:nvPr/>
+        </p:nvPicPr>
+        <p:blipFill>
+          <a:blip r:embed="rId3"/>
+          <a:srcRect l="45479" r="8702" b="-2"/>
+          <a:stretch/>
+        </p:blipFill>
+        <p:spPr>
+          <a:xfrm>
+            <a:off x="6857797" y="-10886"/>
+            <a:ext cx="5334204" cy="6868886"/>
+          </a:xfrm>
+          <a:prstGeom prst="rect">
+            <a:avLst/>
+          </a:prstGeom>
+          <a:effectLst>
+            <a:outerShdw blurRad="127000" dist="50800" dir="10800000" sx="99000" sy="99000" algn="r" rotWithShape="0">
+              <a:prstClr val="black">
+                <a:alpha val="40000"/>
+              </a:prstClr>
+            </a:outerShdw>
+          </a:effectLst>
+        </p:spPr>
+      </p:pic>
+    </p:spTree>
+    <p:extLst>
+      <p:ext uri="{BB962C8B-B14F-4D97-AF65-F5344CB8AC3E}">
+        <p14:creationId xmlns:p14="http://schemas.microsoft.com/office/powerpoint/2010/main" val="2198398554"/>
+      </p:ext>
+    </p:extLst>
+  </p:cSld>
+  <p:clrMapOvr>
+    <a:masterClrMapping/>
+  </p:clrMapOvr>
+  <mc:AlternateContent xmlns:mc="http://schemas.openxmlformats.org/markup-compatibility/2006" xmlns:p14="http://schemas.microsoft.com/office/powerpoint/2010/main">
+    <mc:Choice Requires="p14">
+      <p:transition spd="med" p14:dur="700">
+        <p:fade/>
+      </p:transition>
+    </mc:Choice>
+    <mc:Fallback xmlns="">
+      <p:transition spd="med">
+        <p:fade/>
+      </p:transition>
+    </mc:Fallback>
+  </mc:AlternateContent>
+</p:sld>
+</file>
+
+<file path=ppt/slides/slide3.xml><?xml version="1.0" encoding="utf-8"?>
 <p:sld xmlns:a="http://schemas.openxmlformats.org/drawingml/2006/main" xmlns:r="http://schemas.openxmlformats.org/officeDocument/2006/relationships" xmlns:p="http://schemas.openxmlformats.org/presentationml/2006/main">
   <p:cSld>
     <p:bg>
@@ -14542,6 +11506,41 @@
           </a:prstGeom>
         </p:spPr>
       </p:pic>
+      <p:sp>
+        <p:nvSpPr>
+          <p:cNvPr id="3" name="TextBox 2">
+            <a:extLst>
+              <a:ext uri="{FF2B5EF4-FFF2-40B4-BE49-F238E27FC236}">
+                <a16:creationId xmlns:a16="http://schemas.microsoft.com/office/drawing/2014/main" id="{3F5A539E-8107-48D5-8A17-EBECEFA88582}"/>
+              </a:ext>
+            </a:extLst>
+          </p:cNvPr>
+          <p:cNvSpPr txBox="1"/>
+          <p:nvPr/>
+        </p:nvSpPr>
+        <p:spPr>
+          <a:xfrm>
+            <a:off x="6152663" y="6660006"/>
+            <a:ext cx="4644273" cy="261610"/>
+          </a:xfrm>
+          <a:prstGeom prst="rect">
+            <a:avLst/>
+          </a:prstGeom>
+          <a:noFill/>
+        </p:spPr>
+        <p:txBody>
+          <a:bodyPr wrap="square" rtlCol="0">
+            <a:spAutoFit/>
+          </a:bodyPr>
+          <a:lstStyle/>
+          <a:p>
+            <a:r>
+              <a:rPr lang="en-CA" sz="1100" dirty="0"/>
+              <a:t>Image - https://toonhole.com/2015/01/elevator/</a:t>
+            </a:r>
+          </a:p>
+        </p:txBody>
+      </p:sp>
     </p:spTree>
     <p:extLst>
       <p:ext uri="{BB962C8B-B14F-4D97-AF65-F5344CB8AC3E}">
@@ -14552,108 +11551,22 @@
   <p:clrMapOvr>
     <a:masterClrMapping/>
   </p:clrMapOvr>
-  <mc:AlternateContent xmlns:mc="http://schemas.openxmlformats.org/markup-compatibility/2006">
-    <mc:Choice xmlns:p14="http://schemas.microsoft.com/office/powerpoint/2010/main" Requires="p14">
+  <mc:AlternateContent xmlns:mc="http://schemas.openxmlformats.org/markup-compatibility/2006" xmlns:p14="http://schemas.microsoft.com/office/powerpoint/2010/main">
+    <mc:Choice Requires="p14">
       <p:transition spd="med" p14:dur="700">
         <p:fade/>
       </p:transition>
     </mc:Choice>
-    <mc:Fallback>
+    <mc:Fallback xmlns="">
       <p:transition spd="med">
         <p:fade/>
       </p:transition>
     </mc:Fallback>
   </mc:AlternateContent>
-  <p:timing>
-    <p:tnLst>
-      <p:par>
-        <p:cTn id="1" dur="indefinite" restart="never" nodeType="tmRoot">
-          <p:childTnLst>
-            <p:seq concurrent="1" nextAc="seek">
-              <p:cTn id="2" dur="indefinite" nodeType="mainSeq">
-                <p:childTnLst>
-                  <p:par>
-                    <p:cTn id="3" fill="hold">
-                      <p:stCondLst>
-                        <p:cond delay="indefinite"/>
-                      </p:stCondLst>
-                      <p:childTnLst>
-                        <p:par>
-                          <p:cTn id="4" fill="hold">
-                            <p:stCondLst>
-                              <p:cond delay="0"/>
-                            </p:stCondLst>
-                            <p:childTnLst>
-                              <p:par>
-                                <p:cTn id="5" presetID="14" presetClass="entr" presetSubtype="10" fill="hold" grpId="0" nodeType="clickEffect">
-                                  <p:stCondLst>
-                                    <p:cond delay="0"/>
-                                  </p:stCondLst>
-                                  <p:childTnLst>
-                                    <p:set>
-                                      <p:cBhvr>
-                                        <p:cTn id="6" dur="1" fill="hold">
-                                          <p:stCondLst>
-                                            <p:cond delay="0"/>
-                                          </p:stCondLst>
-                                        </p:cTn>
-                                        <p:tgtEl>
-                                          <p:spTgt spid="2"/>
-                                        </p:tgtEl>
-                                        <p:attrNameLst>
-                                          <p:attrName>style.visibility</p:attrName>
-                                        </p:attrNameLst>
-                                      </p:cBhvr>
-                                      <p:to>
-                                        <p:strVal val="visible"/>
-                                      </p:to>
-                                    </p:set>
-                                    <p:animEffect transition="in" filter="randombar(horizontal)">
-                                      <p:cBhvr>
-                                        <p:cTn id="7" dur="500"/>
-                                        <p:tgtEl>
-                                          <p:spTgt spid="2"/>
-                                        </p:tgtEl>
-                                      </p:cBhvr>
-                                    </p:animEffect>
-                                  </p:childTnLst>
-                                </p:cTn>
-                              </p:par>
-                            </p:childTnLst>
-                          </p:cTn>
-                        </p:par>
-                      </p:childTnLst>
-                    </p:cTn>
-                  </p:par>
-                </p:childTnLst>
-              </p:cTn>
-              <p:prevCondLst>
-                <p:cond evt="onPrev" delay="0">
-                  <p:tgtEl>
-                    <p:sldTgt/>
-                  </p:tgtEl>
-                </p:cond>
-              </p:prevCondLst>
-              <p:nextCondLst>
-                <p:cond evt="onNext" delay="0">
-                  <p:tgtEl>
-                    <p:sldTgt/>
-                  </p:tgtEl>
-                </p:cond>
-              </p:nextCondLst>
-            </p:seq>
-          </p:childTnLst>
-        </p:cTn>
-      </p:par>
-    </p:tnLst>
-    <p:bldLst>
-      <p:bldP spid="2" grpId="0"/>
-    </p:bldLst>
-  </p:timing>
 </p:sld>
 </file>
 
-<file path=ppt/slides/slide3.xml><?xml version="1.0" encoding="utf-8"?>
+<file path=ppt/slides/slide4.xml><?xml version="1.0" encoding="utf-8"?>
 <p:sld xmlns:a="http://schemas.openxmlformats.org/drawingml/2006/main" xmlns:r="http://schemas.openxmlformats.org/officeDocument/2006/relationships" xmlns:p="http://schemas.openxmlformats.org/presentationml/2006/main">
   <p:cSld>
     <p:bg>
@@ -16562,6 +13475,41 @@
           </a:p>
         </p:txBody>
       </p:sp>
+      <p:sp>
+        <p:nvSpPr>
+          <p:cNvPr id="3" name="TextBox 2">
+            <a:extLst>
+              <a:ext uri="{FF2B5EF4-FFF2-40B4-BE49-F238E27FC236}">
+                <a16:creationId xmlns:a16="http://schemas.microsoft.com/office/drawing/2014/main" id="{D8E2D5C3-28F0-F9CB-8538-AB2B1C364BC9}"/>
+              </a:ext>
+            </a:extLst>
+          </p:cNvPr>
+          <p:cNvSpPr txBox="1"/>
+          <p:nvPr/>
+        </p:nvSpPr>
+        <p:spPr>
+          <a:xfrm>
+            <a:off x="9121203" y="3647602"/>
+            <a:ext cx="2454518" cy="246221"/>
+          </a:xfrm>
+          <a:prstGeom prst="rect">
+            <a:avLst/>
+          </a:prstGeom>
+          <a:noFill/>
+        </p:spPr>
+        <p:txBody>
+          <a:bodyPr wrap="none" rtlCol="0">
+            <a:spAutoFit/>
+          </a:bodyPr>
+          <a:lstStyle/>
+          <a:p>
+            <a:r>
+              <a:rPr lang="en-CA" sz="1000" dirty="0"/>
+              <a:t>Image - https://www.keepersecurity.com</a:t>
+            </a:r>
+          </a:p>
+        </p:txBody>
+      </p:sp>
     </p:spTree>
     <p:extLst>
       <p:ext uri="{BB962C8B-B14F-4D97-AF65-F5344CB8AC3E}">
@@ -16572,13 +13520,13 @@
   <p:clrMapOvr>
     <a:masterClrMapping/>
   </p:clrMapOvr>
-  <mc:AlternateContent xmlns:mc="http://schemas.openxmlformats.org/markup-compatibility/2006">
-    <mc:Choice xmlns:p14="http://schemas.microsoft.com/office/powerpoint/2010/main" Requires="p14">
+  <mc:AlternateContent xmlns:mc="http://schemas.openxmlformats.org/markup-compatibility/2006" xmlns:p14="http://schemas.microsoft.com/office/powerpoint/2010/main">
+    <mc:Choice Requires="p14">
       <p:transition spd="med" p14:dur="700">
         <p:fade/>
       </p:transition>
     </mc:Choice>
-    <mc:Fallback>
+    <mc:Fallback xmlns="">
       <p:transition spd="med">
         <p:fade/>
       </p:transition>
@@ -16605,7 +13553,7 @@
                             </p:stCondLst>
                             <p:childTnLst>
                               <p:par>
-                                <p:cTn id="5" presetID="16" presetClass="entr" presetSubtype="21" fill="hold" grpId="0" nodeType="clickEffect">
+                                <p:cTn id="5" presetID="1" presetClass="entr" presetSubtype="0" fill="hold" grpId="0" nodeType="clickEffect">
                                   <p:stCondLst>
                                     <p:cond delay="0"/>
                                   </p:stCondLst>
@@ -16628,14 +13576,6 @@
                                         <p:strVal val="visible"/>
                                       </p:to>
                                     </p:set>
-                                    <p:animEffect transition="in" filter="barn(inVertical)">
-                                      <p:cBhvr>
-                                        <p:cTn id="7" dur="500"/>
-                                        <p:tgtEl>
-                                          <p:spTgt spid="2"/>
-                                        </p:tgtEl>
-                                      </p:cBhvr>
-                                    </p:animEffect>
                                   </p:childTnLst>
                                 </p:cTn>
                               </p:par>
@@ -16646,26 +13586,26 @@
                     </p:cTn>
                   </p:par>
                   <p:par>
-                    <p:cTn id="8" fill="hold">
+                    <p:cTn id="7" fill="hold">
                       <p:stCondLst>
                         <p:cond delay="indefinite"/>
                       </p:stCondLst>
                       <p:childTnLst>
                         <p:par>
-                          <p:cTn id="9" fill="hold">
+                          <p:cTn id="8" fill="hold">
                             <p:stCondLst>
                               <p:cond delay="0"/>
                             </p:stCondLst>
                             <p:childTnLst>
                               <p:par>
-                                <p:cTn id="10" presetID="10" presetClass="entr" presetSubtype="0" fill="hold" grpId="0" nodeType="clickEffect">
+                                <p:cTn id="9" presetID="1" presetClass="entr" presetSubtype="0" fill="hold" grpId="0" nodeType="clickEffect">
                                   <p:stCondLst>
                                     <p:cond delay="0"/>
                                   </p:stCondLst>
                                   <p:childTnLst>
                                     <p:set>
                                       <p:cBhvr>
-                                        <p:cTn id="11" dur="1" fill="hold">
+                                        <p:cTn id="10" dur="1" fill="hold">
                                           <p:stCondLst>
                                             <p:cond delay="0"/>
                                           </p:stCondLst>
@@ -16685,18 +13625,6 @@
                                         <p:strVal val="visible"/>
                                       </p:to>
                                     </p:set>
-                                    <p:animEffect transition="in" filter="fade">
-                                      <p:cBhvr>
-                                        <p:cTn id="12" dur="500"/>
-                                        <p:tgtEl>
-                                          <p:spTgt spid="4">
-                                            <p:txEl>
-                                              <p:pRg st="0" end="0"/>
-                                            </p:txEl>
-                                          </p:spTgt>
-                                        </p:tgtEl>
-                                      </p:cBhvr>
-                                    </p:animEffect>
                                   </p:childTnLst>
                                 </p:cTn>
                               </p:par>
@@ -16707,26 +13635,26 @@
                     </p:cTn>
                   </p:par>
                   <p:par>
-                    <p:cTn id="13" fill="hold">
+                    <p:cTn id="11" fill="hold">
                       <p:stCondLst>
                         <p:cond delay="indefinite"/>
                       </p:stCondLst>
                       <p:childTnLst>
                         <p:par>
-                          <p:cTn id="14" fill="hold">
+                          <p:cTn id="12" fill="hold">
                             <p:stCondLst>
                               <p:cond delay="0"/>
                             </p:stCondLst>
                             <p:childTnLst>
                               <p:par>
-                                <p:cTn id="15" presetID="10" presetClass="entr" presetSubtype="0" fill="hold" grpId="0" nodeType="clickEffect">
+                                <p:cTn id="13" presetID="1" presetClass="entr" presetSubtype="0" fill="hold" grpId="0" nodeType="clickEffect">
                                   <p:stCondLst>
                                     <p:cond delay="0"/>
                                   </p:stCondLst>
                                   <p:childTnLst>
                                     <p:set>
                                       <p:cBhvr>
-                                        <p:cTn id="16" dur="1" fill="hold">
+                                        <p:cTn id="14" dur="1" fill="hold">
                                           <p:stCondLst>
                                             <p:cond delay="0"/>
                                           </p:stCondLst>
@@ -16746,18 +13674,6 @@
                                         <p:strVal val="visible"/>
                                       </p:to>
                                     </p:set>
-                                    <p:animEffect transition="in" filter="fade">
-                                      <p:cBhvr>
-                                        <p:cTn id="17" dur="500"/>
-                                        <p:tgtEl>
-                                          <p:spTgt spid="4">
-                                            <p:txEl>
-                                              <p:pRg st="2" end="2"/>
-                                            </p:txEl>
-                                          </p:spTgt>
-                                        </p:tgtEl>
-                                      </p:cBhvr>
-                                    </p:animEffect>
                                   </p:childTnLst>
                                 </p:cTn>
                               </p:par>
@@ -16796,7 +13712,7 @@
 </p:sld>
 </file>
 
-<file path=ppt/slides/slide4.xml><?xml version="1.0" encoding="utf-8"?>
+<file path=ppt/slides/slide5.xml><?xml version="1.0" encoding="utf-8"?>
 <p:sld xmlns:a="http://schemas.openxmlformats.org/drawingml/2006/main" xmlns:r="http://schemas.openxmlformats.org/officeDocument/2006/relationships" xmlns:p="http://schemas.openxmlformats.org/presentationml/2006/main">
   <p:cSld>
     <p:bg>
@@ -17208,407 +14124,22 @@
   <p:clrMapOvr>
     <a:masterClrMapping/>
   </p:clrMapOvr>
-  <mc:AlternateContent xmlns:mc="http://schemas.openxmlformats.org/markup-compatibility/2006">
-    <mc:Choice xmlns:p14="http://schemas.microsoft.com/office/powerpoint/2010/main" Requires="p14">
+  <mc:AlternateContent xmlns:mc="http://schemas.openxmlformats.org/markup-compatibility/2006" xmlns:p14="http://schemas.microsoft.com/office/powerpoint/2010/main">
+    <mc:Choice Requires="p14">
       <p:transition spd="med" p14:dur="700">
         <p:fade/>
       </p:transition>
     </mc:Choice>
-    <mc:Fallback>
+    <mc:Fallback xmlns="">
       <p:transition spd="med">
         <p:fade/>
       </p:transition>
     </mc:Fallback>
   </mc:AlternateContent>
-  <p:timing>
-    <p:tnLst>
-      <p:par>
-        <p:cTn id="1" dur="indefinite" restart="never" nodeType="tmRoot">
-          <p:childTnLst>
-            <p:seq concurrent="1" nextAc="seek">
-              <p:cTn id="2" dur="indefinite" nodeType="mainSeq">
-                <p:childTnLst>
-                  <p:par>
-                    <p:cTn id="3" fill="hold">
-                      <p:stCondLst>
-                        <p:cond delay="indefinite"/>
-                      </p:stCondLst>
-                      <p:childTnLst>
-                        <p:par>
-                          <p:cTn id="4" fill="hold">
-                            <p:stCondLst>
-                              <p:cond delay="0"/>
-                            </p:stCondLst>
-                            <p:childTnLst>
-                              <p:par>
-                                <p:cTn id="5" presetID="16" presetClass="entr" presetSubtype="21" fill="hold" grpId="0" nodeType="clickEffect">
-                                  <p:stCondLst>
-                                    <p:cond delay="0"/>
-                                  </p:stCondLst>
-                                  <p:childTnLst>
-                                    <p:set>
-                                      <p:cBhvr>
-                                        <p:cTn id="6" dur="1" fill="hold">
-                                          <p:stCondLst>
-                                            <p:cond delay="0"/>
-                                          </p:stCondLst>
-                                        </p:cTn>
-                                        <p:tgtEl>
-                                          <p:spTgt spid="2"/>
-                                        </p:tgtEl>
-                                        <p:attrNameLst>
-                                          <p:attrName>style.visibility</p:attrName>
-                                        </p:attrNameLst>
-                                      </p:cBhvr>
-                                      <p:to>
-                                        <p:strVal val="visible"/>
-                                      </p:to>
-                                    </p:set>
-                                    <p:animEffect transition="in" filter="barn(inVertical)">
-                                      <p:cBhvr>
-                                        <p:cTn id="7" dur="500"/>
-                                        <p:tgtEl>
-                                          <p:spTgt spid="2"/>
-                                        </p:tgtEl>
-                                      </p:cBhvr>
-                                    </p:animEffect>
-                                  </p:childTnLst>
-                                </p:cTn>
-                              </p:par>
-                            </p:childTnLst>
-                          </p:cTn>
-                        </p:par>
-                      </p:childTnLst>
-                    </p:cTn>
-                  </p:par>
-                  <p:par>
-                    <p:cTn id="8" fill="hold">
-                      <p:stCondLst>
-                        <p:cond delay="indefinite"/>
-                      </p:stCondLst>
-                      <p:childTnLst>
-                        <p:par>
-                          <p:cTn id="9" fill="hold">
-                            <p:stCondLst>
-                              <p:cond delay="0"/>
-                            </p:stCondLst>
-                            <p:childTnLst>
-                              <p:par>
-                                <p:cTn id="10" presetID="26" presetClass="entr" presetSubtype="0" fill="hold" grpId="0" nodeType="clickEffect">
-                                  <p:stCondLst>
-                                    <p:cond delay="0"/>
-                                  </p:stCondLst>
-                                  <p:childTnLst>
-                                    <p:set>
-                                      <p:cBhvr>
-                                        <p:cTn id="11" dur="1" fill="hold">
-                                          <p:stCondLst>
-                                            <p:cond delay="0"/>
-                                          </p:stCondLst>
-                                        </p:cTn>
-                                        <p:tgtEl>
-                                          <p:spTgt spid="5"/>
-                                        </p:tgtEl>
-                                        <p:attrNameLst>
-                                          <p:attrName>style.visibility</p:attrName>
-                                        </p:attrNameLst>
-                                      </p:cBhvr>
-                                      <p:to>
-                                        <p:strVal val="visible"/>
-                                      </p:to>
-                                    </p:set>
-                                    <p:animEffect transition="in" filter="wipe(down)">
-                                      <p:cBhvr>
-                                        <p:cTn id="12" dur="580">
-                                          <p:stCondLst>
-                                            <p:cond delay="0"/>
-                                          </p:stCondLst>
-                                        </p:cTn>
-                                        <p:tgtEl>
-                                          <p:spTgt spid="5"/>
-                                        </p:tgtEl>
-                                      </p:cBhvr>
-                                    </p:animEffect>
-                                    <p:anim calcmode="lin" valueType="num">
-                                      <p:cBhvr>
-                                        <p:cTn id="13" dur="1822" tmFilter="0,0; 0.14,0.36; 0.43,0.73; 0.71,0.91; 1.0,1.0">
-                                          <p:stCondLst>
-                                            <p:cond delay="0"/>
-                                          </p:stCondLst>
-                                        </p:cTn>
-                                        <p:tgtEl>
-                                          <p:spTgt spid="5"/>
-                                        </p:tgtEl>
-                                        <p:attrNameLst>
-                                          <p:attrName>ppt_x</p:attrName>
-                                        </p:attrNameLst>
-                                      </p:cBhvr>
-                                      <p:tavLst>
-                                        <p:tav tm="0">
-                                          <p:val>
-                                            <p:strVal val="#ppt_x-0.25"/>
-                                          </p:val>
-                                        </p:tav>
-                                        <p:tav tm="100000">
-                                          <p:val>
-                                            <p:strVal val="#ppt_x"/>
-                                          </p:val>
-                                        </p:tav>
-                                      </p:tavLst>
-                                    </p:anim>
-                                    <p:anim calcmode="lin" valueType="num">
-                                      <p:cBhvr>
-                                        <p:cTn id="14" dur="664" tmFilter="0.0,0.0; 0.25,0.07; 0.50,0.2; 0.75,0.467; 1.0,1.0">
-                                          <p:stCondLst>
-                                            <p:cond delay="0"/>
-                                          </p:stCondLst>
-                                        </p:cTn>
-                                        <p:tgtEl>
-                                          <p:spTgt spid="5"/>
-                                        </p:tgtEl>
-                                        <p:attrNameLst>
-                                          <p:attrName>ppt_y</p:attrName>
-                                        </p:attrNameLst>
-                                      </p:cBhvr>
-                                      <p:tavLst>
-                                        <p:tav tm="0" fmla="#ppt_y-sin(pi*$)/3">
-                                          <p:val>
-                                            <p:fltVal val="0.5"/>
-                                          </p:val>
-                                        </p:tav>
-                                        <p:tav tm="100000">
-                                          <p:val>
-                                            <p:fltVal val="1"/>
-                                          </p:val>
-                                        </p:tav>
-                                      </p:tavLst>
-                                    </p:anim>
-                                    <p:anim calcmode="lin" valueType="num">
-                                      <p:cBhvr>
-                                        <p:cTn id="15" dur="664" tmFilter="0, 0; 0.125,0.2665; 0.25,0.4; 0.375,0.465; 0.5,0.5;  0.625,0.535; 0.75,0.6; 0.875,0.7335; 1,1">
-                                          <p:stCondLst>
-                                            <p:cond delay="664"/>
-                                          </p:stCondLst>
-                                        </p:cTn>
-                                        <p:tgtEl>
-                                          <p:spTgt spid="5"/>
-                                        </p:tgtEl>
-                                        <p:attrNameLst>
-                                          <p:attrName>ppt_y</p:attrName>
-                                        </p:attrNameLst>
-                                      </p:cBhvr>
-                                      <p:tavLst>
-                                        <p:tav tm="0" fmla="#ppt_y-sin(pi*$)/9">
-                                          <p:val>
-                                            <p:fltVal val="0"/>
-                                          </p:val>
-                                        </p:tav>
-                                        <p:tav tm="100000">
-                                          <p:val>
-                                            <p:fltVal val="1"/>
-                                          </p:val>
-                                        </p:tav>
-                                      </p:tavLst>
-                                    </p:anim>
-                                    <p:anim calcmode="lin" valueType="num">
-                                      <p:cBhvr>
-                                        <p:cTn id="16" dur="332" tmFilter="0, 0; 0.125,0.2665; 0.25,0.4; 0.375,0.465; 0.5,0.5;  0.625,0.535; 0.75,0.6; 0.875,0.7335; 1,1">
-                                          <p:stCondLst>
-                                            <p:cond delay="1324"/>
-                                          </p:stCondLst>
-                                        </p:cTn>
-                                        <p:tgtEl>
-                                          <p:spTgt spid="5"/>
-                                        </p:tgtEl>
-                                        <p:attrNameLst>
-                                          <p:attrName>ppt_y</p:attrName>
-                                        </p:attrNameLst>
-                                      </p:cBhvr>
-                                      <p:tavLst>
-                                        <p:tav tm="0" fmla="#ppt_y-sin(pi*$)/27">
-                                          <p:val>
-                                            <p:fltVal val="0"/>
-                                          </p:val>
-                                        </p:tav>
-                                        <p:tav tm="100000">
-                                          <p:val>
-                                            <p:fltVal val="1"/>
-                                          </p:val>
-                                        </p:tav>
-                                      </p:tavLst>
-                                    </p:anim>
-                                    <p:anim calcmode="lin" valueType="num">
-                                      <p:cBhvr>
-                                        <p:cTn id="17" dur="164" tmFilter="0, 0; 0.125,0.2665; 0.25,0.4; 0.375,0.465; 0.5,0.5;  0.625,0.535; 0.75,0.6; 0.875,0.7335; 1,1">
-                                          <p:stCondLst>
-                                            <p:cond delay="1656"/>
-                                          </p:stCondLst>
-                                        </p:cTn>
-                                        <p:tgtEl>
-                                          <p:spTgt spid="5"/>
-                                        </p:tgtEl>
-                                        <p:attrNameLst>
-                                          <p:attrName>ppt_y</p:attrName>
-                                        </p:attrNameLst>
-                                      </p:cBhvr>
-                                      <p:tavLst>
-                                        <p:tav tm="0" fmla="#ppt_y-sin(pi*$)/81">
-                                          <p:val>
-                                            <p:fltVal val="0"/>
-                                          </p:val>
-                                        </p:tav>
-                                        <p:tav tm="100000">
-                                          <p:val>
-                                            <p:fltVal val="1"/>
-                                          </p:val>
-                                        </p:tav>
-                                      </p:tavLst>
-                                    </p:anim>
-                                    <p:animScale>
-                                      <p:cBhvr>
-                                        <p:cTn id="18" dur="26">
-                                          <p:stCondLst>
-                                            <p:cond delay="650"/>
-                                          </p:stCondLst>
-                                        </p:cTn>
-                                        <p:tgtEl>
-                                          <p:spTgt spid="5"/>
-                                        </p:tgtEl>
-                                      </p:cBhvr>
-                                      <p:to x="100000" y="60000"/>
-                                    </p:animScale>
-                                    <p:animScale>
-                                      <p:cBhvr>
-                                        <p:cTn id="19" dur="166" decel="50000">
-                                          <p:stCondLst>
-                                            <p:cond delay="676"/>
-                                          </p:stCondLst>
-                                        </p:cTn>
-                                        <p:tgtEl>
-                                          <p:spTgt spid="5"/>
-                                        </p:tgtEl>
-                                      </p:cBhvr>
-                                      <p:to x="100000" y="100000"/>
-                                    </p:animScale>
-                                    <p:animScale>
-                                      <p:cBhvr>
-                                        <p:cTn id="20" dur="26">
-                                          <p:stCondLst>
-                                            <p:cond delay="1312"/>
-                                          </p:stCondLst>
-                                        </p:cTn>
-                                        <p:tgtEl>
-                                          <p:spTgt spid="5"/>
-                                        </p:tgtEl>
-                                      </p:cBhvr>
-                                      <p:to x="100000" y="80000"/>
-                                    </p:animScale>
-                                    <p:animScale>
-                                      <p:cBhvr>
-                                        <p:cTn id="21" dur="166" decel="50000">
-                                          <p:stCondLst>
-                                            <p:cond delay="1338"/>
-                                          </p:stCondLst>
-                                        </p:cTn>
-                                        <p:tgtEl>
-                                          <p:spTgt spid="5"/>
-                                        </p:tgtEl>
-                                      </p:cBhvr>
-                                      <p:to x="100000" y="100000"/>
-                                    </p:animScale>
-                                    <p:animScale>
-                                      <p:cBhvr>
-                                        <p:cTn id="22" dur="26">
-                                          <p:stCondLst>
-                                            <p:cond delay="1642"/>
-                                          </p:stCondLst>
-                                        </p:cTn>
-                                        <p:tgtEl>
-                                          <p:spTgt spid="5"/>
-                                        </p:tgtEl>
-                                      </p:cBhvr>
-                                      <p:to x="100000" y="90000"/>
-                                    </p:animScale>
-                                    <p:animScale>
-                                      <p:cBhvr>
-                                        <p:cTn id="23" dur="166" decel="50000">
-                                          <p:stCondLst>
-                                            <p:cond delay="1668"/>
-                                          </p:stCondLst>
-                                        </p:cTn>
-                                        <p:tgtEl>
-                                          <p:spTgt spid="5"/>
-                                        </p:tgtEl>
-                                      </p:cBhvr>
-                                      <p:to x="100000" y="100000"/>
-                                    </p:animScale>
-                                    <p:animScale>
-                                      <p:cBhvr>
-                                        <p:cTn id="24" dur="26">
-                                          <p:stCondLst>
-                                            <p:cond delay="1808"/>
-                                          </p:stCondLst>
-                                        </p:cTn>
-                                        <p:tgtEl>
-                                          <p:spTgt spid="5"/>
-                                        </p:tgtEl>
-                                      </p:cBhvr>
-                                      <p:to x="100000" y="95000"/>
-                                    </p:animScale>
-                                    <p:animScale>
-                                      <p:cBhvr>
-                                        <p:cTn id="25" dur="166" decel="50000">
-                                          <p:stCondLst>
-                                            <p:cond delay="1834"/>
-                                          </p:stCondLst>
-                                        </p:cTn>
-                                        <p:tgtEl>
-                                          <p:spTgt spid="5"/>
-                                        </p:tgtEl>
-                                      </p:cBhvr>
-                                      <p:to x="100000" y="100000"/>
-                                    </p:animScale>
-                                  </p:childTnLst>
-                                </p:cTn>
-                              </p:par>
-                            </p:childTnLst>
-                          </p:cTn>
-                        </p:par>
-                      </p:childTnLst>
-                    </p:cTn>
-                  </p:par>
-                </p:childTnLst>
-              </p:cTn>
-              <p:prevCondLst>
-                <p:cond evt="onPrev" delay="0">
-                  <p:tgtEl>
-                    <p:sldTgt/>
-                  </p:tgtEl>
-                </p:cond>
-              </p:prevCondLst>
-              <p:nextCondLst>
-                <p:cond evt="onNext" delay="0">
-                  <p:tgtEl>
-                    <p:sldTgt/>
-                  </p:tgtEl>
-                </p:cond>
-              </p:nextCondLst>
-            </p:seq>
-          </p:childTnLst>
-        </p:cTn>
-      </p:par>
-    </p:tnLst>
-    <p:bldLst>
-      <p:bldP spid="2" grpId="0"/>
-      <p:bldGraphic spid="5" grpId="0">
-        <p:bldAsOne/>
-      </p:bldGraphic>
-    </p:bldLst>
-  </p:timing>
 </p:sld>
 </file>
 
-<file path=ppt/slides/slide5.xml><?xml version="1.0" encoding="utf-8"?>
+<file path=ppt/slides/slide6.xml><?xml version="1.0" encoding="utf-8"?>
 <p:sld xmlns:a="http://schemas.openxmlformats.org/drawingml/2006/main" xmlns:r="http://schemas.openxmlformats.org/officeDocument/2006/relationships" xmlns:p="http://schemas.openxmlformats.org/presentationml/2006/main">
   <p:cSld>
     <p:bg>
@@ -18020,1715 +14551,22 @@
   <p:clrMapOvr>
     <a:masterClrMapping/>
   </p:clrMapOvr>
-  <mc:AlternateContent xmlns:mc="http://schemas.openxmlformats.org/markup-compatibility/2006">
-    <mc:Choice xmlns:p14="http://schemas.microsoft.com/office/powerpoint/2010/main" Requires="p14">
+  <mc:AlternateContent xmlns:mc="http://schemas.openxmlformats.org/markup-compatibility/2006" xmlns:p14="http://schemas.microsoft.com/office/powerpoint/2010/main">
+    <mc:Choice Requires="p14">
       <p:transition spd="med" p14:dur="700">
         <p:fade/>
       </p:transition>
     </mc:Choice>
-    <mc:Fallback>
+    <mc:Fallback xmlns="">
       <p:transition spd="med">
         <p:fade/>
       </p:transition>
     </mc:Fallback>
   </mc:AlternateContent>
-  <p:timing>
-    <p:tnLst>
-      <p:par>
-        <p:cTn id="1" dur="indefinite" restart="never" nodeType="tmRoot">
-          <p:childTnLst>
-            <p:seq concurrent="1" nextAc="seek">
-              <p:cTn id="2" dur="indefinite" nodeType="mainSeq">
-                <p:childTnLst>
-                  <p:par>
-                    <p:cTn id="3" fill="hold">
-                      <p:stCondLst>
-                        <p:cond delay="indefinite"/>
-                      </p:stCondLst>
-                      <p:childTnLst>
-                        <p:par>
-                          <p:cTn id="4" fill="hold">
-                            <p:stCondLst>
-                              <p:cond delay="0"/>
-                            </p:stCondLst>
-                            <p:childTnLst>
-                              <p:par>
-                                <p:cTn id="5" presetID="16" presetClass="entr" presetSubtype="21" fill="hold" grpId="0" nodeType="clickEffect">
-                                  <p:stCondLst>
-                                    <p:cond delay="0"/>
-                                  </p:stCondLst>
-                                  <p:childTnLst>
-                                    <p:set>
-                                      <p:cBhvr>
-                                        <p:cTn id="6" dur="1" fill="hold">
-                                          <p:stCondLst>
-                                            <p:cond delay="0"/>
-                                          </p:stCondLst>
-                                        </p:cTn>
-                                        <p:tgtEl>
-                                          <p:spTgt spid="2"/>
-                                        </p:tgtEl>
-                                        <p:attrNameLst>
-                                          <p:attrName>style.visibility</p:attrName>
-                                        </p:attrNameLst>
-                                      </p:cBhvr>
-                                      <p:to>
-                                        <p:strVal val="visible"/>
-                                      </p:to>
-                                    </p:set>
-                                    <p:animEffect transition="in" filter="barn(inVertical)">
-                                      <p:cBhvr>
-                                        <p:cTn id="7" dur="500"/>
-                                        <p:tgtEl>
-                                          <p:spTgt spid="2"/>
-                                        </p:tgtEl>
-                                      </p:cBhvr>
-                                    </p:animEffect>
-                                  </p:childTnLst>
-                                </p:cTn>
-                              </p:par>
-                            </p:childTnLst>
-                          </p:cTn>
-                        </p:par>
-                      </p:childTnLst>
-                    </p:cTn>
-                  </p:par>
-                  <p:par>
-                    <p:cTn id="8" fill="hold">
-                      <p:stCondLst>
-                        <p:cond delay="indefinite"/>
-                      </p:stCondLst>
-                      <p:childTnLst>
-                        <p:par>
-                          <p:cTn id="9" fill="hold">
-                            <p:stCondLst>
-                              <p:cond delay="0"/>
-                            </p:stCondLst>
-                            <p:childTnLst>
-                              <p:par>
-                                <p:cTn id="10" presetID="31" presetClass="entr" presetSubtype="0" fill="hold" grpId="0" nodeType="clickEffect">
-                                  <p:stCondLst>
-                                    <p:cond delay="0"/>
-                                  </p:stCondLst>
-                                  <p:childTnLst>
-                                    <p:set>
-                                      <p:cBhvr>
-                                        <p:cTn id="11" dur="1" fill="hold">
-                                          <p:stCondLst>
-                                            <p:cond delay="0"/>
-                                          </p:stCondLst>
-                                        </p:cTn>
-                                        <p:tgtEl>
-                                          <p:spTgt spid="8"/>
-                                        </p:tgtEl>
-                                        <p:attrNameLst>
-                                          <p:attrName>style.visibility</p:attrName>
-                                        </p:attrNameLst>
-                                      </p:cBhvr>
-                                      <p:to>
-                                        <p:strVal val="visible"/>
-                                      </p:to>
-                                    </p:set>
-                                    <p:anim calcmode="lin" valueType="num">
-                                      <p:cBhvr>
-                                        <p:cTn id="12" dur="1000" fill="hold"/>
-                                        <p:tgtEl>
-                                          <p:spTgt spid="8"/>
-                                        </p:tgtEl>
-                                        <p:attrNameLst>
-                                          <p:attrName>ppt_w</p:attrName>
-                                        </p:attrNameLst>
-                                      </p:cBhvr>
-                                      <p:tavLst>
-                                        <p:tav tm="0">
-                                          <p:val>
-                                            <p:fltVal val="0"/>
-                                          </p:val>
-                                        </p:tav>
-                                        <p:tav tm="100000">
-                                          <p:val>
-                                            <p:strVal val="#ppt_w"/>
-                                          </p:val>
-                                        </p:tav>
-                                      </p:tavLst>
-                                    </p:anim>
-                                    <p:anim calcmode="lin" valueType="num">
-                                      <p:cBhvr>
-                                        <p:cTn id="13" dur="1000" fill="hold"/>
-                                        <p:tgtEl>
-                                          <p:spTgt spid="8"/>
-                                        </p:tgtEl>
-                                        <p:attrNameLst>
-                                          <p:attrName>ppt_h</p:attrName>
-                                        </p:attrNameLst>
-                                      </p:cBhvr>
-                                      <p:tavLst>
-                                        <p:tav tm="0">
-                                          <p:val>
-                                            <p:fltVal val="0"/>
-                                          </p:val>
-                                        </p:tav>
-                                        <p:tav tm="100000">
-                                          <p:val>
-                                            <p:strVal val="#ppt_h"/>
-                                          </p:val>
-                                        </p:tav>
-                                      </p:tavLst>
-                                    </p:anim>
-                                    <p:anim calcmode="lin" valueType="num">
-                                      <p:cBhvr>
-                                        <p:cTn id="14" dur="1000" fill="hold"/>
-                                        <p:tgtEl>
-                                          <p:spTgt spid="8"/>
-                                        </p:tgtEl>
-                                        <p:attrNameLst>
-                                          <p:attrName>style.rotation</p:attrName>
-                                        </p:attrNameLst>
-                                      </p:cBhvr>
-                                      <p:tavLst>
-                                        <p:tav tm="0">
-                                          <p:val>
-                                            <p:fltVal val="90"/>
-                                          </p:val>
-                                        </p:tav>
-                                        <p:tav tm="100000">
-                                          <p:val>
-                                            <p:fltVal val="0"/>
-                                          </p:val>
-                                        </p:tav>
-                                      </p:tavLst>
-                                    </p:anim>
-                                    <p:animEffect transition="in" filter="fade">
-                                      <p:cBhvr>
-                                        <p:cTn id="15" dur="1000"/>
-                                        <p:tgtEl>
-                                          <p:spTgt spid="8"/>
-                                        </p:tgtEl>
-                                      </p:cBhvr>
-                                    </p:animEffect>
-                                  </p:childTnLst>
-                                </p:cTn>
-                              </p:par>
-                            </p:childTnLst>
-                          </p:cTn>
-                        </p:par>
-                      </p:childTnLst>
-                    </p:cTn>
-                  </p:par>
-                </p:childTnLst>
-              </p:cTn>
-              <p:prevCondLst>
-                <p:cond evt="onPrev" delay="0">
-                  <p:tgtEl>
-                    <p:sldTgt/>
-                  </p:tgtEl>
-                </p:cond>
-              </p:prevCondLst>
-              <p:nextCondLst>
-                <p:cond evt="onNext" delay="0">
-                  <p:tgtEl>
-                    <p:sldTgt/>
-                  </p:tgtEl>
-                </p:cond>
-              </p:nextCondLst>
-            </p:seq>
-          </p:childTnLst>
-        </p:cTn>
-      </p:par>
-    </p:tnLst>
-    <p:bldLst>
-      <p:bldP spid="2" grpId="0"/>
-      <p:bldGraphic spid="8" grpId="0">
-        <p:bldAsOne/>
-      </p:bldGraphic>
-    </p:bldLst>
-  </p:timing>
-</p:sld>
-</file>
-
-<file path=ppt/slides/slide6.xml><?xml version="1.0" encoding="utf-8"?>
-<p:sld xmlns:a="http://schemas.openxmlformats.org/drawingml/2006/main" xmlns:r="http://schemas.openxmlformats.org/officeDocument/2006/relationships" xmlns:p="http://schemas.openxmlformats.org/presentationml/2006/main">
-  <p:cSld>
-    <p:bg>
-      <p:bgPr>
-        <a:solidFill>
-          <a:schemeClr val="bg1"/>
-        </a:solidFill>
-        <a:effectLst/>
-      </p:bgPr>
-    </p:bg>
-    <p:spTree>
-      <p:nvGrpSpPr>
-        <p:cNvPr id="1" name=""/>
-        <p:cNvGrpSpPr/>
-        <p:nvPr/>
-      </p:nvGrpSpPr>
-      <p:grpSpPr>
-        <a:xfrm>
-          <a:off x="0" y="0"/>
-          <a:ext cx="0" cy="0"/>
-          <a:chOff x="0" y="0"/>
-          <a:chExt cx="0" cy="0"/>
-        </a:xfrm>
-      </p:grpSpPr>
-      <p:sp useBgFill="1">
-        <p:nvSpPr>
-          <p:cNvPr id="3089" name="Rectangle 3088">
-            <a:extLst>
-              <a:ext uri="{FF2B5EF4-FFF2-40B4-BE49-F238E27FC236}">
-                <a16:creationId xmlns:a16="http://schemas.microsoft.com/office/drawing/2014/main" id="{47942995-B07F-4636-9A06-C6A104B260A8}"/>
-              </a:ext>
-              <a:ext uri="{C183D7F6-B498-43B3-948B-1728B52AA6E4}">
-                <adec:decorative xmlns:adec="http://schemas.microsoft.com/office/drawing/2017/decorative" val="1"/>
-              </a:ext>
-            </a:extLst>
-          </p:cNvPr>
-          <p:cNvSpPr>
-            <a:spLocks noGrp="1" noRot="1" noChangeAspect="1" noMove="1" noResize="1" noEditPoints="1" noAdjustHandles="1" noChangeArrowheads="1" noChangeShapeType="1" noTextEdit="1"/>
-          </p:cNvSpPr>
-          <p:nvPr>
-            <p:extLst>
-              <p:ext uri="{386F3935-93C4-4BCD-93E2-E3B085C9AB24}">
-                <p16:designElem xmlns:p16="http://schemas.microsoft.com/office/powerpoint/2015/main" val="1"/>
-              </p:ext>
-            </p:extLst>
-          </p:nvPr>
-        </p:nvSpPr>
-        <p:spPr>
-          <a:xfrm>
-            <a:off x="0" y="0"/>
-            <a:ext cx="12191999" cy="6857365"/>
-          </a:xfrm>
-          <a:prstGeom prst="rect">
-            <a:avLst/>
-          </a:prstGeom>
-          <a:ln>
-            <a:noFill/>
-          </a:ln>
-        </p:spPr>
-        <p:style>
-          <a:lnRef idx="2">
-            <a:schemeClr val="accent1">
-              <a:shade val="50000"/>
-            </a:schemeClr>
-          </a:lnRef>
-          <a:fillRef idx="1">
-            <a:schemeClr val="accent1"/>
-          </a:fillRef>
-          <a:effectRef idx="0">
-            <a:schemeClr val="accent1"/>
-          </a:effectRef>
-          <a:fontRef idx="minor">
-            <a:schemeClr val="lt1"/>
-          </a:fontRef>
-        </p:style>
-        <p:txBody>
-          <a:bodyPr rtlCol="0" anchor="ctr"/>
-          <a:lstStyle/>
-          <a:p>
-            <a:pPr algn="ctr"/>
-            <a:endParaRPr lang="en-US"/>
-          </a:p>
-        </p:txBody>
-      </p:sp>
-      <p:sp>
-        <p:nvSpPr>
-          <p:cNvPr id="2" name="Title 1">
-            <a:extLst>
-              <a:ext uri="{FF2B5EF4-FFF2-40B4-BE49-F238E27FC236}">
-                <a16:creationId xmlns:a16="http://schemas.microsoft.com/office/drawing/2014/main" id="{6CCE2EEC-8C52-4EB9-BD69-6504A87A8418}"/>
-              </a:ext>
-            </a:extLst>
-          </p:cNvPr>
-          <p:cNvSpPr>
-            <a:spLocks noGrp="1"/>
-          </p:cNvSpPr>
-          <p:nvPr>
-            <p:ph type="title"/>
-          </p:nvPr>
-        </p:nvSpPr>
-        <p:spPr>
-          <a:xfrm>
-            <a:off x="1113810" y="2960716"/>
-            <a:ext cx="4036334" cy="2387600"/>
-          </a:xfrm>
-        </p:spPr>
-        <p:txBody>
-          <a:bodyPr vert="horz" lIns="91440" tIns="45720" rIns="91440" bIns="45720" rtlCol="0" anchor="t">
-            <a:normAutofit/>
-          </a:bodyPr>
-          <a:lstStyle/>
-          <a:p>
-            <a:r>
-              <a:rPr lang="en-US" sz="5400" kern="1200" dirty="0">
-                <a:solidFill>
-                  <a:schemeClr val="tx1"/>
-                </a:solidFill>
-                <a:latin typeface="+mj-lt"/>
-                <a:ea typeface="+mj-ea"/>
-                <a:cs typeface="+mj-cs"/>
-              </a:rPr>
-              <a:t>Least Privilege in Action:</a:t>
-            </a:r>
-          </a:p>
-        </p:txBody>
-      </p:sp>
-      <p:sp>
-        <p:nvSpPr>
-          <p:cNvPr id="4" name="TextBox 3">
-            <a:extLst>
-              <a:ext uri="{FF2B5EF4-FFF2-40B4-BE49-F238E27FC236}">
-                <a16:creationId xmlns:a16="http://schemas.microsoft.com/office/drawing/2014/main" id="{B88CA953-1230-0BAB-2B7B-E564E95EB56A}"/>
-              </a:ext>
-            </a:extLst>
-          </p:cNvPr>
-          <p:cNvSpPr txBox="1"/>
-          <p:nvPr/>
-        </p:nvSpPr>
-        <p:spPr>
-          <a:xfrm>
-            <a:off x="1113810" y="6438304"/>
-            <a:ext cx="7074227" cy="428841"/>
-          </a:xfrm>
-          <a:prstGeom prst="rect">
-            <a:avLst/>
-          </a:prstGeom>
-        </p:spPr>
-        <p:txBody>
-          <a:bodyPr vert="horz" lIns="91440" tIns="45720" rIns="91440" bIns="45720" rtlCol="0" anchor="b">
-            <a:normAutofit/>
-          </a:bodyPr>
-          <a:lstStyle/>
-          <a:p>
-            <a:pPr>
-              <a:lnSpc>
-                <a:spcPct val="90000"/>
-              </a:lnSpc>
-              <a:spcBef>
-                <a:spcPts val="1000"/>
-              </a:spcBef>
-            </a:pPr>
-            <a:r>
-              <a:rPr lang="en-US" sz="1000" kern="1200" dirty="0">
-                <a:solidFill>
-                  <a:schemeClr val="tx1"/>
-                </a:solidFill>
-                <a:latin typeface="+mn-lt"/>
-                <a:ea typeface="+mn-ea"/>
-                <a:cs typeface="+mn-cs"/>
-              </a:rPr>
-              <a:t>https://delinea.com/blog/principle-of-least-privilege-examples</a:t>
-            </a:r>
-          </a:p>
-        </p:txBody>
-      </p:sp>
-      <p:grpSp>
-        <p:nvGrpSpPr>
-          <p:cNvPr id="3090" name="Group 3089">
-            <a:extLst>
-              <a:ext uri="{FF2B5EF4-FFF2-40B4-BE49-F238E27FC236}">
-                <a16:creationId xmlns:a16="http://schemas.microsoft.com/office/drawing/2014/main" id="{032D8612-31EB-44CF-A1D0-14FD4C705424}"/>
-              </a:ext>
-              <a:ext uri="{C183D7F6-B498-43B3-948B-1728B52AA6E4}">
-                <adec:decorative xmlns:adec="http://schemas.microsoft.com/office/drawing/2017/decorative" val="1"/>
-              </a:ext>
-            </a:extLst>
-          </p:cNvPr>
-          <p:cNvGrpSpPr>
-            <a:grpSpLocks noGrp="1" noUngrp="1" noRot="1" noChangeAspect="1" noMove="1" noResize="1"/>
-          </p:cNvGrpSpPr>
-          <p:nvPr>
-            <p:extLst>
-              <p:ext uri="{386F3935-93C4-4BCD-93E2-E3B085C9AB24}">
-                <p16:designElem xmlns:p16="http://schemas.microsoft.com/office/powerpoint/2015/main" val="1"/>
-              </p:ext>
-            </p:extLst>
-          </p:nvPr>
-        </p:nvGrpSpPr>
-        <p:grpSpPr>
-          <a:xfrm>
-            <a:off x="0" y="2984992"/>
-            <a:ext cx="731521" cy="673460"/>
-            <a:chOff x="3940602" y="308034"/>
-            <a:chExt cx="2116791" cy="3428999"/>
-          </a:xfrm>
-          <a:solidFill>
-            <a:schemeClr val="accent4"/>
-          </a:solidFill>
-        </p:grpSpPr>
-        <p:sp>
-          <p:nvSpPr>
-            <p:cNvPr id="3082" name="Rectangle 3081">
-              <a:extLst>
-                <a:ext uri="{FF2B5EF4-FFF2-40B4-BE49-F238E27FC236}">
-                  <a16:creationId xmlns:a16="http://schemas.microsoft.com/office/drawing/2014/main" id="{F19A4A0F-1B59-4DB0-9764-D10936E98770}"/>
-                </a:ext>
-                <a:ext uri="{C183D7F6-B498-43B3-948B-1728B52AA6E4}">
-                  <adec:decorative xmlns:adec="http://schemas.microsoft.com/office/drawing/2017/decorative" val="1"/>
-                </a:ext>
-              </a:extLst>
-            </p:cNvPr>
-            <p:cNvSpPr/>
-            <p:nvPr>
-              <p:extLst>
-                <p:ext uri="{386F3935-93C4-4BCD-93E2-E3B085C9AB24}">
-                  <p16:designElem xmlns:p16="http://schemas.microsoft.com/office/powerpoint/2015/main" val="1"/>
-                </p:ext>
-              </p:extLst>
-            </p:nvPr>
-          </p:nvSpPr>
-          <p:spPr>
-            <a:xfrm>
-              <a:off x="3940602" y="308034"/>
-              <a:ext cx="566743" cy="3428999"/>
-            </a:xfrm>
-            <a:prstGeom prst="rect">
-              <a:avLst/>
-            </a:prstGeom>
-            <a:grpFill/>
-            <a:ln>
-              <a:noFill/>
-            </a:ln>
-          </p:spPr>
-          <p:style>
-            <a:lnRef idx="2">
-              <a:schemeClr val="accent1">
-                <a:shade val="50000"/>
-              </a:schemeClr>
-            </a:lnRef>
-            <a:fillRef idx="1">
-              <a:schemeClr val="accent1"/>
-            </a:fillRef>
-            <a:effectRef idx="0">
-              <a:schemeClr val="accent1"/>
-            </a:effectRef>
-            <a:fontRef idx="minor">
-              <a:schemeClr val="lt1"/>
-            </a:fontRef>
-          </p:style>
-          <p:txBody>
-            <a:bodyPr rtlCol="0" anchor="ctr"/>
-            <a:lstStyle/>
-            <a:p>
-              <a:pPr algn="ctr"/>
-              <a:endParaRPr lang="en-US"/>
-            </a:p>
-          </p:txBody>
-        </p:sp>
-        <p:sp>
-          <p:nvSpPr>
-            <p:cNvPr id="3091" name="Rectangle 3090">
-              <a:extLst>
-                <a:ext uri="{FF2B5EF4-FFF2-40B4-BE49-F238E27FC236}">
-                  <a16:creationId xmlns:a16="http://schemas.microsoft.com/office/drawing/2014/main" id="{F399A70F-F8CD-4992-9EF5-6CF15472E73F}"/>
-                </a:ext>
-                <a:ext uri="{C183D7F6-B498-43B3-948B-1728B52AA6E4}">
-                  <adec:decorative xmlns:adec="http://schemas.microsoft.com/office/drawing/2017/decorative" val="1"/>
-                </a:ext>
-              </a:extLst>
-            </p:cNvPr>
-            <p:cNvSpPr/>
-            <p:nvPr>
-              <p:extLst>
-                <p:ext uri="{386F3935-93C4-4BCD-93E2-E3B085C9AB24}">
-                  <p16:designElem xmlns:p16="http://schemas.microsoft.com/office/powerpoint/2015/main" val="1"/>
-                </p:ext>
-              </p:extLst>
-            </p:nvPr>
-          </p:nvSpPr>
-          <p:spPr>
-            <a:xfrm>
-              <a:off x="4715626" y="308034"/>
-              <a:ext cx="566743" cy="3428999"/>
-            </a:xfrm>
-            <a:prstGeom prst="rect">
-              <a:avLst/>
-            </a:prstGeom>
-            <a:grpFill/>
-            <a:ln>
-              <a:noFill/>
-            </a:ln>
-          </p:spPr>
-          <p:style>
-            <a:lnRef idx="2">
-              <a:schemeClr val="accent1">
-                <a:shade val="50000"/>
-              </a:schemeClr>
-            </a:lnRef>
-            <a:fillRef idx="1">
-              <a:schemeClr val="accent1"/>
-            </a:fillRef>
-            <a:effectRef idx="0">
-              <a:schemeClr val="accent1"/>
-            </a:effectRef>
-            <a:fontRef idx="minor">
-              <a:schemeClr val="lt1"/>
-            </a:fontRef>
-          </p:style>
-          <p:txBody>
-            <a:bodyPr rtlCol="0" anchor="ctr"/>
-            <a:lstStyle/>
-            <a:p>
-              <a:pPr algn="ctr"/>
-              <a:endParaRPr lang="en-US"/>
-            </a:p>
-          </p:txBody>
-        </p:sp>
-        <p:sp>
-          <p:nvSpPr>
-            <p:cNvPr id="3084" name="Rectangle 3083">
-              <a:extLst>
-                <a:ext uri="{FF2B5EF4-FFF2-40B4-BE49-F238E27FC236}">
-                  <a16:creationId xmlns:a16="http://schemas.microsoft.com/office/drawing/2014/main" id="{48F4FEDC-6D80-458C-A665-075D9B9500FD}"/>
-                </a:ext>
-                <a:ext uri="{C183D7F6-B498-43B3-948B-1728B52AA6E4}">
-                  <adec:decorative xmlns:adec="http://schemas.microsoft.com/office/drawing/2017/decorative" val="1"/>
-                </a:ext>
-              </a:extLst>
-            </p:cNvPr>
-            <p:cNvSpPr/>
-            <p:nvPr>
-              <p:extLst>
-                <p:ext uri="{386F3935-93C4-4BCD-93E2-E3B085C9AB24}">
-                  <p16:designElem xmlns:p16="http://schemas.microsoft.com/office/powerpoint/2015/main" val="1"/>
-                </p:ext>
-              </p:extLst>
-            </p:nvPr>
-          </p:nvSpPr>
-          <p:spPr>
-            <a:xfrm>
-              <a:off x="5490650" y="308034"/>
-              <a:ext cx="566743" cy="3428999"/>
-            </a:xfrm>
-            <a:prstGeom prst="rect">
-              <a:avLst/>
-            </a:prstGeom>
-            <a:grpFill/>
-            <a:ln>
-              <a:noFill/>
-            </a:ln>
-          </p:spPr>
-          <p:style>
-            <a:lnRef idx="2">
-              <a:schemeClr val="accent1">
-                <a:shade val="50000"/>
-              </a:schemeClr>
-            </a:lnRef>
-            <a:fillRef idx="1">
-              <a:schemeClr val="accent1"/>
-            </a:fillRef>
-            <a:effectRef idx="0">
-              <a:schemeClr val="accent1"/>
-            </a:effectRef>
-            <a:fontRef idx="minor">
-              <a:schemeClr val="lt1"/>
-            </a:fontRef>
-          </p:style>
-          <p:txBody>
-            <a:bodyPr rtlCol="0" anchor="ctr"/>
-            <a:lstStyle/>
-            <a:p>
-              <a:pPr algn="ctr"/>
-              <a:endParaRPr lang="en-US"/>
-            </a:p>
-          </p:txBody>
-        </p:sp>
-      </p:grpSp>
-      <p:sp>
-        <p:nvSpPr>
-          <p:cNvPr id="3086" name="Rectangle 3085">
-            <a:extLst>
-              <a:ext uri="{FF2B5EF4-FFF2-40B4-BE49-F238E27FC236}">
-                <a16:creationId xmlns:a16="http://schemas.microsoft.com/office/drawing/2014/main" id="{B81933D1-5615-42C7-9C0B-4EB7105CCE2D}"/>
-              </a:ext>
-              <a:ext uri="{C183D7F6-B498-43B3-948B-1728B52AA6E4}">
-                <adec:decorative xmlns:adec="http://schemas.microsoft.com/office/drawing/2017/decorative" val="1"/>
-              </a:ext>
-            </a:extLst>
-          </p:cNvPr>
-          <p:cNvSpPr>
-            <a:spLocks noGrp="1" noRot="1" noChangeAspect="1" noMove="1" noResize="1" noEditPoints="1" noAdjustHandles="1" noChangeArrowheads="1" noChangeShapeType="1" noTextEdit="1"/>
-          </p:cNvSpPr>
-          <p:nvPr>
-            <p:extLst>
-              <p:ext uri="{386F3935-93C4-4BCD-93E2-E3B085C9AB24}">
-                <p16:designElem xmlns:p16="http://schemas.microsoft.com/office/powerpoint/2015/main" val="1"/>
-              </p:ext>
-            </p:extLst>
-          </p:nvPr>
-        </p:nvSpPr>
-        <p:spPr>
-          <a:xfrm flipH="1">
-            <a:off x="10697670" y="0"/>
-            <a:ext cx="1494330" cy="6858000"/>
-          </a:xfrm>
-          <a:prstGeom prst="rect">
-            <a:avLst/>
-          </a:prstGeom>
-          <a:solidFill>
-            <a:schemeClr val="accent4"/>
-          </a:solidFill>
-          <a:ln>
-            <a:noFill/>
-          </a:ln>
-        </p:spPr>
-        <p:style>
-          <a:lnRef idx="2">
-            <a:schemeClr val="accent1">
-              <a:shade val="50000"/>
-            </a:schemeClr>
-          </a:lnRef>
-          <a:fillRef idx="1">
-            <a:schemeClr val="accent1"/>
-          </a:fillRef>
-          <a:effectRef idx="0">
-            <a:schemeClr val="accent1"/>
-          </a:effectRef>
-          <a:fontRef idx="minor">
-            <a:schemeClr val="lt1"/>
-          </a:fontRef>
-        </p:style>
-        <p:txBody>
-          <a:bodyPr rtlCol="0" anchor="ctr"/>
-          <a:lstStyle/>
-          <a:p>
-            <a:pPr algn="ctr"/>
-            <a:endParaRPr lang="en-US"/>
-          </a:p>
-        </p:txBody>
-      </p:sp>
-      <p:sp>
-        <p:nvSpPr>
-          <p:cNvPr id="3088" name="Rectangle 3087">
-            <a:extLst>
-              <a:ext uri="{FF2B5EF4-FFF2-40B4-BE49-F238E27FC236}">
-                <a16:creationId xmlns:a16="http://schemas.microsoft.com/office/drawing/2014/main" id="{19C9EAEA-39D0-4B0E-A0EB-51E7B26740B1}"/>
-              </a:ext>
-              <a:ext uri="{C183D7F6-B498-43B3-948B-1728B52AA6E4}">
-                <adec:decorative xmlns:adec="http://schemas.microsoft.com/office/drawing/2017/decorative" val="1"/>
-              </a:ext>
-            </a:extLst>
-          </p:cNvPr>
-          <p:cNvSpPr>
-            <a:spLocks noGrp="1" noRot="1" noChangeAspect="1" noMove="1" noResize="1" noEditPoints="1" noAdjustHandles="1" noChangeArrowheads="1" noChangeShapeType="1" noTextEdit="1"/>
-          </p:cNvSpPr>
-          <p:nvPr>
-            <p:extLst>
-              <p:ext uri="{386F3935-93C4-4BCD-93E2-E3B085C9AB24}">
-                <p16:designElem xmlns:p16="http://schemas.microsoft.com/office/powerpoint/2015/main" val="1"/>
-              </p:ext>
-            </p:extLst>
-          </p:nvPr>
-        </p:nvSpPr>
-        <p:spPr>
-          <a:xfrm>
-            <a:off x="5685810" y="391886"/>
-            <a:ext cx="6009366" cy="6017078"/>
-          </a:xfrm>
-          <a:prstGeom prst="rect">
-            <a:avLst/>
-          </a:prstGeom>
-          <a:solidFill>
-            <a:schemeClr val="bg1"/>
-          </a:solidFill>
-          <a:ln>
-            <a:noFill/>
-          </a:ln>
-          <a:effectLst>
-            <a:outerShdw blurRad="139700" dist="127000" dir="5400000" algn="t" rotWithShape="0">
-              <a:prstClr val="black">
-                <a:alpha val="15000"/>
-              </a:prstClr>
-            </a:outerShdw>
-          </a:effectLst>
-        </p:spPr>
-        <p:style>
-          <a:lnRef idx="2">
-            <a:schemeClr val="accent1">
-              <a:shade val="50000"/>
-            </a:schemeClr>
-          </a:lnRef>
-          <a:fillRef idx="1">
-            <a:schemeClr val="accent1"/>
-          </a:fillRef>
-          <a:effectRef idx="0">
-            <a:schemeClr val="accent1"/>
-          </a:effectRef>
-          <a:fontRef idx="minor">
-            <a:schemeClr val="lt1"/>
-          </a:fontRef>
-        </p:style>
-        <p:txBody>
-          <a:bodyPr rtlCol="0" anchor="ctr"/>
-          <a:lstStyle/>
-          <a:p>
-            <a:pPr algn="ctr"/>
-            <a:endParaRPr lang="en-US"/>
-          </a:p>
-        </p:txBody>
-      </p:sp>
-      <p:pic>
-        <p:nvPicPr>
-          <p:cNvPr id="3074" name="Picture 2" descr="Least Privilege Example 4: Limit Third Party Access">
-            <a:extLst>
-              <a:ext uri="{FF2B5EF4-FFF2-40B4-BE49-F238E27FC236}">
-                <a16:creationId xmlns:a16="http://schemas.microsoft.com/office/drawing/2014/main" id="{9D14A90E-B051-149B-C772-89EE64DB4D1A}"/>
-              </a:ext>
-            </a:extLst>
-          </p:cNvPr>
-          <p:cNvPicPr>
-            <a:picLocks noGrp="1" noChangeAspect="1" noChangeArrowheads="1"/>
-          </p:cNvPicPr>
-          <p:nvPr>
-            <p:ph idx="1"/>
-          </p:nvPr>
-        </p:nvPicPr>
-        <p:blipFill>
-          <a:blip r:embed="rId3">
-            <a:extLst>
-              <a:ext uri="{28A0092B-C50C-407E-A947-70E740481C1C}">
-                <a14:useLocalDpi xmlns:a14="http://schemas.microsoft.com/office/drawing/2010/main" val="0"/>
-              </a:ext>
-            </a:extLst>
-          </a:blip>
-          <a:stretch>
-            <a:fillRect/>
-          </a:stretch>
-        </p:blipFill>
-        <p:spPr bwMode="auto">
-          <a:xfrm>
-            <a:off x="4977245" y="-532660"/>
-            <a:ext cx="5721925" cy="7784933"/>
-          </a:xfrm>
-          <a:prstGeom prst="rect">
-            <a:avLst/>
-          </a:prstGeom>
-          <a:noFill/>
-          <a:extLst>
-            <a:ext uri="{909E8E84-426E-40DD-AFC4-6F175D3DCCD1}">
-              <a14:hiddenFill xmlns:a14="http://schemas.microsoft.com/office/drawing/2010/main">
-                <a:solidFill>
-                  <a:srgbClr val="FFFFFF"/>
-                </a:solidFill>
-              </a14:hiddenFill>
-            </a:ext>
-          </a:extLst>
-        </p:spPr>
-      </p:pic>
-    </p:spTree>
-    <p:extLst>
-      <p:ext uri="{BB962C8B-B14F-4D97-AF65-F5344CB8AC3E}">
-        <p14:creationId xmlns:p14="http://schemas.microsoft.com/office/powerpoint/2010/main" val="1326464736"/>
-      </p:ext>
-    </p:extLst>
-  </p:cSld>
-  <p:clrMapOvr>
-    <a:masterClrMapping/>
-  </p:clrMapOvr>
-  <mc:AlternateContent xmlns:mc="http://schemas.openxmlformats.org/markup-compatibility/2006">
-    <mc:Choice xmlns:p14="http://schemas.microsoft.com/office/powerpoint/2010/main" Requires="p14">
-      <p:transition spd="med" p14:dur="700">
-        <p:fade/>
-      </p:transition>
-    </mc:Choice>
-    <mc:Fallback>
-      <p:transition spd="med">
-        <p:fade/>
-      </p:transition>
-    </mc:Fallback>
-  </mc:AlternateContent>
-  <p:timing>
-    <p:tnLst>
-      <p:par>
-        <p:cTn id="1" dur="indefinite" restart="never" nodeType="tmRoot">
-          <p:childTnLst>
-            <p:seq concurrent="1" nextAc="seek">
-              <p:cTn id="2" dur="indefinite" nodeType="mainSeq">
-                <p:childTnLst>
-                  <p:par>
-                    <p:cTn id="3" fill="hold">
-                      <p:stCondLst>
-                        <p:cond delay="indefinite"/>
-                      </p:stCondLst>
-                      <p:childTnLst>
-                        <p:par>
-                          <p:cTn id="4" fill="hold">
-                            <p:stCondLst>
-                              <p:cond delay="0"/>
-                            </p:stCondLst>
-                            <p:childTnLst>
-                              <p:par>
-                                <p:cTn id="5" presetID="42" presetClass="entr" presetSubtype="0" fill="hold" grpId="0" nodeType="clickEffect">
-                                  <p:stCondLst>
-                                    <p:cond delay="0"/>
-                                  </p:stCondLst>
-                                  <p:childTnLst>
-                                    <p:set>
-                                      <p:cBhvr>
-                                        <p:cTn id="6" dur="1" fill="hold">
-                                          <p:stCondLst>
-                                            <p:cond delay="0"/>
-                                          </p:stCondLst>
-                                        </p:cTn>
-                                        <p:tgtEl>
-                                          <p:spTgt spid="2"/>
-                                        </p:tgtEl>
-                                        <p:attrNameLst>
-                                          <p:attrName>style.visibility</p:attrName>
-                                        </p:attrNameLst>
-                                      </p:cBhvr>
-                                      <p:to>
-                                        <p:strVal val="visible"/>
-                                      </p:to>
-                                    </p:set>
-                                    <p:animEffect transition="in" filter="fade">
-                                      <p:cBhvr>
-                                        <p:cTn id="7" dur="1000"/>
-                                        <p:tgtEl>
-                                          <p:spTgt spid="2"/>
-                                        </p:tgtEl>
-                                      </p:cBhvr>
-                                    </p:animEffect>
-                                    <p:anim calcmode="lin" valueType="num">
-                                      <p:cBhvr>
-                                        <p:cTn id="8" dur="1000" fill="hold"/>
-                                        <p:tgtEl>
-                                          <p:spTgt spid="2"/>
-                                        </p:tgtEl>
-                                        <p:attrNameLst>
-                                          <p:attrName>ppt_x</p:attrName>
-                                        </p:attrNameLst>
-                                      </p:cBhvr>
-                                      <p:tavLst>
-                                        <p:tav tm="0">
-                                          <p:val>
-                                            <p:strVal val="#ppt_x"/>
-                                          </p:val>
-                                        </p:tav>
-                                        <p:tav tm="100000">
-                                          <p:val>
-                                            <p:strVal val="#ppt_x"/>
-                                          </p:val>
-                                        </p:tav>
-                                      </p:tavLst>
-                                    </p:anim>
-                                    <p:anim calcmode="lin" valueType="num">
-                                      <p:cBhvr>
-                                        <p:cTn id="9" dur="1000" fill="hold"/>
-                                        <p:tgtEl>
-                                          <p:spTgt spid="2"/>
-                                        </p:tgtEl>
-                                        <p:attrNameLst>
-                                          <p:attrName>ppt_y</p:attrName>
-                                        </p:attrNameLst>
-                                      </p:cBhvr>
-                                      <p:tavLst>
-                                        <p:tav tm="0">
-                                          <p:val>
-                                            <p:strVal val="#ppt_y+.1"/>
-                                          </p:val>
-                                        </p:tav>
-                                        <p:tav tm="100000">
-                                          <p:val>
-                                            <p:strVal val="#ppt_y"/>
-                                          </p:val>
-                                        </p:tav>
-                                      </p:tavLst>
-                                    </p:anim>
-                                  </p:childTnLst>
-                                </p:cTn>
-                              </p:par>
-                            </p:childTnLst>
-                          </p:cTn>
-                        </p:par>
-                      </p:childTnLst>
-                    </p:cTn>
-                  </p:par>
-                  <p:par>
-                    <p:cTn id="10" fill="hold">
-                      <p:stCondLst>
-                        <p:cond delay="indefinite"/>
-                      </p:stCondLst>
-                      <p:childTnLst>
-                        <p:par>
-                          <p:cTn id="11" fill="hold">
-                            <p:stCondLst>
-                              <p:cond delay="0"/>
-                            </p:stCondLst>
-                            <p:childTnLst>
-                              <p:par>
-                                <p:cTn id="12" presetID="2" presetClass="entr" presetSubtype="4" fill="hold" grpId="0" nodeType="clickEffect">
-                                  <p:stCondLst>
-                                    <p:cond delay="0"/>
-                                  </p:stCondLst>
-                                  <p:childTnLst>
-                                    <p:set>
-                                      <p:cBhvr>
-                                        <p:cTn id="13" dur="1" fill="hold">
-                                          <p:stCondLst>
-                                            <p:cond delay="0"/>
-                                          </p:stCondLst>
-                                        </p:cTn>
-                                        <p:tgtEl>
-                                          <p:spTgt spid="4"/>
-                                        </p:tgtEl>
-                                        <p:attrNameLst>
-                                          <p:attrName>style.visibility</p:attrName>
-                                        </p:attrNameLst>
-                                      </p:cBhvr>
-                                      <p:to>
-                                        <p:strVal val="visible"/>
-                                      </p:to>
-                                    </p:set>
-                                    <p:anim calcmode="lin" valueType="num">
-                                      <p:cBhvr additive="base">
-                                        <p:cTn id="14" dur="500" fill="hold"/>
-                                        <p:tgtEl>
-                                          <p:spTgt spid="4"/>
-                                        </p:tgtEl>
-                                        <p:attrNameLst>
-                                          <p:attrName>ppt_x</p:attrName>
-                                        </p:attrNameLst>
-                                      </p:cBhvr>
-                                      <p:tavLst>
-                                        <p:tav tm="0">
-                                          <p:val>
-                                            <p:strVal val="#ppt_x"/>
-                                          </p:val>
-                                        </p:tav>
-                                        <p:tav tm="100000">
-                                          <p:val>
-                                            <p:strVal val="#ppt_x"/>
-                                          </p:val>
-                                        </p:tav>
-                                      </p:tavLst>
-                                    </p:anim>
-                                    <p:anim calcmode="lin" valueType="num">
-                                      <p:cBhvr additive="base">
-                                        <p:cTn id="15" dur="500" fill="hold"/>
-                                        <p:tgtEl>
-                                          <p:spTgt spid="4"/>
-                                        </p:tgtEl>
-                                        <p:attrNameLst>
-                                          <p:attrName>ppt_y</p:attrName>
-                                        </p:attrNameLst>
-                                      </p:cBhvr>
-                                      <p:tavLst>
-                                        <p:tav tm="0">
-                                          <p:val>
-                                            <p:strVal val="1+#ppt_h/2"/>
-                                          </p:val>
-                                        </p:tav>
-                                        <p:tav tm="100000">
-                                          <p:val>
-                                            <p:strVal val="#ppt_y"/>
-                                          </p:val>
-                                        </p:tav>
-                                      </p:tavLst>
-                                    </p:anim>
-                                  </p:childTnLst>
-                                </p:cTn>
-                              </p:par>
-                            </p:childTnLst>
-                          </p:cTn>
-                        </p:par>
-                      </p:childTnLst>
-                    </p:cTn>
-                  </p:par>
-                  <p:par>
-                    <p:cTn id="16" fill="hold">
-                      <p:stCondLst>
-                        <p:cond delay="indefinite"/>
-                      </p:stCondLst>
-                      <p:childTnLst>
-                        <p:par>
-                          <p:cTn id="17" fill="hold">
-                            <p:stCondLst>
-                              <p:cond delay="0"/>
-                            </p:stCondLst>
-                            <p:childTnLst>
-                              <p:par>
-                                <p:cTn id="18" presetID="10" presetClass="entr" presetSubtype="0" fill="hold" nodeType="clickEffect">
-                                  <p:stCondLst>
-                                    <p:cond delay="0"/>
-                                  </p:stCondLst>
-                                  <p:childTnLst>
-                                    <p:set>
-                                      <p:cBhvr>
-                                        <p:cTn id="19" dur="1" fill="hold">
-                                          <p:stCondLst>
-                                            <p:cond delay="0"/>
-                                          </p:stCondLst>
-                                        </p:cTn>
-                                        <p:tgtEl>
-                                          <p:spTgt spid="3074"/>
-                                        </p:tgtEl>
-                                        <p:attrNameLst>
-                                          <p:attrName>style.visibility</p:attrName>
-                                        </p:attrNameLst>
-                                      </p:cBhvr>
-                                      <p:to>
-                                        <p:strVal val="visible"/>
-                                      </p:to>
-                                    </p:set>
-                                    <p:animEffect transition="in" filter="fade">
-                                      <p:cBhvr>
-                                        <p:cTn id="20" dur="500"/>
-                                        <p:tgtEl>
-                                          <p:spTgt spid="3074"/>
-                                        </p:tgtEl>
-                                      </p:cBhvr>
-                                    </p:animEffect>
-                                  </p:childTnLst>
-                                </p:cTn>
-                              </p:par>
-                            </p:childTnLst>
-                          </p:cTn>
-                        </p:par>
-                      </p:childTnLst>
-                    </p:cTn>
-                  </p:par>
-                </p:childTnLst>
-              </p:cTn>
-              <p:prevCondLst>
-                <p:cond evt="onPrev" delay="0">
-                  <p:tgtEl>
-                    <p:sldTgt/>
-                  </p:tgtEl>
-                </p:cond>
-              </p:prevCondLst>
-              <p:nextCondLst>
-                <p:cond evt="onNext" delay="0">
-                  <p:tgtEl>
-                    <p:sldTgt/>
-                  </p:tgtEl>
-                </p:cond>
-              </p:nextCondLst>
-            </p:seq>
-          </p:childTnLst>
-        </p:cTn>
-      </p:par>
-    </p:tnLst>
-    <p:bldLst>
-      <p:bldP spid="2" grpId="0"/>
-      <p:bldP spid="4" grpId="0"/>
-    </p:bldLst>
-  </p:timing>
 </p:sld>
 </file>
 
 <file path=ppt/slides/slide7.xml><?xml version="1.0" encoding="utf-8"?>
-<p:sld xmlns:a="http://schemas.openxmlformats.org/drawingml/2006/main" xmlns:r="http://schemas.openxmlformats.org/officeDocument/2006/relationships" xmlns:p="http://schemas.openxmlformats.org/presentationml/2006/main">
-  <p:cSld>
-    <p:bg>
-      <p:bgPr>
-        <a:solidFill>
-          <a:schemeClr val="bg1"/>
-        </a:solidFill>
-        <a:effectLst/>
-      </p:bgPr>
-    </p:bg>
-    <p:spTree>
-      <p:nvGrpSpPr>
-        <p:cNvPr id="1" name=""/>
-        <p:cNvGrpSpPr/>
-        <p:nvPr/>
-      </p:nvGrpSpPr>
-      <p:grpSpPr>
-        <a:xfrm>
-          <a:off x="0" y="0"/>
-          <a:ext cx="0" cy="0"/>
-          <a:chOff x="0" y="0"/>
-          <a:chExt cx="0" cy="0"/>
-        </a:xfrm>
-      </p:grpSpPr>
-      <p:sp useBgFill="1">
-        <p:nvSpPr>
-          <p:cNvPr id="10" name="Rectangle 9">
-            <a:extLst>
-              <a:ext uri="{FF2B5EF4-FFF2-40B4-BE49-F238E27FC236}">
-                <a16:creationId xmlns:a16="http://schemas.microsoft.com/office/drawing/2014/main" id="{BACC6370-2D7E-4714-9D71-7542949D7D5D}"/>
-              </a:ext>
-              <a:ext uri="{C183D7F6-B498-43B3-948B-1728B52AA6E4}">
-                <adec:decorative xmlns:adec="http://schemas.microsoft.com/office/drawing/2017/decorative" val="1"/>
-              </a:ext>
-            </a:extLst>
-          </p:cNvPr>
-          <p:cNvSpPr>
-            <a:spLocks noGrp="1" noRot="1" noChangeAspect="1" noMove="1" noResize="1" noEditPoints="1" noAdjustHandles="1" noChangeArrowheads="1" noChangeShapeType="1" noTextEdit="1"/>
-          </p:cNvSpPr>
-          <p:nvPr>
-            <p:extLst>
-              <p:ext uri="{386F3935-93C4-4BCD-93E2-E3B085C9AB24}">
-                <p16:designElem xmlns:p16="http://schemas.microsoft.com/office/powerpoint/2015/main" val="1"/>
-              </p:ext>
-            </p:extLst>
-          </p:nvPr>
-        </p:nvSpPr>
-        <p:spPr>
-          <a:xfrm>
-            <a:off x="0" y="0"/>
-            <a:ext cx="12192000" cy="6858000"/>
-          </a:xfrm>
-          <a:prstGeom prst="rect">
-            <a:avLst/>
-          </a:prstGeom>
-          <a:ln w="12700" cap="flat" cmpd="sng" algn="ctr">
-            <a:noFill/>
-            <a:prstDash val="solid"/>
-            <a:miter lim="800000"/>
-          </a:ln>
-          <a:effectLst/>
-          <a:extLst>
-            <a:ext uri="{91240B29-F687-4F45-9708-019B960494DF}">
-              <a14:hiddenLine xmlns:a14="http://schemas.microsoft.com/office/drawing/2010/main" w="12700" cap="flat" cmpd="sng" algn="ctr">
-                <a:solidFill>
-                  <a:schemeClr val="accent1">
-                    <a:shade val="50000"/>
-                  </a:schemeClr>
-                </a:solidFill>
-                <a:prstDash val="solid"/>
-                <a:miter lim="800000"/>
-              </a14:hiddenLine>
-            </a:ext>
-          </a:extLst>
-        </p:spPr>
-        <p:style>
-          <a:lnRef idx="2">
-            <a:schemeClr val="accent1">
-              <a:shade val="50000"/>
-            </a:schemeClr>
-          </a:lnRef>
-          <a:fillRef idx="1">
-            <a:schemeClr val="accent1"/>
-          </a:fillRef>
-          <a:effectRef idx="0">
-            <a:schemeClr val="accent1"/>
-          </a:effectRef>
-          <a:fontRef idx="minor">
-            <a:schemeClr val="lt1"/>
-          </a:fontRef>
-        </p:style>
-        <p:txBody>
-          <a:bodyPr rtlCol="0" anchor="ctr"/>
-          <a:lstStyle/>
-          <a:p>
-            <a:pPr algn="ctr"/>
-            <a:endParaRPr lang="en-US"/>
-          </a:p>
-        </p:txBody>
-      </p:sp>
-      <p:sp>
-        <p:nvSpPr>
-          <p:cNvPr id="12" name="Rectangle 11">
-            <a:extLst>
-              <a:ext uri="{FF2B5EF4-FFF2-40B4-BE49-F238E27FC236}">
-                <a16:creationId xmlns:a16="http://schemas.microsoft.com/office/drawing/2014/main" id="{F68B3F68-107C-434F-AA38-110D5EA91B85}"/>
-              </a:ext>
-              <a:ext uri="{C183D7F6-B498-43B3-948B-1728B52AA6E4}">
-                <adec:decorative xmlns:adec="http://schemas.microsoft.com/office/drawing/2017/decorative" val="1"/>
-              </a:ext>
-            </a:extLst>
-          </p:cNvPr>
-          <p:cNvSpPr>
-            <a:spLocks noGrp="1" noRot="1" noChangeAspect="1" noMove="1" noResize="1" noEditPoints="1" noAdjustHandles="1" noChangeArrowheads="1" noChangeShapeType="1" noTextEdit="1"/>
-          </p:cNvSpPr>
-          <p:nvPr>
-            <p:extLst>
-              <p:ext uri="{386F3935-93C4-4BCD-93E2-E3B085C9AB24}">
-                <p16:designElem xmlns:p16="http://schemas.microsoft.com/office/powerpoint/2015/main" val="1"/>
-              </p:ext>
-            </p:extLst>
-          </p:nvPr>
-        </p:nvSpPr>
-        <p:spPr>
-          <a:xfrm flipH="1">
-            <a:off x="2" y="0"/>
-            <a:ext cx="12191998" cy="2170031"/>
-          </a:xfrm>
-          <a:prstGeom prst="rect">
-            <a:avLst/>
-          </a:prstGeom>
-          <a:gradFill>
-            <a:gsLst>
-              <a:gs pos="0">
-                <a:srgbClr val="000000">
-                  <a:alpha val="96000"/>
-                </a:srgbClr>
-              </a:gs>
-              <a:gs pos="100000">
-                <a:schemeClr val="accent1">
-                  <a:lumMod val="75000"/>
-                </a:schemeClr>
-              </a:gs>
-            </a:gsLst>
-            <a:lin ang="19800000" scaled="0"/>
-          </a:gradFill>
-          <a:ln>
-            <a:noFill/>
-          </a:ln>
-        </p:spPr>
-        <p:style>
-          <a:lnRef idx="2">
-            <a:schemeClr val="accent1">
-              <a:shade val="50000"/>
-            </a:schemeClr>
-          </a:lnRef>
-          <a:fillRef idx="1">
-            <a:schemeClr val="accent1"/>
-          </a:fillRef>
-          <a:effectRef idx="0">
-            <a:schemeClr val="accent1"/>
-          </a:effectRef>
-          <a:fontRef idx="minor">
-            <a:schemeClr val="lt1"/>
-          </a:fontRef>
-        </p:style>
-        <p:txBody>
-          <a:bodyPr rtlCol="0" anchor="ctr"/>
-          <a:lstStyle/>
-          <a:p>
-            <a:pPr algn="ctr"/>
-            <a:endParaRPr lang="en-US"/>
-          </a:p>
-        </p:txBody>
-      </p:sp>
-      <p:sp>
-        <p:nvSpPr>
-          <p:cNvPr id="14" name="Rectangle 13">
-            <a:extLst>
-              <a:ext uri="{FF2B5EF4-FFF2-40B4-BE49-F238E27FC236}">
-                <a16:creationId xmlns:a16="http://schemas.microsoft.com/office/drawing/2014/main" id="{AAD0DBB9-1A4B-4391-81D4-CB19F9AB918A}"/>
-              </a:ext>
-              <a:ext uri="{C183D7F6-B498-43B3-948B-1728B52AA6E4}">
-                <adec:decorative xmlns:adec="http://schemas.microsoft.com/office/drawing/2017/decorative" val="1"/>
-              </a:ext>
-            </a:extLst>
-          </p:cNvPr>
-          <p:cNvSpPr>
-            <a:spLocks noGrp="1" noRot="1" noChangeAspect="1" noMove="1" noResize="1" noEditPoints="1" noAdjustHandles="1" noChangeArrowheads="1" noChangeShapeType="1" noTextEdit="1"/>
-          </p:cNvSpPr>
-          <p:nvPr>
-            <p:extLst>
-              <p:ext uri="{386F3935-93C4-4BCD-93E2-E3B085C9AB24}">
-                <p16:designElem xmlns:p16="http://schemas.microsoft.com/office/powerpoint/2015/main" val="1"/>
-              </p:ext>
-            </p:extLst>
-          </p:nvPr>
-        </p:nvSpPr>
-        <p:spPr>
-          <a:xfrm flipH="1">
-            <a:off x="8082819" y="0"/>
-            <a:ext cx="4097211" cy="2170661"/>
-          </a:xfrm>
-          <a:prstGeom prst="rect">
-            <a:avLst/>
-          </a:prstGeom>
-          <a:gradFill>
-            <a:gsLst>
-              <a:gs pos="19000">
-                <a:schemeClr val="accent1">
-                  <a:lumMod val="50000"/>
-                  <a:alpha val="68000"/>
-                </a:schemeClr>
-              </a:gs>
-              <a:gs pos="100000">
-                <a:schemeClr val="accent1">
-                  <a:alpha val="48000"/>
-                </a:schemeClr>
-              </a:gs>
-            </a:gsLst>
-            <a:lin ang="19200000" scaled="0"/>
-          </a:gradFill>
-          <a:ln>
-            <a:noFill/>
-          </a:ln>
-        </p:spPr>
-        <p:style>
-          <a:lnRef idx="2">
-            <a:schemeClr val="accent1">
-              <a:shade val="50000"/>
-            </a:schemeClr>
-          </a:lnRef>
-          <a:fillRef idx="1">
-            <a:schemeClr val="accent1"/>
-          </a:fillRef>
-          <a:effectRef idx="0">
-            <a:schemeClr val="accent1"/>
-          </a:effectRef>
-          <a:fontRef idx="minor">
-            <a:schemeClr val="lt1"/>
-          </a:fontRef>
-        </p:style>
-        <p:txBody>
-          <a:bodyPr rtlCol="0" anchor="ctr"/>
-          <a:lstStyle/>
-          <a:p>
-            <a:pPr algn="ctr"/>
-            <a:endParaRPr lang="en-US"/>
-          </a:p>
-        </p:txBody>
-      </p:sp>
-      <p:sp>
-        <p:nvSpPr>
-          <p:cNvPr id="16" name="Rectangle 15">
-            <a:extLst>
-              <a:ext uri="{FF2B5EF4-FFF2-40B4-BE49-F238E27FC236}">
-                <a16:creationId xmlns:a16="http://schemas.microsoft.com/office/drawing/2014/main" id="{063BBA22-50EA-4C4D-BE05-F1CE4E63AA56}"/>
-              </a:ext>
-              <a:ext uri="{C183D7F6-B498-43B3-948B-1728B52AA6E4}">
-                <adec:decorative xmlns:adec="http://schemas.microsoft.com/office/drawing/2017/decorative" val="1"/>
-              </a:ext>
-            </a:extLst>
-          </p:cNvPr>
-          <p:cNvSpPr>
-            <a:spLocks noGrp="1" noRot="1" noChangeAspect="1" noMove="1" noResize="1" noEditPoints="1" noAdjustHandles="1" noChangeArrowheads="1" noChangeShapeType="1" noTextEdit="1"/>
-          </p:cNvSpPr>
-          <p:nvPr>
-            <p:extLst>
-              <p:ext uri="{386F3935-93C4-4BCD-93E2-E3B085C9AB24}">
-                <p16:designElem xmlns:p16="http://schemas.microsoft.com/office/powerpoint/2015/main" val="1"/>
-              </p:ext>
-            </p:extLst>
-          </p:nvPr>
-        </p:nvSpPr>
-        <p:spPr>
-          <a:xfrm rot="16200000" flipH="1">
-            <a:off x="5010646" y="-5010043"/>
-            <a:ext cx="2170709" cy="12192000"/>
-          </a:xfrm>
-          <a:prstGeom prst="rect">
-            <a:avLst/>
-          </a:prstGeom>
-          <a:gradFill>
-            <a:gsLst>
-              <a:gs pos="23000">
-                <a:schemeClr val="accent1">
-                  <a:lumMod val="75000"/>
-                  <a:alpha val="16000"/>
-                </a:schemeClr>
-              </a:gs>
-              <a:gs pos="99000">
-                <a:srgbClr val="000000">
-                  <a:alpha val="45000"/>
-                </a:srgbClr>
-              </a:gs>
-            </a:gsLst>
-            <a:lin ang="21000000" scaled="0"/>
-          </a:gradFill>
-          <a:ln>
-            <a:noFill/>
-          </a:ln>
-        </p:spPr>
-        <p:style>
-          <a:lnRef idx="2">
-            <a:schemeClr val="accent1">
-              <a:shade val="50000"/>
-            </a:schemeClr>
-          </a:lnRef>
-          <a:fillRef idx="1">
-            <a:schemeClr val="accent1"/>
-          </a:fillRef>
-          <a:effectRef idx="0">
-            <a:schemeClr val="accent1"/>
-          </a:effectRef>
-          <a:fontRef idx="minor">
-            <a:schemeClr val="lt1"/>
-          </a:fontRef>
-        </p:style>
-        <p:txBody>
-          <a:bodyPr rtlCol="0" anchor="ctr"/>
-          <a:lstStyle/>
-          <a:p>
-            <a:pPr algn="ctr"/>
-            <a:endParaRPr lang="en-US" dirty="0"/>
-          </a:p>
-        </p:txBody>
-      </p:sp>
-      <p:sp>
-        <p:nvSpPr>
-          <p:cNvPr id="2" name="Title 1">
-            <a:extLst>
-              <a:ext uri="{FF2B5EF4-FFF2-40B4-BE49-F238E27FC236}">
-                <a16:creationId xmlns:a16="http://schemas.microsoft.com/office/drawing/2014/main" id="{CAA956C5-3F1C-1EEC-96D3-76C1D22C6ABF}"/>
-              </a:ext>
-            </a:extLst>
-          </p:cNvPr>
-          <p:cNvSpPr>
-            <a:spLocks noGrp="1"/>
-          </p:cNvSpPr>
-          <p:nvPr>
-            <p:ph type="title"/>
-          </p:nvPr>
-        </p:nvSpPr>
-        <p:spPr>
-          <a:xfrm>
-            <a:off x="1383564" y="348865"/>
-            <a:ext cx="9718111" cy="1576446"/>
-          </a:xfrm>
-        </p:spPr>
-        <p:txBody>
-          <a:bodyPr anchor="ctr">
-            <a:normAutofit/>
-          </a:bodyPr>
-          <a:lstStyle/>
-          <a:p>
-            <a:r>
-              <a:rPr lang="en-CA" sz="4000" dirty="0">
-                <a:solidFill>
-                  <a:srgbClr val="FFFFFF"/>
-                </a:solidFill>
-              </a:rPr>
-              <a:t>Final Takeaways</a:t>
-            </a:r>
-          </a:p>
-        </p:txBody>
-      </p:sp>
-      <p:graphicFrame>
-        <p:nvGraphicFramePr>
-          <p:cNvPr id="6" name="Rectangle 1">
-            <a:extLst>
-              <a:ext uri="{FF2B5EF4-FFF2-40B4-BE49-F238E27FC236}">
-                <a16:creationId xmlns:a16="http://schemas.microsoft.com/office/drawing/2014/main" id="{F273C06E-B5CF-9D25-CDC7-8DB642A6287C}"/>
-              </a:ext>
-            </a:extLst>
-          </p:cNvPr>
-          <p:cNvGraphicFramePr>
-            <a:graphicFrameLocks noGrp="1"/>
-          </p:cNvGraphicFramePr>
-          <p:nvPr>
-            <p:ph idx="1"/>
-            <p:extLst>
-              <p:ext uri="{D42A27DB-BD31-4B8C-83A1-F6EECF244321}">
-                <p14:modId xmlns:p14="http://schemas.microsoft.com/office/powerpoint/2010/main" val="3122572186"/>
-              </p:ext>
-            </p:extLst>
-          </p:nvPr>
-        </p:nvGraphicFramePr>
-        <p:xfrm>
-          <a:off x="644056" y="2615979"/>
-          <a:ext cx="10927829" cy="3689405"/>
-        </p:xfrm>
-        <a:graphic>
-          <a:graphicData uri="http://schemas.openxmlformats.org/drawingml/2006/diagram">
-            <dgm:relIds xmlns:dgm="http://schemas.openxmlformats.org/drawingml/2006/diagram" xmlns:r="http://schemas.openxmlformats.org/officeDocument/2006/relationships" r:dm="rId3" r:lo="rId4" r:qs="rId5" r:cs="rId6"/>
-          </a:graphicData>
-        </a:graphic>
-      </p:graphicFrame>
-    </p:spTree>
-    <p:extLst>
-      <p:ext uri="{BB962C8B-B14F-4D97-AF65-F5344CB8AC3E}">
-        <p14:creationId xmlns:p14="http://schemas.microsoft.com/office/powerpoint/2010/main" val="3857771691"/>
-      </p:ext>
-    </p:extLst>
-  </p:cSld>
-  <p:clrMapOvr>
-    <a:masterClrMapping/>
-  </p:clrMapOvr>
-  <mc:AlternateContent xmlns:mc="http://schemas.openxmlformats.org/markup-compatibility/2006">
-    <mc:Choice xmlns:p14="http://schemas.microsoft.com/office/powerpoint/2010/main" Requires="p14">
-      <p:transition spd="med" p14:dur="700">
-        <p:fade/>
-      </p:transition>
-    </mc:Choice>
-    <mc:Fallback>
-      <p:transition spd="med">
-        <p:fade/>
-      </p:transition>
-    </mc:Fallback>
-  </mc:AlternateContent>
-  <p:timing>
-    <p:tnLst>
-      <p:par>
-        <p:cTn id="1" dur="indefinite" restart="never" nodeType="tmRoot">
-          <p:childTnLst>
-            <p:seq concurrent="1" nextAc="seek">
-              <p:cTn id="2" dur="indefinite" nodeType="mainSeq">
-                <p:childTnLst>
-                  <p:par>
-                    <p:cTn id="3" fill="hold">
-                      <p:stCondLst>
-                        <p:cond delay="indefinite"/>
-                      </p:stCondLst>
-                      <p:childTnLst>
-                        <p:par>
-                          <p:cTn id="4" fill="hold">
-                            <p:stCondLst>
-                              <p:cond delay="0"/>
-                            </p:stCondLst>
-                            <p:childTnLst>
-                              <p:par>
-                                <p:cTn id="5" presetID="16" presetClass="entr" presetSubtype="21" fill="hold" grpId="0" nodeType="clickEffect">
-                                  <p:stCondLst>
-                                    <p:cond delay="0"/>
-                                  </p:stCondLst>
-                                  <p:childTnLst>
-                                    <p:set>
-                                      <p:cBhvr>
-                                        <p:cTn id="6" dur="1" fill="hold">
-                                          <p:stCondLst>
-                                            <p:cond delay="0"/>
-                                          </p:stCondLst>
-                                        </p:cTn>
-                                        <p:tgtEl>
-                                          <p:spTgt spid="2"/>
-                                        </p:tgtEl>
-                                        <p:attrNameLst>
-                                          <p:attrName>style.visibility</p:attrName>
-                                        </p:attrNameLst>
-                                      </p:cBhvr>
-                                      <p:to>
-                                        <p:strVal val="visible"/>
-                                      </p:to>
-                                    </p:set>
-                                    <p:animEffect transition="in" filter="barn(inVertical)">
-                                      <p:cBhvr>
-                                        <p:cTn id="7" dur="500"/>
-                                        <p:tgtEl>
-                                          <p:spTgt spid="2"/>
-                                        </p:tgtEl>
-                                      </p:cBhvr>
-                                    </p:animEffect>
-                                  </p:childTnLst>
-                                </p:cTn>
-                              </p:par>
-                            </p:childTnLst>
-                          </p:cTn>
-                        </p:par>
-                      </p:childTnLst>
-                    </p:cTn>
-                  </p:par>
-                  <p:par>
-                    <p:cTn id="8" fill="hold">
-                      <p:stCondLst>
-                        <p:cond delay="indefinite"/>
-                      </p:stCondLst>
-                      <p:childTnLst>
-                        <p:par>
-                          <p:cTn id="9" fill="hold">
-                            <p:stCondLst>
-                              <p:cond delay="0"/>
-                            </p:stCondLst>
-                            <p:childTnLst>
-                              <p:par>
-                                <p:cTn id="10" presetID="53" presetClass="entr" presetSubtype="16" fill="hold" grpId="0" nodeType="clickEffect">
-                                  <p:stCondLst>
-                                    <p:cond delay="0"/>
-                                  </p:stCondLst>
-                                  <p:childTnLst>
-                                    <p:set>
-                                      <p:cBhvr>
-                                        <p:cTn id="11" dur="1" fill="hold">
-                                          <p:stCondLst>
-                                            <p:cond delay="0"/>
-                                          </p:stCondLst>
-                                        </p:cTn>
-                                        <p:tgtEl>
-                                          <p:spTgt spid="6"/>
-                                        </p:tgtEl>
-                                        <p:attrNameLst>
-                                          <p:attrName>style.visibility</p:attrName>
-                                        </p:attrNameLst>
-                                      </p:cBhvr>
-                                      <p:to>
-                                        <p:strVal val="visible"/>
-                                      </p:to>
-                                    </p:set>
-                                    <p:anim calcmode="lin" valueType="num">
-                                      <p:cBhvr>
-                                        <p:cTn id="12" dur="500" fill="hold"/>
-                                        <p:tgtEl>
-                                          <p:spTgt spid="6"/>
-                                        </p:tgtEl>
-                                        <p:attrNameLst>
-                                          <p:attrName>ppt_w</p:attrName>
-                                        </p:attrNameLst>
-                                      </p:cBhvr>
-                                      <p:tavLst>
-                                        <p:tav tm="0">
-                                          <p:val>
-                                            <p:fltVal val="0"/>
-                                          </p:val>
-                                        </p:tav>
-                                        <p:tav tm="100000">
-                                          <p:val>
-                                            <p:strVal val="#ppt_w"/>
-                                          </p:val>
-                                        </p:tav>
-                                      </p:tavLst>
-                                    </p:anim>
-                                    <p:anim calcmode="lin" valueType="num">
-                                      <p:cBhvr>
-                                        <p:cTn id="13" dur="500" fill="hold"/>
-                                        <p:tgtEl>
-                                          <p:spTgt spid="6"/>
-                                        </p:tgtEl>
-                                        <p:attrNameLst>
-                                          <p:attrName>ppt_h</p:attrName>
-                                        </p:attrNameLst>
-                                      </p:cBhvr>
-                                      <p:tavLst>
-                                        <p:tav tm="0">
-                                          <p:val>
-                                            <p:fltVal val="0"/>
-                                          </p:val>
-                                        </p:tav>
-                                        <p:tav tm="100000">
-                                          <p:val>
-                                            <p:strVal val="#ppt_h"/>
-                                          </p:val>
-                                        </p:tav>
-                                      </p:tavLst>
-                                    </p:anim>
-                                    <p:animEffect transition="in" filter="fade">
-                                      <p:cBhvr>
-                                        <p:cTn id="14" dur="500"/>
-                                        <p:tgtEl>
-                                          <p:spTgt spid="6"/>
-                                        </p:tgtEl>
-                                      </p:cBhvr>
-                                    </p:animEffect>
-                                  </p:childTnLst>
-                                </p:cTn>
-                              </p:par>
-                            </p:childTnLst>
-                          </p:cTn>
-                        </p:par>
-                      </p:childTnLst>
-                    </p:cTn>
-                  </p:par>
-                </p:childTnLst>
-              </p:cTn>
-              <p:prevCondLst>
-                <p:cond evt="onPrev" delay="0">
-                  <p:tgtEl>
-                    <p:sldTgt/>
-                  </p:tgtEl>
-                </p:cond>
-              </p:prevCondLst>
-              <p:nextCondLst>
-                <p:cond evt="onNext" delay="0">
-                  <p:tgtEl>
-                    <p:sldTgt/>
-                  </p:tgtEl>
-                </p:cond>
-              </p:nextCondLst>
-            </p:seq>
-          </p:childTnLst>
-        </p:cTn>
-      </p:par>
-    </p:tnLst>
-    <p:bldLst>
-      <p:bldP spid="2" grpId="0"/>
-      <p:bldGraphic spid="6" grpId="0">
-        <p:bldAsOne/>
-      </p:bldGraphic>
-    </p:bldLst>
-  </p:timing>
-</p:sld>
-</file>
-
-<file path=ppt/slides/slide8.xml><?xml version="1.0" encoding="utf-8"?>
 <p:sld xmlns:a="http://schemas.openxmlformats.org/drawingml/2006/main" xmlns:r="http://schemas.openxmlformats.org/officeDocument/2006/relationships" xmlns:p="http://schemas.openxmlformats.org/presentationml/2006/main">
   <p:cSld>
     <p:bg>
@@ -20234,16 +15072,21 @@
           <a:p>
             <a:pPr algn="r"/>
             <a:r>
-              <a:rPr lang="en-US" sz="4000" kern="1200" dirty="0">
+              <a:rPr lang="en-US" sz="4000" dirty="0">
                 <a:solidFill>
                   <a:srgbClr val="FFFFFF"/>
                 </a:solidFill>
-                <a:latin typeface="+mj-lt"/>
-                <a:ea typeface="+mj-ea"/>
-                <a:cs typeface="+mj-cs"/>
               </a:rPr>
-              <a:t>Thank you!</a:t>
+              <a:t>Summary</a:t>
             </a:r>
+            <a:endParaRPr lang="en-US" sz="4000" kern="1200" dirty="0">
+              <a:solidFill>
+                <a:srgbClr val="FFFFFF"/>
+              </a:solidFill>
+              <a:latin typeface="+mj-lt"/>
+              <a:ea typeface="+mj-ea"/>
+              <a:cs typeface="+mj-cs"/>
+            </a:endParaRPr>
           </a:p>
         </p:txBody>
       </p:sp>
@@ -20281,10 +15124,10 @@
       </p:pic>
       <p:sp>
         <p:nvSpPr>
-          <p:cNvPr id="6" name="TextBox 5">
+          <p:cNvPr id="3" name="TextBox 2">
             <a:extLst>
               <a:ext uri="{FF2B5EF4-FFF2-40B4-BE49-F238E27FC236}">
-                <a16:creationId xmlns:a16="http://schemas.microsoft.com/office/drawing/2014/main" id="{3D3AF02B-95F7-E528-F669-6FC042A8D706}"/>
+                <a16:creationId xmlns:a16="http://schemas.microsoft.com/office/drawing/2014/main" id="{EE1AE9C7-3C98-4628-7EA3-30AC521FE1E4}"/>
               </a:ext>
             </a:extLst>
           </p:cNvPr>
@@ -20293,8 +15136,8 @@
         </p:nvSpPr>
         <p:spPr>
           <a:xfrm>
-            <a:off x="3041898" y="3798798"/>
-            <a:ext cx="2538307" cy="369332"/>
+            <a:off x="5741206" y="5164282"/>
+            <a:ext cx="1741182" cy="246221"/>
           </a:xfrm>
           <a:prstGeom prst="rect">
             <a:avLst/>
@@ -20302,7 +15145,42 @@
           <a:noFill/>
         </p:spPr>
         <p:txBody>
-          <a:bodyPr wrap="square" rtlCol="0">
+          <a:bodyPr wrap="none" rtlCol="0">
+            <a:spAutoFit/>
+          </a:bodyPr>
+          <a:lstStyle/>
+          <a:p>
+            <a:r>
+              <a:rPr lang="en-CA" sz="1000" dirty="0"/>
+              <a:t>Image - https://chatgpt.com</a:t>
+            </a:r>
+          </a:p>
+        </p:txBody>
+      </p:sp>
+      <p:sp>
+        <p:nvSpPr>
+          <p:cNvPr id="4" name="TextBox 3">
+            <a:extLst>
+              <a:ext uri="{FF2B5EF4-FFF2-40B4-BE49-F238E27FC236}">
+                <a16:creationId xmlns:a16="http://schemas.microsoft.com/office/drawing/2014/main" id="{94AC6F2F-CA9B-765B-D237-33100576FF0D}"/>
+              </a:ext>
+            </a:extLst>
+          </p:cNvPr>
+          <p:cNvSpPr txBox="1"/>
+          <p:nvPr/>
+        </p:nvSpPr>
+        <p:spPr>
+          <a:xfrm>
+            <a:off x="3662180" y="3796949"/>
+            <a:ext cx="1320041" cy="369332"/>
+          </a:xfrm>
+          <a:prstGeom prst="rect">
+            <a:avLst/>
+          </a:prstGeom>
+          <a:noFill/>
+        </p:spPr>
+        <p:txBody>
+          <a:bodyPr wrap="none" rtlCol="0">
             <a:spAutoFit/>
           </a:bodyPr>
           <a:lstStyle/>
@@ -20313,7 +15191,7 @@
                   <a:schemeClr val="bg1"/>
                 </a:solidFill>
               </a:rPr>
-              <a:t>Any questions?</a:t>
+              <a:t>Questions?</a:t>
             </a:r>
           </a:p>
         </p:txBody>
@@ -20328,14 +15206,14 @@
   <p:clrMapOvr>
     <a:masterClrMapping/>
   </p:clrMapOvr>
-  <mc:AlternateContent xmlns:mc="http://schemas.openxmlformats.org/markup-compatibility/2006">
-    <mc:Choice xmlns:p15="http://schemas.microsoft.com/office/powerpoint/2012/main" Requires="p15">
-      <p:transition xmlns:p14="http://schemas.microsoft.com/office/powerpoint/2010/main" spd="slow" p14:dur="6000">
-        <p15:prstTrans prst="curtains"/>
+  <mc:AlternateContent xmlns:mc="http://schemas.openxmlformats.org/markup-compatibility/2006" xmlns:p14="http://schemas.microsoft.com/office/powerpoint/2010/main">
+    <mc:Choice Requires="p14">
+      <p:transition spd="med" p14:dur="700">
+        <p:fade/>
       </p:transition>
     </mc:Choice>
-    <mc:Fallback>
-      <p:transition spd="slow">
+    <mc:Fallback xmlns="">
+      <p:transition spd="med">
         <p:fade/>
       </p:transition>
     </mc:Fallback>
@@ -20361,7 +15239,7 @@
                             </p:stCondLst>
                             <p:childTnLst>
                               <p:par>
-                                <p:cTn id="5" presetID="10" presetClass="entr" presetSubtype="0" fill="hold" grpId="0" nodeType="clickEffect">
+                                <p:cTn id="5" presetID="1" presetClass="entr" presetSubtype="0" fill="hold" grpId="0" nodeType="clickEffect">
                                   <p:stCondLst>
                                     <p:cond delay="0"/>
                                   </p:stCondLst>
@@ -20384,44 +15262,18 @@
                                         <p:strVal val="visible"/>
                                       </p:to>
                                     </p:set>
-                                    <p:animEffect transition="in" filter="fade">
-                                      <p:cBhvr>
-                                        <p:cTn id="7" dur="500"/>
-                                        <p:tgtEl>
-                                          <p:spTgt spid="2"/>
-                                        </p:tgtEl>
-                                      </p:cBhvr>
-                                    </p:animEffect>
                                   </p:childTnLst>
                                 </p:cTn>
                               </p:par>
-                            </p:childTnLst>
-                          </p:cTn>
-                        </p:par>
-                      </p:childTnLst>
-                    </p:cTn>
-                  </p:par>
-                  <p:par>
-                    <p:cTn id="8" fill="hold">
-                      <p:stCondLst>
-                        <p:cond delay="indefinite"/>
-                      </p:stCondLst>
-                      <p:childTnLst>
-                        <p:par>
-                          <p:cTn id="9" fill="hold">
-                            <p:stCondLst>
-                              <p:cond delay="0"/>
-                            </p:stCondLst>
-                            <p:childTnLst>
                               <p:par>
-                                <p:cTn id="10" presetID="14" presetClass="entr" presetSubtype="10" fill="hold" nodeType="clickEffect">
+                                <p:cTn id="7" presetID="1" presetClass="entr" presetSubtype="0" fill="hold" nodeType="withEffect">
                                   <p:stCondLst>
                                     <p:cond delay="0"/>
                                   </p:stCondLst>
                                   <p:childTnLst>
                                     <p:set>
                                       <p:cBhvr>
-                                        <p:cTn id="11" dur="1" fill="hold">
+                                        <p:cTn id="8" dur="1" fill="hold">
                                           <p:stCondLst>
                                             <p:cond delay="0"/>
                                           </p:stCondLst>
@@ -20437,14 +15289,33 @@
                                         <p:strVal val="visible"/>
                                       </p:to>
                                     </p:set>
-                                    <p:animEffect transition="in" filter="randombar(horizontal)">
+                                  </p:childTnLst>
+                                </p:cTn>
+                              </p:par>
+                              <p:par>
+                                <p:cTn id="9" presetID="1" presetClass="entr" presetSubtype="0" fill="hold" grpId="0" nodeType="withEffect">
+                                  <p:stCondLst>
+                                    <p:cond delay="0"/>
+                                  </p:stCondLst>
+                                  <p:childTnLst>
+                                    <p:set>
                                       <p:cBhvr>
-                                        <p:cTn id="12" dur="500"/>
+                                        <p:cTn id="10" dur="1" fill="hold">
+                                          <p:stCondLst>
+                                            <p:cond delay="0"/>
+                                          </p:stCondLst>
+                                        </p:cTn>
                                         <p:tgtEl>
-                                          <p:spTgt spid="5"/>
+                                          <p:spTgt spid="3"/>
                                         </p:tgtEl>
+                                        <p:attrNameLst>
+                                          <p:attrName>style.visibility</p:attrName>
+                                        </p:attrNameLst>
                                       </p:cBhvr>
-                                    </p:animEffect>
+                                      <p:to>
+                                        <p:strVal val="visible"/>
+                                      </p:to>
+                                    </p:set>
                                   </p:childTnLst>
                                 </p:cTn>
                               </p:par>
@@ -20455,32 +15326,32 @@
                     </p:cTn>
                   </p:par>
                   <p:par>
-                    <p:cTn id="13" fill="hold">
+                    <p:cTn id="11" fill="hold">
                       <p:stCondLst>
                         <p:cond delay="indefinite"/>
                       </p:stCondLst>
                       <p:childTnLst>
                         <p:par>
-                          <p:cTn id="14" fill="hold">
+                          <p:cTn id="12" fill="hold">
                             <p:stCondLst>
                               <p:cond delay="0"/>
                             </p:stCondLst>
                             <p:childTnLst>
                               <p:par>
-                                <p:cTn id="15" presetID="53" presetClass="entr" presetSubtype="16" fill="hold" grpId="0" nodeType="clickEffect">
+                                <p:cTn id="13" presetID="1" presetClass="entr" presetSubtype="0" fill="hold" grpId="0" nodeType="clickEffect">
                                   <p:stCondLst>
                                     <p:cond delay="0"/>
                                   </p:stCondLst>
                                   <p:childTnLst>
                                     <p:set>
                                       <p:cBhvr>
-                                        <p:cTn id="16" dur="1" fill="hold">
+                                        <p:cTn id="14" dur="1" fill="hold">
                                           <p:stCondLst>
                                             <p:cond delay="0"/>
                                           </p:stCondLst>
                                         </p:cTn>
                                         <p:tgtEl>
-                                          <p:spTgt spid="6"/>
+                                          <p:spTgt spid="4"/>
                                         </p:tgtEl>
                                         <p:attrNameLst>
                                           <p:attrName>style.visibility</p:attrName>
@@ -20490,60 +15361,6 @@
                                         <p:strVal val="visible"/>
                                       </p:to>
                                     </p:set>
-                                    <p:anim calcmode="lin" valueType="num">
-                                      <p:cBhvr>
-                                        <p:cTn id="17" dur="500" fill="hold"/>
-                                        <p:tgtEl>
-                                          <p:spTgt spid="6"/>
-                                        </p:tgtEl>
-                                        <p:attrNameLst>
-                                          <p:attrName>ppt_w</p:attrName>
-                                        </p:attrNameLst>
-                                      </p:cBhvr>
-                                      <p:tavLst>
-                                        <p:tav tm="0">
-                                          <p:val>
-                                            <p:fltVal val="0"/>
-                                          </p:val>
-                                        </p:tav>
-                                        <p:tav tm="100000">
-                                          <p:val>
-                                            <p:strVal val="#ppt_w"/>
-                                          </p:val>
-                                        </p:tav>
-                                      </p:tavLst>
-                                    </p:anim>
-                                    <p:anim calcmode="lin" valueType="num">
-                                      <p:cBhvr>
-                                        <p:cTn id="18" dur="500" fill="hold"/>
-                                        <p:tgtEl>
-                                          <p:spTgt spid="6"/>
-                                        </p:tgtEl>
-                                        <p:attrNameLst>
-                                          <p:attrName>ppt_h</p:attrName>
-                                        </p:attrNameLst>
-                                      </p:cBhvr>
-                                      <p:tavLst>
-                                        <p:tav tm="0">
-                                          <p:val>
-                                            <p:fltVal val="0"/>
-                                          </p:val>
-                                        </p:tav>
-                                        <p:tav tm="100000">
-                                          <p:val>
-                                            <p:strVal val="#ppt_h"/>
-                                          </p:val>
-                                        </p:tav>
-                                      </p:tavLst>
-                                    </p:anim>
-                                    <p:animEffect transition="in" filter="fade">
-                                      <p:cBhvr>
-                                        <p:cTn id="19" dur="500"/>
-                                        <p:tgtEl>
-                                          <p:spTgt spid="6"/>
-                                        </p:tgtEl>
-                                      </p:cBhvr>
-                                    </p:animEffect>
                                   </p:childTnLst>
                                 </p:cTn>
                               </p:par>
@@ -20576,9 +15393,988 @@
     </p:tnLst>
     <p:bldLst>
       <p:bldP spid="2" grpId="0"/>
-      <p:bldP spid="6" grpId="0"/>
+      <p:bldP spid="3" grpId="0"/>
+      <p:bldP spid="4" grpId="0"/>
     </p:bldLst>
   </p:timing>
+</p:sld>
+</file>
+
+<file path=ppt/slides/slide8.xml><?xml version="1.0" encoding="utf-8"?>
+<p:sld xmlns:a="http://schemas.openxmlformats.org/drawingml/2006/main" xmlns:r="http://schemas.openxmlformats.org/officeDocument/2006/relationships" xmlns:p="http://schemas.openxmlformats.org/presentationml/2006/main">
+  <p:cSld>
+    <p:bg>
+      <p:bgPr>
+        <a:solidFill>
+          <a:schemeClr val="bg1"/>
+        </a:solidFill>
+        <a:effectLst/>
+      </p:bgPr>
+    </p:bg>
+    <p:spTree>
+      <p:nvGrpSpPr>
+        <p:cNvPr id="1" name=""/>
+        <p:cNvGrpSpPr/>
+        <p:nvPr/>
+      </p:nvGrpSpPr>
+      <p:grpSpPr>
+        <a:xfrm>
+          <a:off x="0" y="0"/>
+          <a:ext cx="0" cy="0"/>
+          <a:chOff x="0" y="0"/>
+          <a:chExt cx="0" cy="0"/>
+        </a:xfrm>
+      </p:grpSpPr>
+      <p:sp useBgFill="1">
+        <p:nvSpPr>
+          <p:cNvPr id="15" name="Rectangle 14">
+            <a:extLst>
+              <a:ext uri="{FF2B5EF4-FFF2-40B4-BE49-F238E27FC236}">
+                <a16:creationId xmlns:a16="http://schemas.microsoft.com/office/drawing/2014/main" id="{B6CDA21F-E7AF-4C75-8395-33F58D5B0E45}"/>
+              </a:ext>
+              <a:ext uri="{C183D7F6-B498-43B3-948B-1728B52AA6E4}">
+                <adec:decorative xmlns:adec="http://schemas.microsoft.com/office/drawing/2017/decorative" val="1"/>
+              </a:ext>
+            </a:extLst>
+          </p:cNvPr>
+          <p:cNvSpPr>
+            <a:spLocks noGrp="1" noRot="1" noChangeAspect="1" noMove="1" noResize="1" noEditPoints="1" noAdjustHandles="1" noChangeArrowheads="1" noChangeShapeType="1" noTextEdit="1"/>
+          </p:cNvSpPr>
+          <p:nvPr>
+            <p:extLst>
+              <p:ext uri="{386F3935-93C4-4BCD-93E2-E3B085C9AB24}">
+                <p16:designElem xmlns:p16="http://schemas.microsoft.com/office/powerpoint/2015/main" val="1"/>
+              </p:ext>
+            </p:extLst>
+          </p:nvPr>
+        </p:nvSpPr>
+        <p:spPr>
+          <a:xfrm>
+            <a:off x="0" y="0"/>
+            <a:ext cx="12191999" cy="6857365"/>
+          </a:xfrm>
+          <a:prstGeom prst="rect">
+            <a:avLst/>
+          </a:prstGeom>
+          <a:ln>
+            <a:noFill/>
+          </a:ln>
+        </p:spPr>
+        <p:style>
+          <a:lnRef idx="2">
+            <a:schemeClr val="accent1">
+              <a:shade val="50000"/>
+            </a:schemeClr>
+          </a:lnRef>
+          <a:fillRef idx="1">
+            <a:schemeClr val="accent1"/>
+          </a:fillRef>
+          <a:effectRef idx="0">
+            <a:schemeClr val="accent1"/>
+          </a:effectRef>
+          <a:fontRef idx="minor">
+            <a:schemeClr val="lt1"/>
+          </a:fontRef>
+        </p:style>
+        <p:txBody>
+          <a:bodyPr rtlCol="0" anchor="ctr"/>
+          <a:lstStyle/>
+          <a:p>
+            <a:pPr algn="ctr"/>
+            <a:endParaRPr lang="en-US"/>
+          </a:p>
+        </p:txBody>
+      </p:sp>
+      <p:grpSp>
+        <p:nvGrpSpPr>
+          <p:cNvPr id="17" name="Group 16">
+            <a:extLst>
+              <a:ext uri="{FF2B5EF4-FFF2-40B4-BE49-F238E27FC236}">
+                <a16:creationId xmlns:a16="http://schemas.microsoft.com/office/drawing/2014/main" id="{AE1C45F0-260A-458C-96ED-C1F6D2151219}"/>
+              </a:ext>
+              <a:ext uri="{C183D7F6-B498-43B3-948B-1728B52AA6E4}">
+                <adec:decorative xmlns:adec="http://schemas.microsoft.com/office/drawing/2017/decorative" val="1"/>
+              </a:ext>
+            </a:extLst>
+          </p:cNvPr>
+          <p:cNvGrpSpPr>
+            <a:grpSpLocks noGrp="1" noUngrp="1" noRot="1" noChangeAspect="1" noMove="1" noResize="1"/>
+          </p:cNvGrpSpPr>
+          <p:nvPr>
+            <p:extLst>
+              <p:ext uri="{386F3935-93C4-4BCD-93E2-E3B085C9AB24}">
+                <p16:designElem xmlns:p16="http://schemas.microsoft.com/office/powerpoint/2015/main" val="1"/>
+              </p:ext>
+            </p:extLst>
+          </p:nvPr>
+        </p:nvGrpSpPr>
+        <p:grpSpPr>
+          <a:xfrm>
+            <a:off x="4" y="1216597"/>
+            <a:ext cx="731521" cy="673460"/>
+            <a:chOff x="3940602" y="308034"/>
+            <a:chExt cx="2116791" cy="3428999"/>
+          </a:xfrm>
+          <a:solidFill>
+            <a:schemeClr val="accent4"/>
+          </a:solidFill>
+        </p:grpSpPr>
+        <p:sp>
+          <p:nvSpPr>
+            <p:cNvPr id="12" name="Rectangle 11">
+              <a:extLst>
+                <a:ext uri="{FF2B5EF4-FFF2-40B4-BE49-F238E27FC236}">
+                  <a16:creationId xmlns:a16="http://schemas.microsoft.com/office/drawing/2014/main" id="{A6604B49-AD5C-4590-B051-06C8222ECD99}"/>
+                </a:ext>
+                <a:ext uri="{C183D7F6-B498-43B3-948B-1728B52AA6E4}">
+                  <adec:decorative xmlns:adec="http://schemas.microsoft.com/office/drawing/2017/decorative" val="1"/>
+                </a:ext>
+              </a:extLst>
+            </p:cNvPr>
+            <p:cNvSpPr/>
+            <p:nvPr>
+              <p:extLst>
+                <p:ext uri="{386F3935-93C4-4BCD-93E2-E3B085C9AB24}">
+                  <p16:designElem xmlns:p16="http://schemas.microsoft.com/office/powerpoint/2015/main" val="1"/>
+                </p:ext>
+              </p:extLst>
+            </p:nvPr>
+          </p:nvSpPr>
+          <p:spPr>
+            <a:xfrm>
+              <a:off x="3940602" y="308034"/>
+              <a:ext cx="566743" cy="3428999"/>
+            </a:xfrm>
+            <a:prstGeom prst="rect">
+              <a:avLst/>
+            </a:prstGeom>
+            <a:grpFill/>
+            <a:ln>
+              <a:noFill/>
+            </a:ln>
+          </p:spPr>
+          <p:style>
+            <a:lnRef idx="2">
+              <a:schemeClr val="accent1">
+                <a:shade val="50000"/>
+              </a:schemeClr>
+            </a:lnRef>
+            <a:fillRef idx="1">
+              <a:schemeClr val="accent1"/>
+            </a:fillRef>
+            <a:effectRef idx="0">
+              <a:schemeClr val="accent1"/>
+            </a:effectRef>
+            <a:fontRef idx="minor">
+              <a:schemeClr val="lt1"/>
+            </a:fontRef>
+          </p:style>
+          <p:txBody>
+            <a:bodyPr rtlCol="0" anchor="ctr"/>
+            <a:lstStyle/>
+            <a:p>
+              <a:pPr algn="ctr"/>
+              <a:endParaRPr lang="en-US"/>
+            </a:p>
+          </p:txBody>
+        </p:sp>
+        <p:sp>
+          <p:nvSpPr>
+            <p:cNvPr id="19" name="Rectangle 18">
+              <a:extLst>
+                <a:ext uri="{FF2B5EF4-FFF2-40B4-BE49-F238E27FC236}">
+                  <a16:creationId xmlns:a16="http://schemas.microsoft.com/office/drawing/2014/main" id="{743ECCAF-29C5-4537-947C-7EA1292463DB}"/>
+                </a:ext>
+                <a:ext uri="{C183D7F6-B498-43B3-948B-1728B52AA6E4}">
+                  <adec:decorative xmlns:adec="http://schemas.microsoft.com/office/drawing/2017/decorative" val="1"/>
+                </a:ext>
+              </a:extLst>
+            </p:cNvPr>
+            <p:cNvSpPr/>
+            <p:nvPr>
+              <p:extLst>
+                <p:ext uri="{386F3935-93C4-4BCD-93E2-E3B085C9AB24}">
+                  <p16:designElem xmlns:p16="http://schemas.microsoft.com/office/powerpoint/2015/main" val="1"/>
+                </p:ext>
+              </p:extLst>
+            </p:nvPr>
+          </p:nvSpPr>
+          <p:spPr>
+            <a:xfrm>
+              <a:off x="4715626" y="308034"/>
+              <a:ext cx="566743" cy="3428999"/>
+            </a:xfrm>
+            <a:prstGeom prst="rect">
+              <a:avLst/>
+            </a:prstGeom>
+            <a:grpFill/>
+            <a:ln>
+              <a:noFill/>
+            </a:ln>
+          </p:spPr>
+          <p:style>
+            <a:lnRef idx="2">
+              <a:schemeClr val="accent1">
+                <a:shade val="50000"/>
+              </a:schemeClr>
+            </a:lnRef>
+            <a:fillRef idx="1">
+              <a:schemeClr val="accent1"/>
+            </a:fillRef>
+            <a:effectRef idx="0">
+              <a:schemeClr val="accent1"/>
+            </a:effectRef>
+            <a:fontRef idx="minor">
+              <a:schemeClr val="lt1"/>
+            </a:fontRef>
+          </p:style>
+          <p:txBody>
+            <a:bodyPr rtlCol="0" anchor="ctr"/>
+            <a:lstStyle/>
+            <a:p>
+              <a:pPr algn="ctr"/>
+              <a:endParaRPr lang="en-US"/>
+            </a:p>
+          </p:txBody>
+        </p:sp>
+        <p:sp>
+          <p:nvSpPr>
+            <p:cNvPr id="14" name="Rectangle 13">
+              <a:extLst>
+                <a:ext uri="{FF2B5EF4-FFF2-40B4-BE49-F238E27FC236}">
+                  <a16:creationId xmlns:a16="http://schemas.microsoft.com/office/drawing/2014/main" id="{ED49787B-8DE6-4467-AD0A-8DECC6E0C2D6}"/>
+                </a:ext>
+                <a:ext uri="{C183D7F6-B498-43B3-948B-1728B52AA6E4}">
+                  <adec:decorative xmlns:adec="http://schemas.microsoft.com/office/drawing/2017/decorative" val="1"/>
+                </a:ext>
+              </a:extLst>
+            </p:cNvPr>
+            <p:cNvSpPr/>
+            <p:nvPr>
+              <p:extLst>
+                <p:ext uri="{386F3935-93C4-4BCD-93E2-E3B085C9AB24}">
+                  <p16:designElem xmlns:p16="http://schemas.microsoft.com/office/powerpoint/2015/main" val="1"/>
+                </p:ext>
+              </p:extLst>
+            </p:nvPr>
+          </p:nvSpPr>
+          <p:spPr>
+            <a:xfrm>
+              <a:off x="5490650" y="308034"/>
+              <a:ext cx="566743" cy="3428999"/>
+            </a:xfrm>
+            <a:prstGeom prst="rect">
+              <a:avLst/>
+            </a:prstGeom>
+            <a:grpFill/>
+            <a:ln>
+              <a:noFill/>
+            </a:ln>
+          </p:spPr>
+          <p:style>
+            <a:lnRef idx="2">
+              <a:schemeClr val="accent1">
+                <a:shade val="50000"/>
+              </a:schemeClr>
+            </a:lnRef>
+            <a:fillRef idx="1">
+              <a:schemeClr val="accent1"/>
+            </a:fillRef>
+            <a:effectRef idx="0">
+              <a:schemeClr val="accent1"/>
+            </a:effectRef>
+            <a:fontRef idx="minor">
+              <a:schemeClr val="lt1"/>
+            </a:fontRef>
+          </p:style>
+          <p:txBody>
+            <a:bodyPr rtlCol="0" anchor="ctr"/>
+            <a:lstStyle/>
+            <a:p>
+              <a:pPr algn="ctr"/>
+              <a:endParaRPr lang="en-US"/>
+            </a:p>
+          </p:txBody>
+        </p:sp>
+      </p:grpSp>
+      <p:sp>
+        <p:nvSpPr>
+          <p:cNvPr id="16" name="Rectangle 15">
+            <a:extLst>
+              <a:ext uri="{FF2B5EF4-FFF2-40B4-BE49-F238E27FC236}">
+                <a16:creationId xmlns:a16="http://schemas.microsoft.com/office/drawing/2014/main" id="{D5B0017B-2ECA-49AF-B397-DC140825DF8D}"/>
+              </a:ext>
+              <a:ext uri="{C183D7F6-B498-43B3-948B-1728B52AA6E4}">
+                <adec:decorative xmlns:adec="http://schemas.microsoft.com/office/drawing/2017/decorative" val="1"/>
+              </a:ext>
+            </a:extLst>
+          </p:cNvPr>
+          <p:cNvSpPr>
+            <a:spLocks noGrp="1" noRot="1" noChangeAspect="1" noMove="1" noResize="1" noEditPoints="1" noAdjustHandles="1" noChangeArrowheads="1" noChangeShapeType="1" noTextEdit="1"/>
+          </p:cNvSpPr>
+          <p:nvPr>
+            <p:extLst>
+              <p:ext uri="{386F3935-93C4-4BCD-93E2-E3B085C9AB24}">
+                <p16:designElem xmlns:p16="http://schemas.microsoft.com/office/powerpoint/2015/main" val="1"/>
+              </p:ext>
+            </p:extLst>
+          </p:nvPr>
+        </p:nvSpPr>
+        <p:spPr>
+          <a:xfrm>
+            <a:off x="640079" y="613954"/>
+            <a:ext cx="10907487" cy="1894116"/>
+          </a:xfrm>
+          <a:prstGeom prst="rect">
+            <a:avLst/>
+          </a:prstGeom>
+          <a:solidFill>
+            <a:schemeClr val="bg1"/>
+          </a:solidFill>
+          <a:ln>
+            <a:noFill/>
+          </a:ln>
+          <a:effectLst>
+            <a:outerShdw blurRad="139700" dist="127000" dir="5400000" algn="t" rotWithShape="0">
+              <a:prstClr val="black">
+                <a:alpha val="15000"/>
+              </a:prstClr>
+            </a:outerShdw>
+          </a:effectLst>
+        </p:spPr>
+        <p:style>
+          <a:lnRef idx="2">
+            <a:schemeClr val="accent1">
+              <a:shade val="50000"/>
+            </a:schemeClr>
+          </a:lnRef>
+          <a:fillRef idx="1">
+            <a:schemeClr val="accent1"/>
+          </a:fillRef>
+          <a:effectRef idx="0">
+            <a:schemeClr val="accent1"/>
+          </a:effectRef>
+          <a:fontRef idx="minor">
+            <a:schemeClr val="lt1"/>
+          </a:fontRef>
+        </p:style>
+        <p:txBody>
+          <a:bodyPr rtlCol="0" anchor="ctr"/>
+          <a:lstStyle/>
+          <a:p>
+            <a:pPr algn="ctr"/>
+            <a:endParaRPr lang="en-US"/>
+          </a:p>
+        </p:txBody>
+      </p:sp>
+      <p:sp>
+        <p:nvSpPr>
+          <p:cNvPr id="2" name="Title 1">
+            <a:extLst>
+              <a:ext uri="{FF2B5EF4-FFF2-40B4-BE49-F238E27FC236}">
+                <a16:creationId xmlns:a16="http://schemas.microsoft.com/office/drawing/2014/main" id="{3F7B5343-9187-16D5-26AD-B6BBBBFB2D33}"/>
+              </a:ext>
+            </a:extLst>
+          </p:cNvPr>
+          <p:cNvSpPr>
+            <a:spLocks noGrp="1"/>
+          </p:cNvSpPr>
+          <p:nvPr>
+            <p:ph type="title"/>
+          </p:nvPr>
+        </p:nvSpPr>
+        <p:spPr>
+          <a:xfrm>
+            <a:off x="1043631" y="809898"/>
+            <a:ext cx="9942716" cy="1554480"/>
+          </a:xfrm>
+        </p:spPr>
+        <p:txBody>
+          <a:bodyPr anchor="ctr">
+            <a:normAutofit/>
+          </a:bodyPr>
+          <a:lstStyle/>
+          <a:p>
+            <a:r>
+              <a:rPr lang="en-CA" sz="4800"/>
+              <a:t>References</a:t>
+            </a:r>
+          </a:p>
+        </p:txBody>
+      </p:sp>
+      <p:sp>
+        <p:nvSpPr>
+          <p:cNvPr id="4" name="Rectangle 1">
+            <a:extLst>
+              <a:ext uri="{FF2B5EF4-FFF2-40B4-BE49-F238E27FC236}">
+                <a16:creationId xmlns:a16="http://schemas.microsoft.com/office/drawing/2014/main" id="{AA12CBD4-0004-AF81-9260-85B825654F37}"/>
+              </a:ext>
+            </a:extLst>
+          </p:cNvPr>
+          <p:cNvSpPr>
+            <a:spLocks noGrp="1" noChangeArrowheads="1"/>
+          </p:cNvSpPr>
+          <p:nvPr>
+            <p:ph idx="1"/>
+          </p:nvPr>
+        </p:nvSpPr>
+        <p:spPr bwMode="auto">
+          <a:xfrm>
+            <a:off x="1045028" y="3017522"/>
+            <a:ext cx="9941319" cy="3124658"/>
+          </a:xfrm>
+          <a:prstGeom prst="rect">
+            <a:avLst/>
+          </a:prstGeom>
+          <a:extLst>
+            <a:ext uri="{909E8E84-426E-40DD-AFC4-6F175D3DCCD1}">
+              <a14:hiddenFill xmlns:a14="http://schemas.microsoft.com/office/drawing/2010/main">
+                <a:solidFill>
+                  <a:schemeClr val="accent1"/>
+                </a:solidFill>
+              </a14:hiddenFill>
+            </a:ext>
+            <a:ext uri="{91240B29-F687-4F45-9708-019B960494DF}">
+              <a14:hiddenLine xmlns:a14="http://schemas.microsoft.com/office/drawing/2010/main" w="9525">
+                <a:solidFill>
+                  <a:schemeClr val="tx1"/>
+                </a:solidFill>
+                <a:miter lim="800000"/>
+                <a:headEnd/>
+                <a:tailEnd/>
+              </a14:hiddenLine>
+            </a:ext>
+            <a:ext uri="{AF507438-7753-43E0-B8FC-AC1667EBCBE1}">
+              <a14:hiddenEffects xmlns:a14="http://schemas.microsoft.com/office/drawing/2010/main">
+                <a:effectLst>
+                  <a:outerShdw dist="35921" dir="2700000" algn="ctr" rotWithShape="0">
+                    <a:schemeClr val="bg2"/>
+                  </a:outerShdw>
+                </a:effectLst>
+              </a14:hiddenEffects>
+            </a:ext>
+          </a:extLst>
+        </p:spPr>
+        <p:txBody>
+          <a:bodyPr vert="horz" lIns="91440" tIns="45720" rIns="91440" bIns="45720" numCol="1" anchor="ctr" anchorCtr="0" compatLnSpc="1">
+            <a:prstTxWarp prst="textNoShape">
+              <a:avLst/>
+            </a:prstTxWarp>
+            <a:normAutofit/>
+          </a:bodyPr>
+          <a:lstStyle/>
+          <a:p>
+            <a:pPr marL="0" marR="0" lvl="0" indent="0" defTabSz="914400" rtl="0" eaLnBrk="0" fontAlgn="base" latinLnBrk="0" hangingPunct="0">
+              <a:spcBef>
+                <a:spcPct val="0"/>
+              </a:spcBef>
+              <a:spcAft>
+                <a:spcPts val="600"/>
+              </a:spcAft>
+              <a:buClrTx/>
+              <a:buSzTx/>
+              <a:buFontTx/>
+              <a:buChar char="•"/>
+              <a:tabLst/>
+            </a:pPr>
+            <a:r>
+              <a:rPr kumimoji="0" lang="en-US" altLang="en-US" sz="800" b="0" i="0" u="none" strike="noStrike" cap="none" normalizeH="0" baseline="0">
+                <a:ln>
+                  <a:noFill/>
+                </a:ln>
+                <a:effectLst/>
+                <a:latin typeface="Arial" panose="020B0604020202020204" pitchFamily="34" charset="0"/>
+              </a:rPr>
+              <a:t>Saltzer, J. H., &amp; Schroeder, M. D. (1975). </a:t>
+            </a:r>
+          </a:p>
+          <a:p>
+            <a:pPr marL="0" marR="0" lvl="0" indent="0" defTabSz="914400" rtl="0" eaLnBrk="0" fontAlgn="base" latinLnBrk="0" hangingPunct="0">
+              <a:spcBef>
+                <a:spcPct val="0"/>
+              </a:spcBef>
+              <a:spcAft>
+                <a:spcPts val="600"/>
+              </a:spcAft>
+              <a:buClrTx/>
+              <a:buSzTx/>
+              <a:buNone/>
+              <a:tabLst/>
+            </a:pPr>
+            <a:r>
+              <a:rPr kumimoji="0" lang="en-US" altLang="en-US" sz="800" b="0" i="1" u="none" strike="noStrike" cap="none" normalizeH="0" baseline="0">
+                <a:ln>
+                  <a:noFill/>
+                </a:ln>
+                <a:effectLst/>
+                <a:latin typeface="Arial" panose="020B0604020202020204" pitchFamily="34" charset="0"/>
+              </a:rPr>
+              <a:t>The Protection of Information in Computer Systems</a:t>
+            </a:r>
+            <a:r>
+              <a:rPr kumimoji="0" lang="en-US" altLang="en-US" sz="800" b="0" i="0" u="none" strike="noStrike" cap="none" normalizeH="0" baseline="0">
+                <a:ln>
+                  <a:noFill/>
+                </a:ln>
+                <a:effectLst/>
+                <a:latin typeface="Arial" panose="020B0604020202020204" pitchFamily="34" charset="0"/>
+              </a:rPr>
+              <a:t>. </a:t>
+            </a:r>
+            <a:r>
+              <a:rPr kumimoji="0" lang="en-US" altLang="en-US" sz="800" b="0" i="1" u="none" strike="noStrike" cap="none" normalizeH="0" baseline="0">
+                <a:ln>
+                  <a:noFill/>
+                </a:ln>
+                <a:effectLst/>
+                <a:latin typeface="Arial" panose="020B0604020202020204" pitchFamily="34" charset="0"/>
+              </a:rPr>
+              <a:t>Proceedings of the IEEE</a:t>
+            </a:r>
+            <a:r>
+              <a:rPr kumimoji="0" lang="en-US" altLang="en-US" sz="800" b="0" i="0" u="none" strike="noStrike" cap="none" normalizeH="0" baseline="0">
+                <a:ln>
+                  <a:noFill/>
+                </a:ln>
+                <a:effectLst/>
+                <a:latin typeface="Arial" panose="020B0604020202020204" pitchFamily="34" charset="0"/>
+              </a:rPr>
+              <a:t>, </a:t>
+            </a:r>
+            <a:r>
+              <a:rPr kumimoji="0" lang="en-US" altLang="en-US" sz="800" b="0" i="1" u="none" strike="noStrike" cap="none" normalizeH="0" baseline="0">
+                <a:ln>
+                  <a:noFill/>
+                </a:ln>
+                <a:effectLst/>
+                <a:latin typeface="Arial" panose="020B0604020202020204" pitchFamily="34" charset="0"/>
+              </a:rPr>
+              <a:t>63</a:t>
+            </a:r>
+            <a:r>
+              <a:rPr kumimoji="0" lang="en-US" altLang="en-US" sz="800" b="0" i="0" u="none" strike="noStrike" cap="none" normalizeH="0" baseline="0">
+                <a:ln>
+                  <a:noFill/>
+                </a:ln>
+                <a:effectLst/>
+                <a:latin typeface="Arial" panose="020B0604020202020204" pitchFamily="34" charset="0"/>
+              </a:rPr>
+              <a:t>(9), 1278-1308. </a:t>
+            </a:r>
+          </a:p>
+          <a:p>
+            <a:pPr marL="0" marR="0" lvl="0" indent="0" defTabSz="914400" rtl="0" eaLnBrk="0" fontAlgn="base" latinLnBrk="0" hangingPunct="0">
+              <a:spcBef>
+                <a:spcPct val="0"/>
+              </a:spcBef>
+              <a:spcAft>
+                <a:spcPts val="600"/>
+              </a:spcAft>
+              <a:buClrTx/>
+              <a:buSzTx/>
+              <a:buNone/>
+              <a:tabLst/>
+            </a:pPr>
+            <a:r>
+              <a:rPr kumimoji="0" lang="en-US" altLang="en-US" sz="800" b="0" i="0" u="none" strike="noStrike" cap="none" normalizeH="0" baseline="0">
+                <a:ln>
+                  <a:noFill/>
+                </a:ln>
+                <a:effectLst/>
+                <a:latin typeface="Arial" panose="020B0604020202020204" pitchFamily="34" charset="0"/>
+              </a:rPr>
+              <a:t>https://doi.org/10.1109/PROC.1975.9939</a:t>
+            </a:r>
+          </a:p>
+          <a:p>
+            <a:pPr marL="0" marR="0" lvl="0" indent="0" defTabSz="914400" rtl="0" eaLnBrk="0" fontAlgn="base" latinLnBrk="0" hangingPunct="0">
+              <a:spcBef>
+                <a:spcPct val="0"/>
+              </a:spcBef>
+              <a:spcAft>
+                <a:spcPts val="600"/>
+              </a:spcAft>
+              <a:buClrTx/>
+              <a:buSzTx/>
+              <a:buFontTx/>
+              <a:buChar char="•"/>
+              <a:tabLst/>
+            </a:pPr>
+            <a:endParaRPr kumimoji="0" lang="en-US" altLang="en-US" sz="800" b="0" i="0" u="none" strike="noStrike" cap="none" normalizeH="0" baseline="0">
+              <a:ln>
+                <a:noFill/>
+              </a:ln>
+              <a:effectLst/>
+              <a:latin typeface="Arial" panose="020B0604020202020204" pitchFamily="34" charset="0"/>
+            </a:endParaRPr>
+          </a:p>
+          <a:p>
+            <a:pPr marL="0" marR="0" lvl="0" indent="0" defTabSz="914400" rtl="0" eaLnBrk="0" fontAlgn="base" latinLnBrk="0" hangingPunct="0">
+              <a:spcBef>
+                <a:spcPct val="0"/>
+              </a:spcBef>
+              <a:spcAft>
+                <a:spcPts val="600"/>
+              </a:spcAft>
+              <a:buClrTx/>
+              <a:buSzTx/>
+              <a:buFontTx/>
+              <a:buChar char="•"/>
+              <a:tabLst/>
+            </a:pPr>
+            <a:r>
+              <a:rPr kumimoji="0" lang="en-US" altLang="en-US" sz="800" b="0" i="0" u="none" strike="noStrike" cap="none" normalizeH="0" baseline="0">
+                <a:ln>
+                  <a:noFill/>
+                </a:ln>
+                <a:effectLst/>
+                <a:latin typeface="Arial" panose="020B0604020202020204" pitchFamily="34" charset="0"/>
+              </a:rPr>
+              <a:t>National Institute of Standards and Technology. (2020). </a:t>
+            </a:r>
+          </a:p>
+          <a:p>
+            <a:pPr marL="0" marR="0" lvl="0" indent="0" defTabSz="914400" rtl="0" eaLnBrk="0" fontAlgn="base" latinLnBrk="0" hangingPunct="0">
+              <a:spcBef>
+                <a:spcPct val="0"/>
+              </a:spcBef>
+              <a:spcAft>
+                <a:spcPts val="600"/>
+              </a:spcAft>
+              <a:buClrTx/>
+              <a:buSzTx/>
+              <a:buNone/>
+              <a:tabLst/>
+            </a:pPr>
+            <a:r>
+              <a:rPr kumimoji="0" lang="en-US" altLang="en-US" sz="800" b="0" i="1" u="none" strike="noStrike" cap="none" normalizeH="0" baseline="0">
+                <a:ln>
+                  <a:noFill/>
+                </a:ln>
+                <a:effectLst/>
+                <a:latin typeface="Arial" panose="020B0604020202020204" pitchFamily="34" charset="0"/>
+              </a:rPr>
+              <a:t>Security and Privacy Controls for Information Systems and Organizations</a:t>
+            </a:r>
+            <a:r>
+              <a:rPr kumimoji="0" lang="en-US" altLang="en-US" sz="800" b="0" i="0" u="none" strike="noStrike" cap="none" normalizeH="0" baseline="0">
+                <a:ln>
+                  <a:noFill/>
+                </a:ln>
+                <a:effectLst/>
+                <a:latin typeface="Arial" panose="020B0604020202020204" pitchFamily="34" charset="0"/>
+              </a:rPr>
+              <a:t> (NIST SP 800-53 Rev. 5). </a:t>
+            </a:r>
+          </a:p>
+          <a:p>
+            <a:pPr marL="0" marR="0" lvl="0" indent="0" defTabSz="914400" rtl="0" eaLnBrk="0" fontAlgn="base" latinLnBrk="0" hangingPunct="0">
+              <a:spcBef>
+                <a:spcPct val="0"/>
+              </a:spcBef>
+              <a:spcAft>
+                <a:spcPts val="600"/>
+              </a:spcAft>
+              <a:buClrTx/>
+              <a:buSzTx/>
+              <a:buNone/>
+              <a:tabLst/>
+            </a:pPr>
+            <a:r>
+              <a:rPr kumimoji="0" lang="en-US" altLang="en-US" sz="800" b="0" i="0" u="none" strike="noStrike" cap="none" normalizeH="0" baseline="0">
+                <a:ln>
+                  <a:noFill/>
+                </a:ln>
+                <a:effectLst/>
+                <a:latin typeface="Arial" panose="020B0604020202020204" pitchFamily="34" charset="0"/>
+              </a:rPr>
+              <a:t>Retrieved from https://nvlpubs.nist.gov/nistpubs/SpecialPublications/NIST.SP.800-53r5.pdf</a:t>
+            </a:r>
+          </a:p>
+          <a:p>
+            <a:pPr marL="0" marR="0" lvl="0" indent="0" defTabSz="914400" rtl="0" eaLnBrk="0" fontAlgn="base" latinLnBrk="0" hangingPunct="0">
+              <a:spcBef>
+                <a:spcPct val="0"/>
+              </a:spcBef>
+              <a:spcAft>
+                <a:spcPts val="600"/>
+              </a:spcAft>
+              <a:buClrTx/>
+              <a:buSzTx/>
+              <a:buFontTx/>
+              <a:buChar char="•"/>
+              <a:tabLst/>
+            </a:pPr>
+            <a:endParaRPr kumimoji="0" lang="en-US" altLang="en-US" sz="800" b="0" i="0" u="none" strike="noStrike" cap="none" normalizeH="0" baseline="0">
+              <a:ln>
+                <a:noFill/>
+              </a:ln>
+              <a:effectLst/>
+              <a:latin typeface="Arial" panose="020B0604020202020204" pitchFamily="34" charset="0"/>
+            </a:endParaRPr>
+          </a:p>
+          <a:p>
+            <a:pPr marL="0" marR="0" lvl="0" indent="0" defTabSz="914400" rtl="0" eaLnBrk="0" fontAlgn="base" latinLnBrk="0" hangingPunct="0">
+              <a:spcBef>
+                <a:spcPct val="0"/>
+              </a:spcBef>
+              <a:spcAft>
+                <a:spcPts val="600"/>
+              </a:spcAft>
+              <a:buClrTx/>
+              <a:buSzTx/>
+              <a:buFontTx/>
+              <a:buChar char="•"/>
+              <a:tabLst/>
+            </a:pPr>
+            <a:r>
+              <a:rPr kumimoji="0" lang="en-US" altLang="en-US" sz="800" b="0" i="0" u="none" strike="noStrike" cap="none" normalizeH="0" baseline="0">
+                <a:ln>
+                  <a:noFill/>
+                </a:ln>
+                <a:effectLst/>
+                <a:latin typeface="Arial" panose="020B0604020202020204" pitchFamily="34" charset="0"/>
+              </a:rPr>
+              <a:t>SANS Institute. (2021). </a:t>
+            </a:r>
+            <a:r>
+              <a:rPr kumimoji="0" lang="en-US" altLang="en-US" sz="800" b="0" i="1" u="none" strike="noStrike" cap="none" normalizeH="0" baseline="0">
+                <a:ln>
+                  <a:noFill/>
+                </a:ln>
+                <a:effectLst/>
+                <a:latin typeface="Arial" panose="020B0604020202020204" pitchFamily="34" charset="0"/>
+              </a:rPr>
+              <a:t>Implementing the Principle of Least Privilege: </a:t>
+            </a:r>
+          </a:p>
+          <a:p>
+            <a:pPr marL="0" marR="0" lvl="0" indent="0" defTabSz="914400" rtl="0" eaLnBrk="0" fontAlgn="base" latinLnBrk="0" hangingPunct="0">
+              <a:spcBef>
+                <a:spcPct val="0"/>
+              </a:spcBef>
+              <a:spcAft>
+                <a:spcPts val="600"/>
+              </a:spcAft>
+              <a:buClrTx/>
+              <a:buSzTx/>
+              <a:buNone/>
+              <a:tabLst/>
+            </a:pPr>
+            <a:r>
+              <a:rPr kumimoji="0" lang="en-US" altLang="en-US" sz="800" b="0" i="1" u="none" strike="noStrike" cap="none" normalizeH="0" baseline="0">
+                <a:ln>
+                  <a:noFill/>
+                </a:ln>
+                <a:effectLst/>
+                <a:latin typeface="Arial" panose="020B0604020202020204" pitchFamily="34" charset="0"/>
+              </a:rPr>
+              <a:t>Practical Considerations for Cybersecurity</a:t>
+            </a:r>
+            <a:r>
+              <a:rPr kumimoji="0" lang="en-US" altLang="en-US" sz="800" b="0" i="0" u="none" strike="noStrike" cap="none" normalizeH="0" baseline="0">
+                <a:ln>
+                  <a:noFill/>
+                </a:ln>
+                <a:effectLst/>
+                <a:latin typeface="Arial" panose="020B0604020202020204" pitchFamily="34" charset="0"/>
+              </a:rPr>
+              <a:t>. </a:t>
+            </a:r>
+          </a:p>
+          <a:p>
+            <a:pPr marL="0" marR="0" lvl="0" indent="0" defTabSz="914400" rtl="0" eaLnBrk="0" fontAlgn="base" latinLnBrk="0" hangingPunct="0">
+              <a:spcBef>
+                <a:spcPct val="0"/>
+              </a:spcBef>
+              <a:spcAft>
+                <a:spcPts val="600"/>
+              </a:spcAft>
+              <a:buClrTx/>
+              <a:buSzTx/>
+              <a:buNone/>
+              <a:tabLst/>
+            </a:pPr>
+            <a:r>
+              <a:rPr kumimoji="0" lang="en-US" altLang="en-US" sz="800" b="0" i="0" u="none" strike="noStrike" cap="none" normalizeH="0" baseline="0">
+                <a:ln>
+                  <a:noFill/>
+                </a:ln>
+                <a:effectLst/>
+                <a:latin typeface="Arial" panose="020B0604020202020204" pitchFamily="34" charset="0"/>
+              </a:rPr>
+              <a:t>Retrieved from https://www.sans.org/white-papers/39804/</a:t>
+            </a:r>
+          </a:p>
+          <a:p>
+            <a:pPr marL="0" marR="0" lvl="0" indent="0" defTabSz="914400" rtl="0" eaLnBrk="0" fontAlgn="base" latinLnBrk="0" hangingPunct="0">
+              <a:spcBef>
+                <a:spcPct val="0"/>
+              </a:spcBef>
+              <a:spcAft>
+                <a:spcPts val="600"/>
+              </a:spcAft>
+              <a:buClrTx/>
+              <a:buSzTx/>
+              <a:buFontTx/>
+              <a:buChar char="•"/>
+              <a:tabLst/>
+            </a:pPr>
+            <a:endParaRPr kumimoji="0" lang="en-US" altLang="en-US" sz="800" b="0" i="0" u="none" strike="noStrike" cap="none" normalizeH="0" baseline="0">
+              <a:ln>
+                <a:noFill/>
+              </a:ln>
+              <a:effectLst/>
+              <a:latin typeface="Arial" panose="020B0604020202020204" pitchFamily="34" charset="0"/>
+            </a:endParaRPr>
+          </a:p>
+          <a:p>
+            <a:pPr marL="0" marR="0" lvl="0" indent="0" defTabSz="914400" rtl="0" eaLnBrk="0" fontAlgn="base" latinLnBrk="0" hangingPunct="0">
+              <a:spcBef>
+                <a:spcPct val="0"/>
+              </a:spcBef>
+              <a:spcAft>
+                <a:spcPts val="600"/>
+              </a:spcAft>
+              <a:buClrTx/>
+              <a:buSzTx/>
+              <a:buFontTx/>
+              <a:buChar char="•"/>
+              <a:tabLst/>
+            </a:pPr>
+            <a:r>
+              <a:rPr kumimoji="0" lang="en-US" altLang="en-US" sz="800" b="0" i="0" u="none" strike="noStrike" cap="none" normalizeH="0" baseline="0">
+                <a:ln>
+                  <a:noFill/>
+                </a:ln>
+                <a:effectLst/>
+                <a:latin typeface="Arial" panose="020B0604020202020204" pitchFamily="34" charset="0"/>
+              </a:rPr>
+              <a:t>Whitman, M. E., &amp; Mattord, H. J. (2021). </a:t>
+            </a:r>
+          </a:p>
+          <a:p>
+            <a:pPr marL="0" marR="0" lvl="0" indent="0" defTabSz="914400" rtl="0" eaLnBrk="0" fontAlgn="base" latinLnBrk="0" hangingPunct="0">
+              <a:spcBef>
+                <a:spcPct val="0"/>
+              </a:spcBef>
+              <a:spcAft>
+                <a:spcPts val="600"/>
+              </a:spcAft>
+              <a:buClrTx/>
+              <a:buSzTx/>
+              <a:buNone/>
+              <a:tabLst/>
+            </a:pPr>
+            <a:r>
+              <a:rPr kumimoji="0" lang="en-US" altLang="en-US" sz="800" b="0" i="1" u="none" strike="noStrike" cap="none" normalizeH="0" baseline="0">
+                <a:ln>
+                  <a:noFill/>
+                </a:ln>
+                <a:effectLst/>
+                <a:latin typeface="Arial" panose="020B0604020202020204" pitchFamily="34" charset="0"/>
+              </a:rPr>
+              <a:t>Principles of Information Security</a:t>
+            </a:r>
+            <a:r>
+              <a:rPr kumimoji="0" lang="en-US" altLang="en-US" sz="800" b="0" i="0" u="none" strike="noStrike" cap="none" normalizeH="0" baseline="0">
+                <a:ln>
+                  <a:noFill/>
+                </a:ln>
+                <a:effectLst/>
+                <a:latin typeface="Arial" panose="020B0604020202020204" pitchFamily="34" charset="0"/>
+              </a:rPr>
+              <a:t> (7th ed.). </a:t>
+            </a:r>
+          </a:p>
+          <a:p>
+            <a:pPr marL="0" marR="0" lvl="0" indent="0" defTabSz="914400" rtl="0" eaLnBrk="0" fontAlgn="base" latinLnBrk="0" hangingPunct="0">
+              <a:spcBef>
+                <a:spcPct val="0"/>
+              </a:spcBef>
+              <a:spcAft>
+                <a:spcPts val="600"/>
+              </a:spcAft>
+              <a:buClrTx/>
+              <a:buSzTx/>
+              <a:buNone/>
+              <a:tabLst/>
+            </a:pPr>
+            <a:r>
+              <a:rPr kumimoji="0" lang="en-US" altLang="en-US" sz="800" b="0" i="0" u="none" strike="noStrike" cap="none" normalizeH="0" baseline="0">
+                <a:ln>
+                  <a:noFill/>
+                </a:ln>
+                <a:effectLst/>
+                <a:latin typeface="Arial" panose="020B0604020202020204" pitchFamily="34" charset="0"/>
+              </a:rPr>
+              <a:t>Cengage Learning.</a:t>
+            </a:r>
+          </a:p>
+        </p:txBody>
+      </p:sp>
+      <p:cxnSp>
+        <p:nvCxnSpPr>
+          <p:cNvPr id="18" name="Straight Connector 17">
+            <a:extLst>
+              <a:ext uri="{FF2B5EF4-FFF2-40B4-BE49-F238E27FC236}">
+                <a16:creationId xmlns:a16="http://schemas.microsoft.com/office/drawing/2014/main" id="{6CF1BAF6-AD41-4082-B212-8A1F9A2E8779}"/>
+              </a:ext>
+              <a:ext uri="{C183D7F6-B498-43B3-948B-1728B52AA6E4}">
+                <adec:decorative xmlns:adec="http://schemas.microsoft.com/office/drawing/2017/decorative" val="1"/>
+              </a:ext>
+            </a:extLst>
+          </p:cNvPr>
+          <p:cNvCxnSpPr>
+            <a:cxnSpLocks noGrp="1" noRot="1" noChangeAspect="1" noMove="1" noResize="1" noEditPoints="1" noAdjustHandles="1" noChangeArrowheads="1" noChangeShapeType="1"/>
+          </p:cNvCxnSpPr>
+          <p:nvPr>
+            <p:extLst>
+              <p:ext uri="{386F3935-93C4-4BCD-93E2-E3B085C9AB24}">
+                <p16:designElem xmlns:p16="http://schemas.microsoft.com/office/powerpoint/2015/main" val="1"/>
+              </p:ext>
+            </p:extLst>
+          </p:nvPr>
+        </p:nvCxnSpPr>
+        <p:spPr>
+          <a:xfrm flipH="1">
+            <a:off x="838200" y="6485313"/>
+            <a:ext cx="10515600" cy="0"/>
+          </a:xfrm>
+          <a:prstGeom prst="line">
+            <a:avLst/>
+          </a:prstGeom>
+          <a:ln w="57150">
+            <a:solidFill>
+              <a:schemeClr val="accent4"/>
+            </a:solidFill>
+          </a:ln>
+        </p:spPr>
+        <p:style>
+          <a:lnRef idx="1">
+            <a:schemeClr val="accent1"/>
+          </a:lnRef>
+          <a:fillRef idx="0">
+            <a:schemeClr val="accent1"/>
+          </a:fillRef>
+          <a:effectRef idx="0">
+            <a:schemeClr val="accent1"/>
+          </a:effectRef>
+          <a:fontRef idx="minor">
+            <a:schemeClr val="tx1"/>
+          </a:fontRef>
+        </p:style>
+      </p:cxnSp>
+    </p:spTree>
+    <p:extLst>
+      <p:ext uri="{BB962C8B-B14F-4D97-AF65-F5344CB8AC3E}">
+        <p14:creationId xmlns:p14="http://schemas.microsoft.com/office/powerpoint/2010/main" val="3176904785"/>
+      </p:ext>
+    </p:extLst>
+  </p:cSld>
+  <p:clrMapOvr>
+    <a:masterClrMapping/>
+  </p:clrMapOvr>
 </p:sld>
 </file>
 
